--- a/Seating policy framework_Reservation.pptx
+++ b/Seating policy framework_Reservation.pptx
@@ -3388,45 +3388,6 @@
       </p:cxnSp>
       <p:cxnSp>
         <p:nvCxnSpPr>
-          <p:cNvPr id="16" name="Straight Arrow Connector 15"/>
-          <p:cNvCxnSpPr>
-            <a:stCxn id="9" idx="3"/>
-            <a:endCxn id="5" idx="1"/>
-          </p:cNvCxnSpPr>
-          <p:nvPr/>
-        </p:nvCxnSpPr>
-        <p:spPr>
-          <a:xfrm>
-            <a:off x="4789263" y="2884291"/>
-            <a:ext cx="2735306" cy="0"/>
-          </a:xfrm>
-          <a:prstGeom prst="straightConnector1">
-            <a:avLst/>
-          </a:prstGeom>
-          <a:ln>
-            <a:solidFill>
-              <a:schemeClr val="tx1"/>
-            </a:solidFill>
-            <a:tailEnd type="triangle"/>
-          </a:ln>
-        </p:spPr>
-        <p:style>
-          <a:lnRef idx="1">
-            <a:schemeClr val="accent1"/>
-          </a:lnRef>
-          <a:fillRef idx="0">
-            <a:schemeClr val="accent1"/>
-          </a:fillRef>
-          <a:effectRef idx="0">
-            <a:schemeClr val="accent1"/>
-          </a:effectRef>
-          <a:fontRef idx="minor">
-            <a:schemeClr val="tx1"/>
-          </a:fontRef>
-        </p:style>
-      </p:cxnSp>
-      <p:cxnSp>
-        <p:nvCxnSpPr>
           <p:cNvPr id="19" name="Straight Arrow Connector 18"/>
           <p:cNvCxnSpPr>
             <a:stCxn id="9" idx="2"/>
@@ -3968,7 +3929,39 @@
         </p:nvSpPr>
         <p:spPr>
           <a:xfrm>
-            <a:off x="4738062" y="2605689"/>
+            <a:off x="4779622" y="2617320"/>
+            <a:ext cx="435056" cy="276999"/>
+          </a:xfrm>
+          <a:prstGeom prst="rect">
+            <a:avLst/>
+          </a:prstGeom>
+          <a:noFill/>
+        </p:spPr>
+        <p:txBody>
+          <a:bodyPr wrap="none" rtlCol="0">
+            <a:spAutoFit/>
+          </a:bodyPr>
+          <a:lstStyle/>
+          <a:p>
+            <a:r>
+              <a:rPr lang="en-US" sz="1200" dirty="0">
+                <a:latin typeface="Arial" panose="020B0604020202020204" pitchFamily="34" charset="0"/>
+                <a:cs typeface="Arial" panose="020B0604020202020204" pitchFamily="34" charset="0"/>
+              </a:rPr>
+              <a:t>Yes</a:t>
+            </a:r>
+          </a:p>
+        </p:txBody>
+      </p:sp>
+      <p:sp>
+        <p:nvSpPr>
+          <p:cNvPr id="26" name="TextBox 25"/>
+          <p:cNvSpPr txBox="1"/>
+          <p:nvPr/>
+        </p:nvSpPr>
+        <p:spPr>
+          <a:xfrm>
+            <a:off x="7043925" y="3680728"/>
             <a:ext cx="435056" cy="276999"/>
           </a:xfrm>
           <a:prstGeom prst="rect">
@@ -3994,38 +3987,6 @@
       </p:sp>
       <p:sp>
         <p:nvSpPr>
-          <p:cNvPr id="26" name="TextBox 25"/>
-          <p:cNvSpPr txBox="1"/>
-          <p:nvPr/>
-        </p:nvSpPr>
-        <p:spPr>
-          <a:xfrm>
-            <a:off x="7043925" y="3680728"/>
-            <a:ext cx="435056" cy="276999"/>
-          </a:xfrm>
-          <a:prstGeom prst="rect">
-            <a:avLst/>
-          </a:prstGeom>
-          <a:noFill/>
-        </p:spPr>
-        <p:txBody>
-          <a:bodyPr wrap="none" rtlCol="0">
-            <a:spAutoFit/>
-          </a:bodyPr>
-          <a:lstStyle/>
-          <a:p>
-            <a:r>
-              <a:rPr lang="en-US" sz="1200">
-                <a:latin typeface="Arial" panose="020B0604020202020204" pitchFamily="34" charset="0"/>
-                <a:cs typeface="Arial" panose="020B0604020202020204" pitchFamily="34" charset="0"/>
-              </a:rPr>
-              <a:t>Yes</a:t>
-            </a:r>
-          </a:p>
-        </p:txBody>
-      </p:sp>
-      <p:sp>
-        <p:nvSpPr>
           <p:cNvPr id="27" name="TextBox 26"/>
           <p:cNvSpPr txBox="1"/>
           <p:nvPr/>
@@ -4064,7 +4025,7 @@
         </p:nvSpPr>
         <p:spPr>
           <a:xfrm>
-            <a:off x="4160242" y="3158617"/>
+            <a:off x="3757481" y="3261268"/>
             <a:ext cx="380232" cy="276999"/>
           </a:xfrm>
           <a:prstGeom prst="rect">
@@ -4203,7 +4164,7 @@
           <a:p>
             <a:pPr algn="ctr"/>
             <a:r>
-              <a:rPr lang="en-US" sz="1100" dirty="0">
+              <a:rPr lang="en-US" sz="700" dirty="0">
                 <a:solidFill>
                   <a:schemeClr val="tx1"/>
                 </a:solidFill>
@@ -4746,6 +4707,295 @@
           <a:prstGeom prst="bentConnector3">
             <a:avLst>
               <a:gd name="adj1" fmla="val -190910"/>
+            </a:avLst>
+          </a:prstGeom>
+          <a:ln>
+            <a:solidFill>
+              <a:schemeClr val="tx1"/>
+            </a:solidFill>
+            <a:tailEnd type="triangle"/>
+          </a:ln>
+        </p:spPr>
+        <p:style>
+          <a:lnRef idx="1">
+            <a:schemeClr val="accent1"/>
+          </a:lnRef>
+          <a:fillRef idx="0">
+            <a:schemeClr val="accent1"/>
+          </a:fillRef>
+          <a:effectRef idx="0">
+            <a:schemeClr val="accent1"/>
+          </a:effectRef>
+          <a:fontRef idx="minor">
+            <a:schemeClr val="tx1"/>
+          </a:fontRef>
+        </p:style>
+      </p:cxnSp>
+      <p:sp>
+        <p:nvSpPr>
+          <p:cNvPr id="56" name="Diamond 55">
+            <a:extLst>
+              <a:ext uri="{FF2B5EF4-FFF2-40B4-BE49-F238E27FC236}">
+                <a16:creationId xmlns:a16="http://schemas.microsoft.com/office/drawing/2014/main" id="{C22AF827-E530-D146-B957-F805EAB923FF}"/>
+              </a:ext>
+            </a:extLst>
+          </p:cNvPr>
+          <p:cNvSpPr/>
+          <p:nvPr/>
+        </p:nvSpPr>
+        <p:spPr>
+          <a:xfrm>
+            <a:off x="5397256" y="2607249"/>
+            <a:ext cx="1260000" cy="540000"/>
+          </a:xfrm>
+          <a:prstGeom prst="diamond">
+            <a:avLst/>
+          </a:prstGeom>
+          <a:solidFill>
+            <a:schemeClr val="bg1"/>
+          </a:solidFill>
+          <a:ln w="6350">
+            <a:solidFill>
+              <a:schemeClr val="tx1"/>
+            </a:solidFill>
+          </a:ln>
+        </p:spPr>
+        <p:style>
+          <a:lnRef idx="2">
+            <a:schemeClr val="accent1">
+              <a:shade val="50000"/>
+            </a:schemeClr>
+          </a:lnRef>
+          <a:fillRef idx="1">
+            <a:schemeClr val="accent1"/>
+          </a:fillRef>
+          <a:effectRef idx="0">
+            <a:schemeClr val="accent1"/>
+          </a:effectRef>
+          <a:fontRef idx="minor">
+            <a:schemeClr val="lt1"/>
+          </a:fontRef>
+        </p:style>
+        <p:txBody>
+          <a:bodyPr lIns="36000" tIns="36000" rIns="36000" bIns="36000" rtlCol="0" anchor="ctr"/>
+          <a:lstStyle/>
+          <a:p>
+            <a:pPr algn="ctr"/>
+            <a:r>
+              <a:rPr lang="en-US" sz="600" dirty="0">
+                <a:solidFill>
+                  <a:schemeClr val="tx1"/>
+                </a:solidFill>
+                <a:latin typeface="Arial" panose="020B0604020202020204" pitchFamily="34" charset="0"/>
+                <a:cs typeface="Arial" panose="020B0604020202020204" pitchFamily="34" charset="0"/>
+              </a:rPr>
+              <a:t>Table Size ≠</a:t>
+            </a:r>
+          </a:p>
+          <a:p>
+            <a:pPr algn="ctr"/>
+            <a:r>
+              <a:rPr lang="en-US" sz="600" dirty="0">
+                <a:solidFill>
+                  <a:schemeClr val="tx1"/>
+                </a:solidFill>
+                <a:latin typeface="Arial" panose="020B0604020202020204" pitchFamily="34" charset="0"/>
+                <a:cs typeface="Arial" panose="020B0604020202020204" pitchFamily="34" charset="0"/>
+              </a:rPr>
+              <a:t>  Reserved Group Size</a:t>
+            </a:r>
+          </a:p>
+        </p:txBody>
+      </p:sp>
+      <p:cxnSp>
+        <p:nvCxnSpPr>
+          <p:cNvPr id="58" name="Straight Arrow Connector 57">
+            <a:extLst>
+              <a:ext uri="{FF2B5EF4-FFF2-40B4-BE49-F238E27FC236}">
+                <a16:creationId xmlns:a16="http://schemas.microsoft.com/office/drawing/2014/main" id="{4144626B-7BF1-014C-AB50-F507F13E3FBF}"/>
+              </a:ext>
+            </a:extLst>
+          </p:cNvPr>
+          <p:cNvCxnSpPr>
+            <a:cxnSpLocks/>
+          </p:cNvCxnSpPr>
+          <p:nvPr/>
+        </p:nvCxnSpPr>
+        <p:spPr>
+          <a:xfrm>
+            <a:off x="4784332" y="2877249"/>
+            <a:ext cx="623800" cy="0"/>
+          </a:xfrm>
+          <a:prstGeom prst="straightConnector1">
+            <a:avLst/>
+          </a:prstGeom>
+          <a:ln>
+            <a:solidFill>
+              <a:schemeClr val="tx1"/>
+            </a:solidFill>
+            <a:tailEnd type="triangle"/>
+          </a:ln>
+        </p:spPr>
+        <p:style>
+          <a:lnRef idx="1">
+            <a:schemeClr val="accent1"/>
+          </a:lnRef>
+          <a:fillRef idx="0">
+            <a:schemeClr val="accent1"/>
+          </a:fillRef>
+          <a:effectRef idx="0">
+            <a:schemeClr val="accent1"/>
+          </a:effectRef>
+          <a:fontRef idx="minor">
+            <a:schemeClr val="tx1"/>
+          </a:fontRef>
+        </p:style>
+      </p:cxnSp>
+      <p:cxnSp>
+        <p:nvCxnSpPr>
+          <p:cNvPr id="59" name="Straight Arrow Connector 58">
+            <a:extLst>
+              <a:ext uri="{FF2B5EF4-FFF2-40B4-BE49-F238E27FC236}">
+                <a16:creationId xmlns:a16="http://schemas.microsoft.com/office/drawing/2014/main" id="{32B5FC23-F338-B74B-9F8C-2EA0220094B6}"/>
+              </a:ext>
+            </a:extLst>
+          </p:cNvPr>
+          <p:cNvCxnSpPr>
+            <a:cxnSpLocks/>
+            <a:endCxn id="5" idx="1"/>
+          </p:cNvCxnSpPr>
+          <p:nvPr/>
+        </p:nvCxnSpPr>
+        <p:spPr>
+          <a:xfrm>
+            <a:off x="6657256" y="2884291"/>
+            <a:ext cx="867313" cy="0"/>
+          </a:xfrm>
+          <a:prstGeom prst="straightConnector1">
+            <a:avLst/>
+          </a:prstGeom>
+          <a:ln>
+            <a:solidFill>
+              <a:schemeClr val="tx1"/>
+            </a:solidFill>
+            <a:tailEnd type="triangle"/>
+          </a:ln>
+        </p:spPr>
+        <p:style>
+          <a:lnRef idx="1">
+            <a:schemeClr val="accent1"/>
+          </a:lnRef>
+          <a:fillRef idx="0">
+            <a:schemeClr val="accent1"/>
+          </a:fillRef>
+          <a:effectRef idx="0">
+            <a:schemeClr val="accent1"/>
+          </a:effectRef>
+          <a:fontRef idx="minor">
+            <a:schemeClr val="tx1"/>
+          </a:fontRef>
+        </p:style>
+      </p:cxnSp>
+      <p:sp>
+        <p:nvSpPr>
+          <p:cNvPr id="60" name="TextBox 59">
+            <a:extLst>
+              <a:ext uri="{FF2B5EF4-FFF2-40B4-BE49-F238E27FC236}">
+                <a16:creationId xmlns:a16="http://schemas.microsoft.com/office/drawing/2014/main" id="{D86E8A33-A4CF-E140-BEF4-644214BC2335}"/>
+              </a:ext>
+            </a:extLst>
+          </p:cNvPr>
+          <p:cNvSpPr txBox="1"/>
+          <p:nvPr/>
+        </p:nvSpPr>
+        <p:spPr>
+          <a:xfrm>
+            <a:off x="6884388" y="2596171"/>
+            <a:ext cx="435056" cy="276999"/>
+          </a:xfrm>
+          <a:prstGeom prst="rect">
+            <a:avLst/>
+          </a:prstGeom>
+          <a:noFill/>
+        </p:spPr>
+        <p:txBody>
+          <a:bodyPr wrap="none" rtlCol="0">
+            <a:spAutoFit/>
+          </a:bodyPr>
+          <a:lstStyle/>
+          <a:p>
+            <a:r>
+              <a:rPr lang="en-US" sz="1200" dirty="0">
+                <a:latin typeface="Arial" panose="020B0604020202020204" pitchFamily="34" charset="0"/>
+                <a:cs typeface="Arial" panose="020B0604020202020204" pitchFamily="34" charset="0"/>
+              </a:rPr>
+              <a:t>Yes</a:t>
+            </a:r>
+          </a:p>
+        </p:txBody>
+      </p:sp>
+      <p:sp>
+        <p:nvSpPr>
+          <p:cNvPr id="62" name="TextBox 61">
+            <a:extLst>
+              <a:ext uri="{FF2B5EF4-FFF2-40B4-BE49-F238E27FC236}">
+                <a16:creationId xmlns:a16="http://schemas.microsoft.com/office/drawing/2014/main" id="{3A34B387-56B5-BD48-B05D-CD4AEC4FEDB3}"/>
+              </a:ext>
+            </a:extLst>
+          </p:cNvPr>
+          <p:cNvSpPr txBox="1"/>
+          <p:nvPr/>
+        </p:nvSpPr>
+        <p:spPr>
+          <a:xfrm>
+            <a:off x="5998007" y="3136602"/>
+            <a:ext cx="380232" cy="276999"/>
+          </a:xfrm>
+          <a:prstGeom prst="rect">
+            <a:avLst/>
+          </a:prstGeom>
+          <a:noFill/>
+        </p:spPr>
+        <p:txBody>
+          <a:bodyPr wrap="none" rtlCol="0">
+            <a:spAutoFit/>
+          </a:bodyPr>
+          <a:lstStyle/>
+          <a:p>
+            <a:r>
+              <a:rPr lang="en-US" sz="1200" dirty="0">
+                <a:latin typeface="Arial" panose="020B0604020202020204" pitchFamily="34" charset="0"/>
+                <a:cs typeface="Arial" panose="020B0604020202020204" pitchFamily="34" charset="0"/>
+              </a:rPr>
+              <a:t>No</a:t>
+            </a:r>
+          </a:p>
+        </p:txBody>
+      </p:sp>
+      <p:cxnSp>
+        <p:nvCxnSpPr>
+          <p:cNvPr id="63" name="Elbow Connector 62">
+            <a:extLst>
+              <a:ext uri="{FF2B5EF4-FFF2-40B4-BE49-F238E27FC236}">
+                <a16:creationId xmlns:a16="http://schemas.microsoft.com/office/drawing/2014/main" id="{7D8796A9-20A2-7F4B-8780-949EC0E0D621}"/>
+              </a:ext>
+            </a:extLst>
+          </p:cNvPr>
+          <p:cNvCxnSpPr>
+            <a:cxnSpLocks/>
+            <a:stCxn id="56" idx="2"/>
+            <a:endCxn id="10" idx="0"/>
+          </p:cNvCxnSpPr>
+          <p:nvPr/>
+        </p:nvCxnSpPr>
+        <p:spPr>
+          <a:xfrm rot="5400000">
+            <a:off x="4828345" y="2478168"/>
+            <a:ext cx="529831" cy="1867993"/>
+          </a:xfrm>
+          <a:prstGeom prst="bentConnector3">
+            <a:avLst>
+              <a:gd name="adj1" fmla="val 50000"/>
             </a:avLst>
           </a:prstGeom>
           <a:ln>

--- a/Seating policy framework_Reservation.pptx
+++ b/Seating policy framework_Reservation.pptx
@@ -2,10 +2,11 @@
 <file path=ppt/presentation.xml><?xml version="1.0" encoding="utf-8"?>
 <p:presentation xmlns:a="http://schemas.openxmlformats.org/drawingml/2006/main" xmlns:r="http://schemas.openxmlformats.org/officeDocument/2006/relationships" xmlns:p="http://schemas.openxmlformats.org/presentationml/2006/main" saveSubsetFonts="1">
   <p:sldMasterIdLst>
-    <p:sldMasterId id="2147483648" r:id="rId1"/>
+    <p:sldMasterId id="2147483684" r:id="rId1"/>
   </p:sldMasterIdLst>
   <p:sldIdLst>
     <p:sldId id="256" r:id="rId2"/>
+    <p:sldId id="257" r:id="rId3"/>
   </p:sldIdLst>
   <p:sldSz cx="12192000" cy="6858000"/>
   <p:notesSz cx="6858000" cy="9144000"/>
@@ -131,7 +132,13 @@
       </p:grpSpPr>
       <p:sp>
         <p:nvSpPr>
-          <p:cNvPr id="2" name="Title 1"/>
+          <p:cNvPr id="2" name="Title 1">
+            <a:extLst>
+              <a:ext uri="{FF2B5EF4-FFF2-40B4-BE49-F238E27FC236}">
+                <a16:creationId xmlns:a16="http://schemas.microsoft.com/office/drawing/2014/main" id="{44E0DECC-8C23-D94B-ACEF-0EC123F08A53}"/>
+              </a:ext>
+            </a:extLst>
+          </p:cNvPr>
           <p:cNvSpPr>
             <a:spLocks noGrp="1"/>
           </p:cNvSpPr>
@@ -162,7 +169,13 @@
       </p:sp>
       <p:sp>
         <p:nvSpPr>
-          <p:cNvPr id="3" name="Subtitle 2"/>
+          <p:cNvPr id="3" name="Subtitle 2">
+            <a:extLst>
+              <a:ext uri="{FF2B5EF4-FFF2-40B4-BE49-F238E27FC236}">
+                <a16:creationId xmlns:a16="http://schemas.microsoft.com/office/drawing/2014/main" id="{DB0D3F7A-1E08-9249-A62E-6DC73376DECB}"/>
+              </a:ext>
+            </a:extLst>
+          </p:cNvPr>
           <p:cNvSpPr>
             <a:spLocks noGrp="1"/>
           </p:cNvSpPr>
@@ -226,7 +239,13 @@
       </p:sp>
       <p:sp>
         <p:nvSpPr>
-          <p:cNvPr id="4" name="Date Placeholder 3"/>
+          <p:cNvPr id="4" name="Date Placeholder 3">
+            <a:extLst>
+              <a:ext uri="{FF2B5EF4-FFF2-40B4-BE49-F238E27FC236}">
+                <a16:creationId xmlns:a16="http://schemas.microsoft.com/office/drawing/2014/main" id="{05D33DD3-4E47-5142-807E-B65ED22CF3AE}"/>
+              </a:ext>
+            </a:extLst>
+          </p:cNvPr>
           <p:cNvSpPr>
             <a:spLocks noGrp="1"/>
           </p:cNvSpPr>
@@ -249,7 +268,13 @@
       </p:sp>
       <p:sp>
         <p:nvSpPr>
-          <p:cNvPr id="5" name="Footer Placeholder 4"/>
+          <p:cNvPr id="5" name="Footer Placeholder 4">
+            <a:extLst>
+              <a:ext uri="{FF2B5EF4-FFF2-40B4-BE49-F238E27FC236}">
+                <a16:creationId xmlns:a16="http://schemas.microsoft.com/office/drawing/2014/main" id="{A8E9160C-B4F4-5D4C-8694-338C564A023D}"/>
+              </a:ext>
+            </a:extLst>
+          </p:cNvPr>
           <p:cNvSpPr>
             <a:spLocks noGrp="1"/>
           </p:cNvSpPr>
@@ -268,7 +293,13 @@
       </p:sp>
       <p:sp>
         <p:nvSpPr>
-          <p:cNvPr id="6" name="Slide Number Placeholder 5"/>
+          <p:cNvPr id="6" name="Slide Number Placeholder 5">
+            <a:extLst>
+              <a:ext uri="{FF2B5EF4-FFF2-40B4-BE49-F238E27FC236}">
+                <a16:creationId xmlns:a16="http://schemas.microsoft.com/office/drawing/2014/main" id="{B3ACF532-C55F-6A4F-B3D8-E4DAF5C402D2}"/>
+              </a:ext>
+            </a:extLst>
+          </p:cNvPr>
           <p:cNvSpPr>
             <a:spLocks noGrp="1"/>
           </p:cNvSpPr>
@@ -292,7 +323,7 @@
     </p:spTree>
     <p:extLst>
       <p:ext uri="{BB962C8B-B14F-4D97-AF65-F5344CB8AC3E}">
-        <p14:creationId xmlns:p14="http://schemas.microsoft.com/office/powerpoint/2010/main" val="3332272201"/>
+        <p14:creationId xmlns:p14="http://schemas.microsoft.com/office/powerpoint/2010/main" val="1789870971"/>
       </p:ext>
     </p:extLst>
   </p:cSld>
@@ -321,7 +352,13 @@
       </p:grpSpPr>
       <p:sp>
         <p:nvSpPr>
-          <p:cNvPr id="2" name="Title 1"/>
+          <p:cNvPr id="2" name="Title 1">
+            <a:extLst>
+              <a:ext uri="{FF2B5EF4-FFF2-40B4-BE49-F238E27FC236}">
+                <a16:creationId xmlns:a16="http://schemas.microsoft.com/office/drawing/2014/main" id="{83600CAC-E28B-4D44-A9A5-40F49CB15931}"/>
+              </a:ext>
+            </a:extLst>
+          </p:cNvPr>
           <p:cNvSpPr>
             <a:spLocks noGrp="1"/>
           </p:cNvSpPr>
@@ -343,7 +380,13 @@
       </p:sp>
       <p:sp>
         <p:nvSpPr>
-          <p:cNvPr id="3" name="Vertical Text Placeholder 2"/>
+          <p:cNvPr id="3" name="Vertical Text Placeholder 2">
+            <a:extLst>
+              <a:ext uri="{FF2B5EF4-FFF2-40B4-BE49-F238E27FC236}">
+                <a16:creationId xmlns:a16="http://schemas.microsoft.com/office/drawing/2014/main" id="{1E09D89C-934B-D642-A621-329BE597AD5B}"/>
+              </a:ext>
+            </a:extLst>
+          </p:cNvPr>
           <p:cNvSpPr>
             <a:spLocks noGrp="1"/>
           </p:cNvSpPr>
@@ -394,7 +437,13 @@
       </p:sp>
       <p:sp>
         <p:nvSpPr>
-          <p:cNvPr id="4" name="Date Placeholder 3"/>
+          <p:cNvPr id="4" name="Date Placeholder 3">
+            <a:extLst>
+              <a:ext uri="{FF2B5EF4-FFF2-40B4-BE49-F238E27FC236}">
+                <a16:creationId xmlns:a16="http://schemas.microsoft.com/office/drawing/2014/main" id="{309AEB18-5C68-634D-A987-06FB20FE345D}"/>
+              </a:ext>
+            </a:extLst>
+          </p:cNvPr>
           <p:cNvSpPr>
             <a:spLocks noGrp="1"/>
           </p:cNvSpPr>
@@ -417,7 +466,13 @@
       </p:sp>
       <p:sp>
         <p:nvSpPr>
-          <p:cNvPr id="5" name="Footer Placeholder 4"/>
+          <p:cNvPr id="5" name="Footer Placeholder 4">
+            <a:extLst>
+              <a:ext uri="{FF2B5EF4-FFF2-40B4-BE49-F238E27FC236}">
+                <a16:creationId xmlns:a16="http://schemas.microsoft.com/office/drawing/2014/main" id="{95BD6E39-C6D7-B541-BDF2-C128F70D9972}"/>
+              </a:ext>
+            </a:extLst>
+          </p:cNvPr>
           <p:cNvSpPr>
             <a:spLocks noGrp="1"/>
           </p:cNvSpPr>
@@ -436,7 +491,13 @@
       </p:sp>
       <p:sp>
         <p:nvSpPr>
-          <p:cNvPr id="6" name="Slide Number Placeholder 5"/>
+          <p:cNvPr id="6" name="Slide Number Placeholder 5">
+            <a:extLst>
+              <a:ext uri="{FF2B5EF4-FFF2-40B4-BE49-F238E27FC236}">
+                <a16:creationId xmlns:a16="http://schemas.microsoft.com/office/drawing/2014/main" id="{A99EC88D-4A2E-974B-AD0F-B8FF335CEE4C}"/>
+              </a:ext>
+            </a:extLst>
+          </p:cNvPr>
           <p:cNvSpPr>
             <a:spLocks noGrp="1"/>
           </p:cNvSpPr>
@@ -460,7 +521,7 @@
     </p:spTree>
     <p:extLst>
       <p:ext uri="{BB962C8B-B14F-4D97-AF65-F5344CB8AC3E}">
-        <p14:creationId xmlns:p14="http://schemas.microsoft.com/office/powerpoint/2010/main" val="3419432306"/>
+        <p14:creationId xmlns:p14="http://schemas.microsoft.com/office/powerpoint/2010/main" val="3428823672"/>
       </p:ext>
     </p:extLst>
   </p:cSld>
@@ -489,7 +550,13 @@
       </p:grpSpPr>
       <p:sp>
         <p:nvSpPr>
-          <p:cNvPr id="2" name="Vertical Title 1"/>
+          <p:cNvPr id="2" name="Vertical Title 1">
+            <a:extLst>
+              <a:ext uri="{FF2B5EF4-FFF2-40B4-BE49-F238E27FC236}">
+                <a16:creationId xmlns:a16="http://schemas.microsoft.com/office/drawing/2014/main" id="{2A64D862-4A3A-3144-A149-B3AB2801F7EB}"/>
+              </a:ext>
+            </a:extLst>
+          </p:cNvPr>
           <p:cNvSpPr>
             <a:spLocks noGrp="1"/>
           </p:cNvSpPr>
@@ -516,7 +583,13 @@
       </p:sp>
       <p:sp>
         <p:nvSpPr>
-          <p:cNvPr id="3" name="Vertical Text Placeholder 2"/>
+          <p:cNvPr id="3" name="Vertical Text Placeholder 2">
+            <a:extLst>
+              <a:ext uri="{FF2B5EF4-FFF2-40B4-BE49-F238E27FC236}">
+                <a16:creationId xmlns:a16="http://schemas.microsoft.com/office/drawing/2014/main" id="{28B8F94A-618F-DB42-A5C3-27E16E6ABAA9}"/>
+              </a:ext>
+            </a:extLst>
+          </p:cNvPr>
           <p:cNvSpPr>
             <a:spLocks noGrp="1"/>
           </p:cNvSpPr>
@@ -572,7 +645,13 @@
       </p:sp>
       <p:sp>
         <p:nvSpPr>
-          <p:cNvPr id="4" name="Date Placeholder 3"/>
+          <p:cNvPr id="4" name="Date Placeholder 3">
+            <a:extLst>
+              <a:ext uri="{FF2B5EF4-FFF2-40B4-BE49-F238E27FC236}">
+                <a16:creationId xmlns:a16="http://schemas.microsoft.com/office/drawing/2014/main" id="{7AA7DAD2-5B76-F04D-9A24-09C58FC58911}"/>
+              </a:ext>
+            </a:extLst>
+          </p:cNvPr>
           <p:cNvSpPr>
             <a:spLocks noGrp="1"/>
           </p:cNvSpPr>
@@ -595,7 +674,13 @@
       </p:sp>
       <p:sp>
         <p:nvSpPr>
-          <p:cNvPr id="5" name="Footer Placeholder 4"/>
+          <p:cNvPr id="5" name="Footer Placeholder 4">
+            <a:extLst>
+              <a:ext uri="{FF2B5EF4-FFF2-40B4-BE49-F238E27FC236}">
+                <a16:creationId xmlns:a16="http://schemas.microsoft.com/office/drawing/2014/main" id="{E93ACDD3-B935-EC4A-BEFF-31651F685741}"/>
+              </a:ext>
+            </a:extLst>
+          </p:cNvPr>
           <p:cNvSpPr>
             <a:spLocks noGrp="1"/>
           </p:cNvSpPr>
@@ -614,7 +699,13 @@
       </p:sp>
       <p:sp>
         <p:nvSpPr>
-          <p:cNvPr id="6" name="Slide Number Placeholder 5"/>
+          <p:cNvPr id="6" name="Slide Number Placeholder 5">
+            <a:extLst>
+              <a:ext uri="{FF2B5EF4-FFF2-40B4-BE49-F238E27FC236}">
+                <a16:creationId xmlns:a16="http://schemas.microsoft.com/office/drawing/2014/main" id="{6A0CF1F5-D268-4C4F-8F78-E6A8F332CE80}"/>
+              </a:ext>
+            </a:extLst>
+          </p:cNvPr>
           <p:cNvSpPr>
             <a:spLocks noGrp="1"/>
           </p:cNvSpPr>
@@ -638,7 +729,7 @@
     </p:spTree>
     <p:extLst>
       <p:ext uri="{BB962C8B-B14F-4D97-AF65-F5344CB8AC3E}">
-        <p14:creationId xmlns:p14="http://schemas.microsoft.com/office/powerpoint/2010/main" val="4272693672"/>
+        <p14:creationId xmlns:p14="http://schemas.microsoft.com/office/powerpoint/2010/main" val="2278723255"/>
       </p:ext>
     </p:extLst>
   </p:cSld>
@@ -667,7 +758,13 @@
       </p:grpSpPr>
       <p:sp>
         <p:nvSpPr>
-          <p:cNvPr id="2" name="Title 1"/>
+          <p:cNvPr id="2" name="Title 1">
+            <a:extLst>
+              <a:ext uri="{FF2B5EF4-FFF2-40B4-BE49-F238E27FC236}">
+                <a16:creationId xmlns:a16="http://schemas.microsoft.com/office/drawing/2014/main" id="{29E01BB6-0CE3-C24E-B1B7-EB4D5DBFD309}"/>
+              </a:ext>
+            </a:extLst>
+          </p:cNvPr>
           <p:cNvSpPr>
             <a:spLocks noGrp="1"/>
           </p:cNvSpPr>
@@ -689,7 +786,13 @@
       </p:sp>
       <p:sp>
         <p:nvSpPr>
-          <p:cNvPr id="3" name="Content Placeholder 2"/>
+          <p:cNvPr id="3" name="Content Placeholder 2">
+            <a:extLst>
+              <a:ext uri="{FF2B5EF4-FFF2-40B4-BE49-F238E27FC236}">
+                <a16:creationId xmlns:a16="http://schemas.microsoft.com/office/drawing/2014/main" id="{B173CFBB-4D30-A54D-837E-CE2A8DBF0DA8}"/>
+              </a:ext>
+            </a:extLst>
+          </p:cNvPr>
           <p:cNvSpPr>
             <a:spLocks noGrp="1"/>
           </p:cNvSpPr>
@@ -740,7 +843,13 @@
       </p:sp>
       <p:sp>
         <p:nvSpPr>
-          <p:cNvPr id="4" name="Date Placeholder 3"/>
+          <p:cNvPr id="4" name="Date Placeholder 3">
+            <a:extLst>
+              <a:ext uri="{FF2B5EF4-FFF2-40B4-BE49-F238E27FC236}">
+                <a16:creationId xmlns:a16="http://schemas.microsoft.com/office/drawing/2014/main" id="{8CF5C3AE-3EBB-E147-9833-702A6BD6E4BF}"/>
+              </a:ext>
+            </a:extLst>
+          </p:cNvPr>
           <p:cNvSpPr>
             <a:spLocks noGrp="1"/>
           </p:cNvSpPr>
@@ -763,7 +872,13 @@
       </p:sp>
       <p:sp>
         <p:nvSpPr>
-          <p:cNvPr id="5" name="Footer Placeholder 4"/>
+          <p:cNvPr id="5" name="Footer Placeholder 4">
+            <a:extLst>
+              <a:ext uri="{FF2B5EF4-FFF2-40B4-BE49-F238E27FC236}">
+                <a16:creationId xmlns:a16="http://schemas.microsoft.com/office/drawing/2014/main" id="{918E0DB6-4AF7-0445-9BF4-D728A7A07BF6}"/>
+              </a:ext>
+            </a:extLst>
+          </p:cNvPr>
           <p:cNvSpPr>
             <a:spLocks noGrp="1"/>
           </p:cNvSpPr>
@@ -782,7 +897,13 @@
       </p:sp>
       <p:sp>
         <p:nvSpPr>
-          <p:cNvPr id="6" name="Slide Number Placeholder 5"/>
+          <p:cNvPr id="6" name="Slide Number Placeholder 5">
+            <a:extLst>
+              <a:ext uri="{FF2B5EF4-FFF2-40B4-BE49-F238E27FC236}">
+                <a16:creationId xmlns:a16="http://schemas.microsoft.com/office/drawing/2014/main" id="{17F2D77F-6254-B64E-9C23-0455AD2B4E88}"/>
+              </a:ext>
+            </a:extLst>
+          </p:cNvPr>
           <p:cNvSpPr>
             <a:spLocks noGrp="1"/>
           </p:cNvSpPr>
@@ -806,7 +927,7 @@
     </p:spTree>
     <p:extLst>
       <p:ext uri="{BB962C8B-B14F-4D97-AF65-F5344CB8AC3E}">
-        <p14:creationId xmlns:p14="http://schemas.microsoft.com/office/powerpoint/2010/main" val="370506418"/>
+        <p14:creationId xmlns:p14="http://schemas.microsoft.com/office/powerpoint/2010/main" val="1935577113"/>
       </p:ext>
     </p:extLst>
   </p:cSld>
@@ -835,7 +956,13 @@
       </p:grpSpPr>
       <p:sp>
         <p:nvSpPr>
-          <p:cNvPr id="2" name="Title 1"/>
+          <p:cNvPr id="2" name="Title 1">
+            <a:extLst>
+              <a:ext uri="{FF2B5EF4-FFF2-40B4-BE49-F238E27FC236}">
+                <a16:creationId xmlns:a16="http://schemas.microsoft.com/office/drawing/2014/main" id="{CB8DC558-B6A2-1D4C-B617-D99293898DD8}"/>
+              </a:ext>
+            </a:extLst>
+          </p:cNvPr>
           <p:cNvSpPr>
             <a:spLocks noGrp="1"/>
           </p:cNvSpPr>
@@ -866,7 +993,13 @@
       </p:sp>
       <p:sp>
         <p:nvSpPr>
-          <p:cNvPr id="3" name="Text Placeholder 2"/>
+          <p:cNvPr id="3" name="Text Placeholder 2">
+            <a:extLst>
+              <a:ext uri="{FF2B5EF4-FFF2-40B4-BE49-F238E27FC236}">
+                <a16:creationId xmlns:a16="http://schemas.microsoft.com/office/drawing/2014/main" id="{BE582971-F9FE-B547-9DD5-B76848D18D60}"/>
+              </a:ext>
+            </a:extLst>
+          </p:cNvPr>
           <p:cNvSpPr>
             <a:spLocks noGrp="1"/>
           </p:cNvSpPr>
@@ -985,7 +1118,13 @@
       </p:sp>
       <p:sp>
         <p:nvSpPr>
-          <p:cNvPr id="4" name="Date Placeholder 3"/>
+          <p:cNvPr id="4" name="Date Placeholder 3">
+            <a:extLst>
+              <a:ext uri="{FF2B5EF4-FFF2-40B4-BE49-F238E27FC236}">
+                <a16:creationId xmlns:a16="http://schemas.microsoft.com/office/drawing/2014/main" id="{B5F33AB1-D8E9-C048-A807-FE8959E82E42}"/>
+              </a:ext>
+            </a:extLst>
+          </p:cNvPr>
           <p:cNvSpPr>
             <a:spLocks noGrp="1"/>
           </p:cNvSpPr>
@@ -1008,7 +1147,13 @@
       </p:sp>
       <p:sp>
         <p:nvSpPr>
-          <p:cNvPr id="5" name="Footer Placeholder 4"/>
+          <p:cNvPr id="5" name="Footer Placeholder 4">
+            <a:extLst>
+              <a:ext uri="{FF2B5EF4-FFF2-40B4-BE49-F238E27FC236}">
+                <a16:creationId xmlns:a16="http://schemas.microsoft.com/office/drawing/2014/main" id="{5406B1E9-E779-2741-B37F-DB2D4187550F}"/>
+              </a:ext>
+            </a:extLst>
+          </p:cNvPr>
           <p:cNvSpPr>
             <a:spLocks noGrp="1"/>
           </p:cNvSpPr>
@@ -1027,7 +1172,13 @@
       </p:sp>
       <p:sp>
         <p:nvSpPr>
-          <p:cNvPr id="6" name="Slide Number Placeholder 5"/>
+          <p:cNvPr id="6" name="Slide Number Placeholder 5">
+            <a:extLst>
+              <a:ext uri="{FF2B5EF4-FFF2-40B4-BE49-F238E27FC236}">
+                <a16:creationId xmlns:a16="http://schemas.microsoft.com/office/drawing/2014/main" id="{DCDDB5AB-BDA3-2F4C-81C2-FEC2B76E0345}"/>
+              </a:ext>
+            </a:extLst>
+          </p:cNvPr>
           <p:cNvSpPr>
             <a:spLocks noGrp="1"/>
           </p:cNvSpPr>
@@ -1051,7 +1202,7 @@
     </p:spTree>
     <p:extLst>
       <p:ext uri="{BB962C8B-B14F-4D97-AF65-F5344CB8AC3E}">
-        <p14:creationId xmlns:p14="http://schemas.microsoft.com/office/powerpoint/2010/main" val="135635885"/>
+        <p14:creationId xmlns:p14="http://schemas.microsoft.com/office/powerpoint/2010/main" val="233254382"/>
       </p:ext>
     </p:extLst>
   </p:cSld>
@@ -1080,7 +1231,13 @@
       </p:grpSpPr>
       <p:sp>
         <p:nvSpPr>
-          <p:cNvPr id="2" name="Title 1"/>
+          <p:cNvPr id="2" name="Title 1">
+            <a:extLst>
+              <a:ext uri="{FF2B5EF4-FFF2-40B4-BE49-F238E27FC236}">
+                <a16:creationId xmlns:a16="http://schemas.microsoft.com/office/drawing/2014/main" id="{88A59920-C7F1-A646-9089-CC2967BF0BE4}"/>
+              </a:ext>
+            </a:extLst>
+          </p:cNvPr>
           <p:cNvSpPr>
             <a:spLocks noGrp="1"/>
           </p:cNvSpPr>
@@ -1102,7 +1259,13 @@
       </p:sp>
       <p:sp>
         <p:nvSpPr>
-          <p:cNvPr id="3" name="Content Placeholder 2"/>
+          <p:cNvPr id="3" name="Content Placeholder 2">
+            <a:extLst>
+              <a:ext uri="{FF2B5EF4-FFF2-40B4-BE49-F238E27FC236}">
+                <a16:creationId xmlns:a16="http://schemas.microsoft.com/office/drawing/2014/main" id="{F3C68D59-5CB1-6D4D-B8CF-4A1AD23A31A7}"/>
+              </a:ext>
+            </a:extLst>
+          </p:cNvPr>
           <p:cNvSpPr>
             <a:spLocks noGrp="1"/>
           </p:cNvSpPr>
@@ -1158,7 +1321,13 @@
       </p:sp>
       <p:sp>
         <p:nvSpPr>
-          <p:cNvPr id="4" name="Content Placeholder 3"/>
+          <p:cNvPr id="4" name="Content Placeholder 3">
+            <a:extLst>
+              <a:ext uri="{FF2B5EF4-FFF2-40B4-BE49-F238E27FC236}">
+                <a16:creationId xmlns:a16="http://schemas.microsoft.com/office/drawing/2014/main" id="{D3BB3997-19C1-2643-9008-AFEB308A5B5A}"/>
+              </a:ext>
+            </a:extLst>
+          </p:cNvPr>
           <p:cNvSpPr>
             <a:spLocks noGrp="1"/>
           </p:cNvSpPr>
@@ -1214,7 +1383,13 @@
       </p:sp>
       <p:sp>
         <p:nvSpPr>
-          <p:cNvPr id="5" name="Date Placeholder 4"/>
+          <p:cNvPr id="5" name="Date Placeholder 4">
+            <a:extLst>
+              <a:ext uri="{FF2B5EF4-FFF2-40B4-BE49-F238E27FC236}">
+                <a16:creationId xmlns:a16="http://schemas.microsoft.com/office/drawing/2014/main" id="{F7514953-D784-2846-9D80-FEC74C9E6C4C}"/>
+              </a:ext>
+            </a:extLst>
+          </p:cNvPr>
           <p:cNvSpPr>
             <a:spLocks noGrp="1"/>
           </p:cNvSpPr>
@@ -1237,7 +1412,13 @@
       </p:sp>
       <p:sp>
         <p:nvSpPr>
-          <p:cNvPr id="6" name="Footer Placeholder 5"/>
+          <p:cNvPr id="6" name="Footer Placeholder 5">
+            <a:extLst>
+              <a:ext uri="{FF2B5EF4-FFF2-40B4-BE49-F238E27FC236}">
+                <a16:creationId xmlns:a16="http://schemas.microsoft.com/office/drawing/2014/main" id="{0D549B84-5010-414D-AAC4-B2B1FCC4F2A6}"/>
+              </a:ext>
+            </a:extLst>
+          </p:cNvPr>
           <p:cNvSpPr>
             <a:spLocks noGrp="1"/>
           </p:cNvSpPr>
@@ -1256,7 +1437,13 @@
       </p:sp>
       <p:sp>
         <p:nvSpPr>
-          <p:cNvPr id="7" name="Slide Number Placeholder 6"/>
+          <p:cNvPr id="7" name="Slide Number Placeholder 6">
+            <a:extLst>
+              <a:ext uri="{FF2B5EF4-FFF2-40B4-BE49-F238E27FC236}">
+                <a16:creationId xmlns:a16="http://schemas.microsoft.com/office/drawing/2014/main" id="{A3B35381-F73B-FC40-B0C8-5392DE346530}"/>
+              </a:ext>
+            </a:extLst>
+          </p:cNvPr>
           <p:cNvSpPr>
             <a:spLocks noGrp="1"/>
           </p:cNvSpPr>
@@ -1280,7 +1467,7 @@
     </p:spTree>
     <p:extLst>
       <p:ext uri="{BB962C8B-B14F-4D97-AF65-F5344CB8AC3E}">
-        <p14:creationId xmlns:p14="http://schemas.microsoft.com/office/powerpoint/2010/main" val="2369418643"/>
+        <p14:creationId xmlns:p14="http://schemas.microsoft.com/office/powerpoint/2010/main" val="1320895721"/>
       </p:ext>
     </p:extLst>
   </p:cSld>
@@ -1309,7 +1496,13 @@
       </p:grpSpPr>
       <p:sp>
         <p:nvSpPr>
-          <p:cNvPr id="2" name="Title 1"/>
+          <p:cNvPr id="2" name="Title 1">
+            <a:extLst>
+              <a:ext uri="{FF2B5EF4-FFF2-40B4-BE49-F238E27FC236}">
+                <a16:creationId xmlns:a16="http://schemas.microsoft.com/office/drawing/2014/main" id="{B17B0806-B66F-874A-82B7-3865AE82AFC1}"/>
+              </a:ext>
+            </a:extLst>
+          </p:cNvPr>
           <p:cNvSpPr>
             <a:spLocks noGrp="1"/>
           </p:cNvSpPr>
@@ -1336,7 +1529,13 @@
       </p:sp>
       <p:sp>
         <p:nvSpPr>
-          <p:cNvPr id="3" name="Text Placeholder 2"/>
+          <p:cNvPr id="3" name="Text Placeholder 2">
+            <a:extLst>
+              <a:ext uri="{FF2B5EF4-FFF2-40B4-BE49-F238E27FC236}">
+                <a16:creationId xmlns:a16="http://schemas.microsoft.com/office/drawing/2014/main" id="{3347A961-C48B-0947-9BAF-77B4FBD80826}"/>
+              </a:ext>
+            </a:extLst>
+          </p:cNvPr>
           <p:cNvSpPr>
             <a:spLocks noGrp="1"/>
           </p:cNvSpPr>
@@ -1401,7 +1600,13 @@
       </p:sp>
       <p:sp>
         <p:nvSpPr>
-          <p:cNvPr id="4" name="Content Placeholder 3"/>
+          <p:cNvPr id="4" name="Content Placeholder 3">
+            <a:extLst>
+              <a:ext uri="{FF2B5EF4-FFF2-40B4-BE49-F238E27FC236}">
+                <a16:creationId xmlns:a16="http://schemas.microsoft.com/office/drawing/2014/main" id="{ADF84F00-713E-DB4B-BCF2-9021A89B08E9}"/>
+              </a:ext>
+            </a:extLst>
+          </p:cNvPr>
           <p:cNvSpPr>
             <a:spLocks noGrp="1"/>
           </p:cNvSpPr>
@@ -1457,7 +1662,13 @@
       </p:sp>
       <p:sp>
         <p:nvSpPr>
-          <p:cNvPr id="5" name="Text Placeholder 4"/>
+          <p:cNvPr id="5" name="Text Placeholder 4">
+            <a:extLst>
+              <a:ext uri="{FF2B5EF4-FFF2-40B4-BE49-F238E27FC236}">
+                <a16:creationId xmlns:a16="http://schemas.microsoft.com/office/drawing/2014/main" id="{5BFC7A52-E6EF-3B46-B505-D8E2FACFCC80}"/>
+              </a:ext>
+            </a:extLst>
+          </p:cNvPr>
           <p:cNvSpPr>
             <a:spLocks noGrp="1"/>
           </p:cNvSpPr>
@@ -1522,7 +1733,13 @@
       </p:sp>
       <p:sp>
         <p:nvSpPr>
-          <p:cNvPr id="6" name="Content Placeholder 5"/>
+          <p:cNvPr id="6" name="Content Placeholder 5">
+            <a:extLst>
+              <a:ext uri="{FF2B5EF4-FFF2-40B4-BE49-F238E27FC236}">
+                <a16:creationId xmlns:a16="http://schemas.microsoft.com/office/drawing/2014/main" id="{B4F36AB5-8782-6D4A-949A-B2E4D6FD17B4}"/>
+              </a:ext>
+            </a:extLst>
+          </p:cNvPr>
           <p:cNvSpPr>
             <a:spLocks noGrp="1"/>
           </p:cNvSpPr>
@@ -1578,7 +1795,13 @@
       </p:sp>
       <p:sp>
         <p:nvSpPr>
-          <p:cNvPr id="7" name="Date Placeholder 6"/>
+          <p:cNvPr id="7" name="Date Placeholder 6">
+            <a:extLst>
+              <a:ext uri="{FF2B5EF4-FFF2-40B4-BE49-F238E27FC236}">
+                <a16:creationId xmlns:a16="http://schemas.microsoft.com/office/drawing/2014/main" id="{FEE33A8E-F70B-2F49-9D21-61E6A69E4DA2}"/>
+              </a:ext>
+            </a:extLst>
+          </p:cNvPr>
           <p:cNvSpPr>
             <a:spLocks noGrp="1"/>
           </p:cNvSpPr>
@@ -1601,7 +1824,13 @@
       </p:sp>
       <p:sp>
         <p:nvSpPr>
-          <p:cNvPr id="8" name="Footer Placeholder 7"/>
+          <p:cNvPr id="8" name="Footer Placeholder 7">
+            <a:extLst>
+              <a:ext uri="{FF2B5EF4-FFF2-40B4-BE49-F238E27FC236}">
+                <a16:creationId xmlns:a16="http://schemas.microsoft.com/office/drawing/2014/main" id="{12B863A0-39C0-F642-8176-263501976F5D}"/>
+              </a:ext>
+            </a:extLst>
+          </p:cNvPr>
           <p:cNvSpPr>
             <a:spLocks noGrp="1"/>
           </p:cNvSpPr>
@@ -1620,7 +1849,13 @@
       </p:sp>
       <p:sp>
         <p:nvSpPr>
-          <p:cNvPr id="9" name="Slide Number Placeholder 8"/>
+          <p:cNvPr id="9" name="Slide Number Placeholder 8">
+            <a:extLst>
+              <a:ext uri="{FF2B5EF4-FFF2-40B4-BE49-F238E27FC236}">
+                <a16:creationId xmlns:a16="http://schemas.microsoft.com/office/drawing/2014/main" id="{716149B5-7A84-B547-AB73-C07E18035A5D}"/>
+              </a:ext>
+            </a:extLst>
+          </p:cNvPr>
           <p:cNvSpPr>
             <a:spLocks noGrp="1"/>
           </p:cNvSpPr>
@@ -1644,7 +1879,7 @@
     </p:spTree>
     <p:extLst>
       <p:ext uri="{BB962C8B-B14F-4D97-AF65-F5344CB8AC3E}">
-        <p14:creationId xmlns:p14="http://schemas.microsoft.com/office/powerpoint/2010/main" val="3923478160"/>
+        <p14:creationId xmlns:p14="http://schemas.microsoft.com/office/powerpoint/2010/main" val="210528478"/>
       </p:ext>
     </p:extLst>
   </p:cSld>
@@ -1673,7 +1908,13 @@
       </p:grpSpPr>
       <p:sp>
         <p:nvSpPr>
-          <p:cNvPr id="2" name="Title 1"/>
+          <p:cNvPr id="2" name="Title 1">
+            <a:extLst>
+              <a:ext uri="{FF2B5EF4-FFF2-40B4-BE49-F238E27FC236}">
+                <a16:creationId xmlns:a16="http://schemas.microsoft.com/office/drawing/2014/main" id="{B9E3538D-EDB4-D346-9613-E8C1576AB10A}"/>
+              </a:ext>
+            </a:extLst>
+          </p:cNvPr>
           <p:cNvSpPr>
             <a:spLocks noGrp="1"/>
           </p:cNvSpPr>
@@ -1695,7 +1936,13 @@
       </p:sp>
       <p:sp>
         <p:nvSpPr>
-          <p:cNvPr id="3" name="Date Placeholder 2"/>
+          <p:cNvPr id="3" name="Date Placeholder 2">
+            <a:extLst>
+              <a:ext uri="{FF2B5EF4-FFF2-40B4-BE49-F238E27FC236}">
+                <a16:creationId xmlns:a16="http://schemas.microsoft.com/office/drawing/2014/main" id="{BE7D0DC1-DA83-F548-B114-9C4B203623CB}"/>
+              </a:ext>
+            </a:extLst>
+          </p:cNvPr>
           <p:cNvSpPr>
             <a:spLocks noGrp="1"/>
           </p:cNvSpPr>
@@ -1718,7 +1965,13 @@
       </p:sp>
       <p:sp>
         <p:nvSpPr>
-          <p:cNvPr id="4" name="Footer Placeholder 3"/>
+          <p:cNvPr id="4" name="Footer Placeholder 3">
+            <a:extLst>
+              <a:ext uri="{FF2B5EF4-FFF2-40B4-BE49-F238E27FC236}">
+                <a16:creationId xmlns:a16="http://schemas.microsoft.com/office/drawing/2014/main" id="{7CC08359-026B-284F-B4E0-ABEB54F3B052}"/>
+              </a:ext>
+            </a:extLst>
+          </p:cNvPr>
           <p:cNvSpPr>
             <a:spLocks noGrp="1"/>
           </p:cNvSpPr>
@@ -1737,7 +1990,13 @@
       </p:sp>
       <p:sp>
         <p:nvSpPr>
-          <p:cNvPr id="5" name="Slide Number Placeholder 4"/>
+          <p:cNvPr id="5" name="Slide Number Placeholder 4">
+            <a:extLst>
+              <a:ext uri="{FF2B5EF4-FFF2-40B4-BE49-F238E27FC236}">
+                <a16:creationId xmlns:a16="http://schemas.microsoft.com/office/drawing/2014/main" id="{4AFD2758-7301-AB4C-A23B-036C1D03150C}"/>
+              </a:ext>
+            </a:extLst>
+          </p:cNvPr>
           <p:cNvSpPr>
             <a:spLocks noGrp="1"/>
           </p:cNvSpPr>
@@ -1761,7 +2020,7 @@
     </p:spTree>
     <p:extLst>
       <p:ext uri="{BB962C8B-B14F-4D97-AF65-F5344CB8AC3E}">
-        <p14:creationId xmlns:p14="http://schemas.microsoft.com/office/powerpoint/2010/main" val="1010681057"/>
+        <p14:creationId xmlns:p14="http://schemas.microsoft.com/office/powerpoint/2010/main" val="1669531451"/>
       </p:ext>
     </p:extLst>
   </p:cSld>
@@ -1790,7 +2049,13 @@
       </p:grpSpPr>
       <p:sp>
         <p:nvSpPr>
-          <p:cNvPr id="2" name="Date Placeholder 1"/>
+          <p:cNvPr id="2" name="Date Placeholder 1">
+            <a:extLst>
+              <a:ext uri="{FF2B5EF4-FFF2-40B4-BE49-F238E27FC236}">
+                <a16:creationId xmlns:a16="http://schemas.microsoft.com/office/drawing/2014/main" id="{A42448ED-3621-1F4E-828F-228774AC494A}"/>
+              </a:ext>
+            </a:extLst>
+          </p:cNvPr>
           <p:cNvSpPr>
             <a:spLocks noGrp="1"/>
           </p:cNvSpPr>
@@ -1813,7 +2078,13 @@
       </p:sp>
       <p:sp>
         <p:nvSpPr>
-          <p:cNvPr id="3" name="Footer Placeholder 2"/>
+          <p:cNvPr id="3" name="Footer Placeholder 2">
+            <a:extLst>
+              <a:ext uri="{FF2B5EF4-FFF2-40B4-BE49-F238E27FC236}">
+                <a16:creationId xmlns:a16="http://schemas.microsoft.com/office/drawing/2014/main" id="{34CB7049-F70B-964F-9160-19CB807A5348}"/>
+              </a:ext>
+            </a:extLst>
+          </p:cNvPr>
           <p:cNvSpPr>
             <a:spLocks noGrp="1"/>
           </p:cNvSpPr>
@@ -1832,7 +2103,13 @@
       </p:sp>
       <p:sp>
         <p:nvSpPr>
-          <p:cNvPr id="4" name="Slide Number Placeholder 3"/>
+          <p:cNvPr id="4" name="Slide Number Placeholder 3">
+            <a:extLst>
+              <a:ext uri="{FF2B5EF4-FFF2-40B4-BE49-F238E27FC236}">
+                <a16:creationId xmlns:a16="http://schemas.microsoft.com/office/drawing/2014/main" id="{CAFE3D97-71B3-3E4A-8BB7-5C1F989A8E78}"/>
+              </a:ext>
+            </a:extLst>
+          </p:cNvPr>
           <p:cNvSpPr>
             <a:spLocks noGrp="1"/>
           </p:cNvSpPr>
@@ -1856,7 +2133,7 @@
     </p:spTree>
     <p:extLst>
       <p:ext uri="{BB962C8B-B14F-4D97-AF65-F5344CB8AC3E}">
-        <p14:creationId xmlns:p14="http://schemas.microsoft.com/office/powerpoint/2010/main" val="2196220953"/>
+        <p14:creationId xmlns:p14="http://schemas.microsoft.com/office/powerpoint/2010/main" val="1173116627"/>
       </p:ext>
     </p:extLst>
   </p:cSld>
@@ -1885,7 +2162,13 @@
       </p:grpSpPr>
       <p:sp>
         <p:nvSpPr>
-          <p:cNvPr id="2" name="Title 1"/>
+          <p:cNvPr id="2" name="Title 1">
+            <a:extLst>
+              <a:ext uri="{FF2B5EF4-FFF2-40B4-BE49-F238E27FC236}">
+                <a16:creationId xmlns:a16="http://schemas.microsoft.com/office/drawing/2014/main" id="{D3688B98-D7B7-9F47-B3D7-D303524C3484}"/>
+              </a:ext>
+            </a:extLst>
+          </p:cNvPr>
           <p:cNvSpPr>
             <a:spLocks noGrp="1"/>
           </p:cNvSpPr>
@@ -1916,7 +2199,13 @@
       </p:sp>
       <p:sp>
         <p:nvSpPr>
-          <p:cNvPr id="3" name="Content Placeholder 2"/>
+          <p:cNvPr id="3" name="Content Placeholder 2">
+            <a:extLst>
+              <a:ext uri="{FF2B5EF4-FFF2-40B4-BE49-F238E27FC236}">
+                <a16:creationId xmlns:a16="http://schemas.microsoft.com/office/drawing/2014/main" id="{10D66E67-5AEE-8F47-A500-56EA13A4A29F}"/>
+              </a:ext>
+            </a:extLst>
+          </p:cNvPr>
           <p:cNvSpPr>
             <a:spLocks noGrp="1"/>
           </p:cNvSpPr>
@@ -2000,7 +2289,13 @@
       </p:sp>
       <p:sp>
         <p:nvSpPr>
-          <p:cNvPr id="4" name="Text Placeholder 3"/>
+          <p:cNvPr id="4" name="Text Placeholder 3">
+            <a:extLst>
+              <a:ext uri="{FF2B5EF4-FFF2-40B4-BE49-F238E27FC236}">
+                <a16:creationId xmlns:a16="http://schemas.microsoft.com/office/drawing/2014/main" id="{2EF4E846-F85C-4A49-849E-9B573154BD32}"/>
+              </a:ext>
+            </a:extLst>
+          </p:cNvPr>
           <p:cNvSpPr>
             <a:spLocks noGrp="1"/>
           </p:cNvSpPr>
@@ -2065,7 +2360,13 @@
       </p:sp>
       <p:sp>
         <p:nvSpPr>
-          <p:cNvPr id="5" name="Date Placeholder 4"/>
+          <p:cNvPr id="5" name="Date Placeholder 4">
+            <a:extLst>
+              <a:ext uri="{FF2B5EF4-FFF2-40B4-BE49-F238E27FC236}">
+                <a16:creationId xmlns:a16="http://schemas.microsoft.com/office/drawing/2014/main" id="{D17AC1DA-E945-A94A-94E5-655637774C26}"/>
+              </a:ext>
+            </a:extLst>
+          </p:cNvPr>
           <p:cNvSpPr>
             <a:spLocks noGrp="1"/>
           </p:cNvSpPr>
@@ -2088,7 +2389,13 @@
       </p:sp>
       <p:sp>
         <p:nvSpPr>
-          <p:cNvPr id="6" name="Footer Placeholder 5"/>
+          <p:cNvPr id="6" name="Footer Placeholder 5">
+            <a:extLst>
+              <a:ext uri="{FF2B5EF4-FFF2-40B4-BE49-F238E27FC236}">
+                <a16:creationId xmlns:a16="http://schemas.microsoft.com/office/drawing/2014/main" id="{76DA9D16-4063-4141-B85C-04C58DAA5482}"/>
+              </a:ext>
+            </a:extLst>
+          </p:cNvPr>
           <p:cNvSpPr>
             <a:spLocks noGrp="1"/>
           </p:cNvSpPr>
@@ -2107,7 +2414,13 @@
       </p:sp>
       <p:sp>
         <p:nvSpPr>
-          <p:cNvPr id="7" name="Slide Number Placeholder 6"/>
+          <p:cNvPr id="7" name="Slide Number Placeholder 6">
+            <a:extLst>
+              <a:ext uri="{FF2B5EF4-FFF2-40B4-BE49-F238E27FC236}">
+                <a16:creationId xmlns:a16="http://schemas.microsoft.com/office/drawing/2014/main" id="{D0CA9F6A-CA94-3145-B9D4-D299B6872804}"/>
+              </a:ext>
+            </a:extLst>
+          </p:cNvPr>
           <p:cNvSpPr>
             <a:spLocks noGrp="1"/>
           </p:cNvSpPr>
@@ -2131,7 +2444,7 @@
     </p:spTree>
     <p:extLst>
       <p:ext uri="{BB962C8B-B14F-4D97-AF65-F5344CB8AC3E}">
-        <p14:creationId xmlns:p14="http://schemas.microsoft.com/office/powerpoint/2010/main" val="4210306925"/>
+        <p14:creationId xmlns:p14="http://schemas.microsoft.com/office/powerpoint/2010/main" val="817610377"/>
       </p:ext>
     </p:extLst>
   </p:cSld>
@@ -2160,7 +2473,13 @@
       </p:grpSpPr>
       <p:sp>
         <p:nvSpPr>
-          <p:cNvPr id="2" name="Title 1"/>
+          <p:cNvPr id="2" name="Title 1">
+            <a:extLst>
+              <a:ext uri="{FF2B5EF4-FFF2-40B4-BE49-F238E27FC236}">
+                <a16:creationId xmlns:a16="http://schemas.microsoft.com/office/drawing/2014/main" id="{09B2EE44-E336-5543-BFC4-427D5BDC4427}"/>
+              </a:ext>
+            </a:extLst>
+          </p:cNvPr>
           <p:cNvSpPr>
             <a:spLocks noGrp="1"/>
           </p:cNvSpPr>
@@ -2191,7 +2510,13 @@
       </p:sp>
       <p:sp>
         <p:nvSpPr>
-          <p:cNvPr id="3" name="Picture Placeholder 2"/>
+          <p:cNvPr id="3" name="Picture Placeholder 2">
+            <a:extLst>
+              <a:ext uri="{FF2B5EF4-FFF2-40B4-BE49-F238E27FC236}">
+                <a16:creationId xmlns:a16="http://schemas.microsoft.com/office/drawing/2014/main" id="{58F0C2C9-5FCB-FA42-8262-88C1C525C862}"/>
+              </a:ext>
+            </a:extLst>
+          </p:cNvPr>
           <p:cNvSpPr>
             <a:spLocks noGrp="1"/>
           </p:cNvSpPr>
@@ -2252,7 +2577,13 @@
       </p:sp>
       <p:sp>
         <p:nvSpPr>
-          <p:cNvPr id="4" name="Text Placeholder 3"/>
+          <p:cNvPr id="4" name="Text Placeholder 3">
+            <a:extLst>
+              <a:ext uri="{FF2B5EF4-FFF2-40B4-BE49-F238E27FC236}">
+                <a16:creationId xmlns:a16="http://schemas.microsoft.com/office/drawing/2014/main" id="{C0E37C57-4A90-064D-B7F9-D007FCC18AED}"/>
+              </a:ext>
+            </a:extLst>
+          </p:cNvPr>
           <p:cNvSpPr>
             <a:spLocks noGrp="1"/>
           </p:cNvSpPr>
@@ -2317,7 +2648,13 @@
       </p:sp>
       <p:sp>
         <p:nvSpPr>
-          <p:cNvPr id="5" name="Date Placeholder 4"/>
+          <p:cNvPr id="5" name="Date Placeholder 4">
+            <a:extLst>
+              <a:ext uri="{FF2B5EF4-FFF2-40B4-BE49-F238E27FC236}">
+                <a16:creationId xmlns:a16="http://schemas.microsoft.com/office/drawing/2014/main" id="{C5000827-73EB-0049-B237-967635E9A227}"/>
+              </a:ext>
+            </a:extLst>
+          </p:cNvPr>
           <p:cNvSpPr>
             <a:spLocks noGrp="1"/>
           </p:cNvSpPr>
@@ -2340,7 +2677,13 @@
       </p:sp>
       <p:sp>
         <p:nvSpPr>
-          <p:cNvPr id="6" name="Footer Placeholder 5"/>
+          <p:cNvPr id="6" name="Footer Placeholder 5">
+            <a:extLst>
+              <a:ext uri="{FF2B5EF4-FFF2-40B4-BE49-F238E27FC236}">
+                <a16:creationId xmlns:a16="http://schemas.microsoft.com/office/drawing/2014/main" id="{216C46FF-A062-7245-87A5-9A2FACEC87FF}"/>
+              </a:ext>
+            </a:extLst>
+          </p:cNvPr>
           <p:cNvSpPr>
             <a:spLocks noGrp="1"/>
           </p:cNvSpPr>
@@ -2359,7 +2702,13 @@
       </p:sp>
       <p:sp>
         <p:nvSpPr>
-          <p:cNvPr id="7" name="Slide Number Placeholder 6"/>
+          <p:cNvPr id="7" name="Slide Number Placeholder 6">
+            <a:extLst>
+              <a:ext uri="{FF2B5EF4-FFF2-40B4-BE49-F238E27FC236}">
+                <a16:creationId xmlns:a16="http://schemas.microsoft.com/office/drawing/2014/main" id="{7B365600-E94B-1449-85A2-5CFBE5D7CD9E}"/>
+              </a:ext>
+            </a:extLst>
+          </p:cNvPr>
           <p:cNvSpPr>
             <a:spLocks noGrp="1"/>
           </p:cNvSpPr>
@@ -2383,7 +2732,7 @@
     </p:spTree>
     <p:extLst>
       <p:ext uri="{BB962C8B-B14F-4D97-AF65-F5344CB8AC3E}">
-        <p14:creationId xmlns:p14="http://schemas.microsoft.com/office/powerpoint/2010/main" val="268429808"/>
+        <p14:creationId xmlns:p14="http://schemas.microsoft.com/office/powerpoint/2010/main" val="546826377"/>
       </p:ext>
     </p:extLst>
   </p:cSld>
@@ -2417,7 +2766,13 @@
       </p:grpSpPr>
       <p:sp>
         <p:nvSpPr>
-          <p:cNvPr id="2" name="Title Placeholder 1"/>
+          <p:cNvPr id="2" name="Title Placeholder 1">
+            <a:extLst>
+              <a:ext uri="{FF2B5EF4-FFF2-40B4-BE49-F238E27FC236}">
+                <a16:creationId xmlns:a16="http://schemas.microsoft.com/office/drawing/2014/main" id="{7943B6CE-2136-B04E-ABDA-990F9268EC56}"/>
+              </a:ext>
+            </a:extLst>
+          </p:cNvPr>
           <p:cNvSpPr>
             <a:spLocks noGrp="1"/>
           </p:cNvSpPr>
@@ -2449,7 +2804,13 @@
       </p:sp>
       <p:sp>
         <p:nvSpPr>
-          <p:cNvPr id="3" name="Text Placeholder 2"/>
+          <p:cNvPr id="3" name="Text Placeholder 2">
+            <a:extLst>
+              <a:ext uri="{FF2B5EF4-FFF2-40B4-BE49-F238E27FC236}">
+                <a16:creationId xmlns:a16="http://schemas.microsoft.com/office/drawing/2014/main" id="{A11E2923-545E-1449-B02E-0BCEBE2ED8AB}"/>
+              </a:ext>
+            </a:extLst>
+          </p:cNvPr>
           <p:cNvSpPr>
             <a:spLocks noGrp="1"/>
           </p:cNvSpPr>
@@ -2510,7 +2871,13 @@
       </p:sp>
       <p:sp>
         <p:nvSpPr>
-          <p:cNvPr id="4" name="Date Placeholder 3"/>
+          <p:cNvPr id="4" name="Date Placeholder 3">
+            <a:extLst>
+              <a:ext uri="{FF2B5EF4-FFF2-40B4-BE49-F238E27FC236}">
+                <a16:creationId xmlns:a16="http://schemas.microsoft.com/office/drawing/2014/main" id="{9B9EEE1A-F7FE-2745-B737-96D4AD47790B}"/>
+              </a:ext>
+            </a:extLst>
+          </p:cNvPr>
           <p:cNvSpPr>
             <a:spLocks noGrp="1"/>
           </p:cNvSpPr>
@@ -2551,7 +2918,13 @@
       </p:sp>
       <p:sp>
         <p:nvSpPr>
-          <p:cNvPr id="5" name="Footer Placeholder 4"/>
+          <p:cNvPr id="5" name="Footer Placeholder 4">
+            <a:extLst>
+              <a:ext uri="{FF2B5EF4-FFF2-40B4-BE49-F238E27FC236}">
+                <a16:creationId xmlns:a16="http://schemas.microsoft.com/office/drawing/2014/main" id="{C052C97F-690B-8544-8A02-9441864F1F94}"/>
+              </a:ext>
+            </a:extLst>
+          </p:cNvPr>
           <p:cNvSpPr>
             <a:spLocks noGrp="1"/>
           </p:cNvSpPr>
@@ -2588,7 +2961,13 @@
       </p:sp>
       <p:sp>
         <p:nvSpPr>
-          <p:cNvPr id="6" name="Slide Number Placeholder 5"/>
+          <p:cNvPr id="6" name="Slide Number Placeholder 5">
+            <a:extLst>
+              <a:ext uri="{FF2B5EF4-FFF2-40B4-BE49-F238E27FC236}">
+                <a16:creationId xmlns:a16="http://schemas.microsoft.com/office/drawing/2014/main" id="{75637BE5-F460-2740-B745-817D9EFDDAC8}"/>
+              </a:ext>
+            </a:extLst>
+          </p:cNvPr>
           <p:cNvSpPr>
             <a:spLocks noGrp="1"/>
           </p:cNvSpPr>
@@ -2630,23 +3009,23 @@
     </p:spTree>
     <p:extLst>
       <p:ext uri="{BB962C8B-B14F-4D97-AF65-F5344CB8AC3E}">
-        <p14:creationId xmlns:p14="http://schemas.microsoft.com/office/powerpoint/2010/main" val="1930439895"/>
+        <p14:creationId xmlns:p14="http://schemas.microsoft.com/office/powerpoint/2010/main" val="1328365131"/>
       </p:ext>
     </p:extLst>
   </p:cSld>
   <p:clrMap bg1="lt1" tx1="dk1" bg2="lt2" tx2="dk2" accent1="accent1" accent2="accent2" accent3="accent3" accent4="accent4" accent5="accent5" accent6="accent6" hlink="hlink" folHlink="folHlink"/>
   <p:sldLayoutIdLst>
-    <p:sldLayoutId id="2147483649" r:id="rId1"/>
-    <p:sldLayoutId id="2147483650" r:id="rId2"/>
-    <p:sldLayoutId id="2147483651" r:id="rId3"/>
-    <p:sldLayoutId id="2147483652" r:id="rId4"/>
-    <p:sldLayoutId id="2147483653" r:id="rId5"/>
-    <p:sldLayoutId id="2147483654" r:id="rId6"/>
-    <p:sldLayoutId id="2147483655" r:id="rId7"/>
-    <p:sldLayoutId id="2147483656" r:id="rId8"/>
-    <p:sldLayoutId id="2147483657" r:id="rId9"/>
-    <p:sldLayoutId id="2147483658" r:id="rId10"/>
-    <p:sldLayoutId id="2147483659" r:id="rId11"/>
+    <p:sldLayoutId id="2147483685" r:id="rId1"/>
+    <p:sldLayoutId id="2147483686" r:id="rId2"/>
+    <p:sldLayoutId id="2147483687" r:id="rId3"/>
+    <p:sldLayoutId id="2147483688" r:id="rId4"/>
+    <p:sldLayoutId id="2147483689" r:id="rId5"/>
+    <p:sldLayoutId id="2147483690" r:id="rId6"/>
+    <p:sldLayoutId id="2147483691" r:id="rId7"/>
+    <p:sldLayoutId id="2147483692" r:id="rId8"/>
+    <p:sldLayoutId id="2147483693" r:id="rId9"/>
+    <p:sldLayoutId id="2147483694" r:id="rId10"/>
+    <p:sldLayoutId id="2147483695" r:id="rId11"/>
   </p:sldLayoutIdLst>
   <p:txStyles>
     <p:titleStyle>
@@ -2834,7 +3213,7 @@
     </p:bodyStyle>
     <p:otherStyle>
       <a:defPPr>
-        <a:defRPr lang="en-US"/>
+        <a:defRPr lang="tr-TR"/>
       </a:defPPr>
       <a:lvl1pPr marL="0" algn="l" defTabSz="914400" rtl="0" eaLnBrk="1" latinLnBrk="0" hangingPunct="1">
         <a:defRPr sz="1800" kern="1200">
@@ -2948,925 +3327,2173 @@
           <a:chExt cx="0" cy="0"/>
         </a:xfrm>
       </p:grpSpPr>
-      <p:sp>
-        <p:nvSpPr>
-          <p:cNvPr id="4" name="Rectangle 3"/>
-          <p:cNvSpPr/>
+      <p:grpSp>
+        <p:nvGrpSpPr>
+          <p:cNvPr id="22" name="Group 21">
+            <a:extLst>
+              <a:ext uri="{FF2B5EF4-FFF2-40B4-BE49-F238E27FC236}">
+                <a16:creationId xmlns:a16="http://schemas.microsoft.com/office/drawing/2014/main" id="{98D20F08-D554-2448-8233-CED137B44BBB}"/>
+              </a:ext>
+            </a:extLst>
+          </p:cNvPr>
+          <p:cNvGrpSpPr/>
           <p:nvPr/>
-        </p:nvSpPr>
+        </p:nvGrpSpPr>
+        <p:grpSpPr>
+          <a:xfrm>
+            <a:off x="1750409" y="475992"/>
+            <a:ext cx="7333902" cy="5862654"/>
+            <a:chOff x="1750409" y="475992"/>
+            <a:chExt cx="7333902" cy="5862654"/>
+          </a:xfrm>
+        </p:grpSpPr>
+        <p:sp>
+          <p:nvSpPr>
+            <p:cNvPr id="4" name="Rectangle 3"/>
+            <p:cNvSpPr/>
+            <p:nvPr/>
+          </p:nvSpPr>
+          <p:spPr>
+            <a:xfrm>
+              <a:off x="1850322" y="475992"/>
+              <a:ext cx="1080000" cy="540000"/>
+            </a:xfrm>
+            <a:prstGeom prst="rect">
+              <a:avLst/>
+            </a:prstGeom>
+            <a:solidFill>
+              <a:schemeClr val="bg1"/>
+            </a:solidFill>
+            <a:ln w="6350">
+              <a:solidFill>
+                <a:schemeClr val="tx1"/>
+              </a:solidFill>
+            </a:ln>
+          </p:spPr>
+          <p:style>
+            <a:lnRef idx="2">
+              <a:schemeClr val="accent1">
+                <a:shade val="50000"/>
+              </a:schemeClr>
+            </a:lnRef>
+            <a:fillRef idx="1">
+              <a:schemeClr val="accent1"/>
+            </a:fillRef>
+            <a:effectRef idx="0">
+              <a:schemeClr val="accent1"/>
+            </a:effectRef>
+            <a:fontRef idx="minor">
+              <a:schemeClr val="lt1"/>
+            </a:fontRef>
+          </p:style>
+          <p:txBody>
+            <a:bodyPr rtlCol="0" anchor="ctr"/>
+            <a:lstStyle/>
+            <a:p>
+              <a:pPr algn="ctr"/>
+              <a:r>
+                <a:rPr lang="en-US" dirty="0">
+                  <a:solidFill>
+                    <a:schemeClr val="tx1"/>
+                  </a:solidFill>
+                  <a:latin typeface="Arial" panose="020B0604020202020204" pitchFamily="34" charset="0"/>
+                  <a:cs typeface="Arial" panose="020B0604020202020204" pitchFamily="34" charset="0"/>
+                </a:rPr>
+                <a:t>Start</a:t>
+              </a:r>
+            </a:p>
+          </p:txBody>
+        </p:sp>
+        <p:sp>
+          <p:nvSpPr>
+            <p:cNvPr id="5" name="Rectangle 4"/>
+            <p:cNvSpPr/>
+            <p:nvPr/>
+          </p:nvSpPr>
+          <p:spPr>
+            <a:xfrm>
+              <a:off x="7524569" y="2614291"/>
+              <a:ext cx="1440000" cy="540000"/>
+            </a:xfrm>
+            <a:prstGeom prst="rect">
+              <a:avLst/>
+            </a:prstGeom>
+            <a:solidFill>
+              <a:schemeClr val="bg1"/>
+            </a:solidFill>
+            <a:ln w="6350">
+              <a:solidFill>
+                <a:schemeClr val="tx1"/>
+              </a:solidFill>
+            </a:ln>
+          </p:spPr>
+          <p:style>
+            <a:lnRef idx="2">
+              <a:schemeClr val="accent1">
+                <a:shade val="50000"/>
+              </a:schemeClr>
+            </a:lnRef>
+            <a:fillRef idx="1">
+              <a:schemeClr val="accent1"/>
+            </a:fillRef>
+            <a:effectRef idx="0">
+              <a:schemeClr val="accent1"/>
+            </a:effectRef>
+            <a:fontRef idx="minor">
+              <a:schemeClr val="lt1"/>
+            </a:fontRef>
+          </p:style>
+          <p:txBody>
+            <a:bodyPr rtlCol="0" anchor="ctr"/>
+            <a:lstStyle/>
+            <a:p>
+              <a:pPr algn="ctr"/>
+              <a:r>
+                <a:rPr lang="en-US" sz="1100" dirty="0">
+                  <a:solidFill>
+                    <a:schemeClr val="tx1"/>
+                  </a:solidFill>
+                  <a:latin typeface="Arial" panose="020B0604020202020204" pitchFamily="34" charset="0"/>
+                  <a:cs typeface="Arial" panose="020B0604020202020204" pitchFamily="34" charset="0"/>
+                </a:rPr>
+                <a:t>Perform assignment to first empty table</a:t>
+              </a:r>
+            </a:p>
+          </p:txBody>
+        </p:sp>
+        <p:sp>
+          <p:nvSpPr>
+            <p:cNvPr id="6" name="Rectangle 5"/>
+            <p:cNvSpPr/>
+            <p:nvPr/>
+          </p:nvSpPr>
+          <p:spPr>
+            <a:xfrm>
+              <a:off x="7524569" y="3677080"/>
+              <a:ext cx="1440000" cy="540000"/>
+            </a:xfrm>
+            <a:prstGeom prst="rect">
+              <a:avLst/>
+            </a:prstGeom>
+            <a:solidFill>
+              <a:schemeClr val="bg1"/>
+            </a:solidFill>
+            <a:ln w="6350">
+              <a:solidFill>
+                <a:schemeClr val="tx1"/>
+              </a:solidFill>
+            </a:ln>
+          </p:spPr>
+          <p:style>
+            <a:lnRef idx="2">
+              <a:schemeClr val="accent1">
+                <a:shade val="50000"/>
+              </a:schemeClr>
+            </a:lnRef>
+            <a:fillRef idx="1">
+              <a:schemeClr val="accent1"/>
+            </a:fillRef>
+            <a:effectRef idx="0">
+              <a:schemeClr val="accent1"/>
+            </a:effectRef>
+            <a:fontRef idx="minor">
+              <a:schemeClr val="lt1"/>
+            </a:fontRef>
+          </p:style>
+          <p:txBody>
+            <a:bodyPr rtlCol="0" anchor="ctr"/>
+            <a:lstStyle/>
+            <a:p>
+              <a:pPr algn="ctr"/>
+              <a:r>
+                <a:rPr lang="en-US" sz="1100" dirty="0">
+                  <a:solidFill>
+                    <a:schemeClr val="tx1"/>
+                  </a:solidFill>
+                  <a:latin typeface="Arial" panose="020B0604020202020204" pitchFamily="34" charset="0"/>
+                  <a:cs typeface="Arial" panose="020B0604020202020204" pitchFamily="34" charset="0"/>
+                </a:rPr>
+                <a:t>Perform assignment to best available table</a:t>
+              </a:r>
+            </a:p>
+          </p:txBody>
+        </p:sp>
+        <p:sp>
+          <p:nvSpPr>
+            <p:cNvPr id="7" name="Rectangle 6"/>
+            <p:cNvSpPr/>
+            <p:nvPr/>
+          </p:nvSpPr>
+          <p:spPr>
+            <a:xfrm>
+              <a:off x="7524569" y="4739869"/>
+              <a:ext cx="1440000" cy="540000"/>
+            </a:xfrm>
+            <a:prstGeom prst="rect">
+              <a:avLst/>
+            </a:prstGeom>
+            <a:solidFill>
+              <a:schemeClr val="bg1"/>
+            </a:solidFill>
+            <a:ln w="6350">
+              <a:solidFill>
+                <a:schemeClr val="tx1"/>
+              </a:solidFill>
+            </a:ln>
+          </p:spPr>
+          <p:style>
+            <a:lnRef idx="2">
+              <a:schemeClr val="accent1">
+                <a:shade val="50000"/>
+              </a:schemeClr>
+            </a:lnRef>
+            <a:fillRef idx="1">
+              <a:schemeClr val="accent1"/>
+            </a:fillRef>
+            <a:effectRef idx="0">
+              <a:schemeClr val="accent1"/>
+            </a:effectRef>
+            <a:fontRef idx="minor">
+              <a:schemeClr val="lt1"/>
+            </a:fontRef>
+          </p:style>
+          <p:txBody>
+            <a:bodyPr rtlCol="0" anchor="ctr"/>
+            <a:lstStyle/>
+            <a:p>
+              <a:pPr algn="ctr"/>
+              <a:r>
+                <a:rPr lang="en-US" sz="1100" dirty="0">
+                  <a:solidFill>
+                    <a:schemeClr val="tx1"/>
+                  </a:solidFill>
+                  <a:latin typeface="Arial" panose="020B0604020202020204" pitchFamily="34" charset="0"/>
+                  <a:cs typeface="Arial" panose="020B0604020202020204" pitchFamily="34" charset="0"/>
+                </a:rPr>
+                <a:t>Perform assignment to random available table</a:t>
+              </a:r>
+            </a:p>
+          </p:txBody>
+        </p:sp>
+        <p:sp>
+          <p:nvSpPr>
+            <p:cNvPr id="8" name="Diamond 7"/>
+            <p:cNvSpPr/>
+            <p:nvPr/>
+          </p:nvSpPr>
+          <p:spPr>
+            <a:xfrm>
+              <a:off x="1750409" y="2624319"/>
+              <a:ext cx="1260000" cy="540000"/>
+            </a:xfrm>
+            <a:prstGeom prst="diamond">
+              <a:avLst/>
+            </a:prstGeom>
+            <a:solidFill>
+              <a:schemeClr val="bg1"/>
+            </a:solidFill>
+            <a:ln w="6350">
+              <a:solidFill>
+                <a:schemeClr val="tx1"/>
+              </a:solidFill>
+            </a:ln>
+          </p:spPr>
+          <p:style>
+            <a:lnRef idx="2">
+              <a:schemeClr val="accent1">
+                <a:shade val="50000"/>
+              </a:schemeClr>
+            </a:lnRef>
+            <a:fillRef idx="1">
+              <a:schemeClr val="accent1"/>
+            </a:fillRef>
+            <a:effectRef idx="0">
+              <a:schemeClr val="accent1"/>
+            </a:effectRef>
+            <a:fontRef idx="minor">
+              <a:schemeClr val="lt1"/>
+            </a:fontRef>
+          </p:style>
+          <p:txBody>
+            <a:bodyPr lIns="36000" tIns="36000" rIns="36000" bIns="36000" rtlCol="0" anchor="ctr"/>
+            <a:lstStyle/>
+            <a:p>
+              <a:pPr algn="ctr"/>
+              <a:r>
+                <a:rPr lang="en-US" sz="1100" dirty="0">
+                  <a:solidFill>
+                    <a:schemeClr val="tx1"/>
+                  </a:solidFill>
+                  <a:latin typeface="Arial" panose="020B0604020202020204" pitchFamily="34" charset="0"/>
+                  <a:cs typeface="Arial" panose="020B0604020202020204" pitchFamily="34" charset="0"/>
+                </a:rPr>
+                <a:t>Queue?</a:t>
+              </a:r>
+            </a:p>
+          </p:txBody>
+        </p:sp>
+        <p:sp>
+          <p:nvSpPr>
+            <p:cNvPr id="9" name="Diamond 8"/>
+            <p:cNvSpPr/>
+            <p:nvPr/>
+          </p:nvSpPr>
+          <p:spPr>
+            <a:xfrm>
+              <a:off x="3529263" y="2614291"/>
+              <a:ext cx="1260000" cy="540000"/>
+            </a:xfrm>
+            <a:prstGeom prst="diamond">
+              <a:avLst/>
+            </a:prstGeom>
+            <a:solidFill>
+              <a:schemeClr val="bg1"/>
+            </a:solidFill>
+            <a:ln w="6350">
+              <a:solidFill>
+                <a:schemeClr val="tx1"/>
+              </a:solidFill>
+            </a:ln>
+          </p:spPr>
+          <p:style>
+            <a:lnRef idx="2">
+              <a:schemeClr val="accent1">
+                <a:shade val="50000"/>
+              </a:schemeClr>
+            </a:lnRef>
+            <a:fillRef idx="1">
+              <a:schemeClr val="accent1"/>
+            </a:fillRef>
+            <a:effectRef idx="0">
+              <a:schemeClr val="accent1"/>
+            </a:effectRef>
+            <a:fontRef idx="minor">
+              <a:schemeClr val="lt1"/>
+            </a:fontRef>
+          </p:style>
+          <p:txBody>
+            <a:bodyPr lIns="36000" tIns="36000" rIns="36000" bIns="36000" rtlCol="0" anchor="ctr"/>
+            <a:lstStyle/>
+            <a:p>
+              <a:pPr algn="ctr"/>
+              <a:r>
+                <a:rPr lang="en-US" sz="1100" dirty="0">
+                  <a:solidFill>
+                    <a:schemeClr val="tx1"/>
+                  </a:solidFill>
+                  <a:latin typeface="Arial" panose="020B0604020202020204" pitchFamily="34" charset="0"/>
+                  <a:cs typeface="Arial" panose="020B0604020202020204" pitchFamily="34" charset="0"/>
+                </a:rPr>
+                <a:t>Empty tables?</a:t>
+              </a:r>
+            </a:p>
+          </p:txBody>
+        </p:sp>
+        <p:sp>
+          <p:nvSpPr>
+            <p:cNvPr id="10" name="Diamond 9"/>
+            <p:cNvSpPr/>
+            <p:nvPr/>
+          </p:nvSpPr>
+          <p:spPr>
+            <a:xfrm>
+              <a:off x="3439263" y="3677080"/>
+              <a:ext cx="1440000" cy="540000"/>
+            </a:xfrm>
+            <a:prstGeom prst="diamond">
+              <a:avLst/>
+            </a:prstGeom>
+            <a:solidFill>
+              <a:schemeClr val="bg1"/>
+            </a:solidFill>
+            <a:ln w="6350">
+              <a:solidFill>
+                <a:schemeClr val="tx1"/>
+              </a:solidFill>
+            </a:ln>
+          </p:spPr>
+          <p:style>
+            <a:lnRef idx="2">
+              <a:schemeClr val="accent1">
+                <a:shade val="50000"/>
+              </a:schemeClr>
+            </a:lnRef>
+            <a:fillRef idx="1">
+              <a:schemeClr val="accent1"/>
+            </a:fillRef>
+            <a:effectRef idx="0">
+              <a:schemeClr val="accent1"/>
+            </a:effectRef>
+            <a:fontRef idx="minor">
+              <a:schemeClr val="lt1"/>
+            </a:fontRef>
+          </p:style>
+          <p:txBody>
+            <a:bodyPr lIns="36000" tIns="36000" rIns="36000" bIns="36000" rtlCol="0" anchor="ctr"/>
+            <a:lstStyle/>
+            <a:p>
+              <a:pPr algn="ctr"/>
+              <a:r>
+                <a:rPr lang="en-US" sz="1100" dirty="0">
+                  <a:solidFill>
+                    <a:schemeClr val="tx1"/>
+                  </a:solidFill>
+                  <a:latin typeface="Arial" panose="020B0604020202020204" pitchFamily="34" charset="0"/>
+                  <a:cs typeface="Arial" panose="020B0604020202020204" pitchFamily="34" charset="0"/>
+                </a:rPr>
+                <a:t>Available tables?</a:t>
+              </a:r>
+            </a:p>
+          </p:txBody>
+        </p:sp>
+        <p:cxnSp>
+          <p:nvCxnSpPr>
+            <p:cNvPr id="13" name="Straight Arrow Connector 12"/>
+            <p:cNvCxnSpPr>
+              <a:stCxn id="8" idx="3"/>
+              <a:endCxn id="9" idx="1"/>
+            </p:cNvCxnSpPr>
+            <p:nvPr/>
+          </p:nvCxnSpPr>
+          <p:spPr>
+            <a:xfrm flipV="1">
+              <a:off x="3010409" y="2884291"/>
+              <a:ext cx="518854" cy="10028"/>
+            </a:xfrm>
+            <a:prstGeom prst="straightConnector1">
+              <a:avLst/>
+            </a:prstGeom>
+            <a:ln>
+              <a:solidFill>
+                <a:schemeClr val="tx1"/>
+              </a:solidFill>
+              <a:tailEnd type="triangle"/>
+            </a:ln>
+          </p:spPr>
+          <p:style>
+            <a:lnRef idx="1">
+              <a:schemeClr val="accent1"/>
+            </a:lnRef>
+            <a:fillRef idx="0">
+              <a:schemeClr val="accent1"/>
+            </a:fillRef>
+            <a:effectRef idx="0">
+              <a:schemeClr val="accent1"/>
+            </a:effectRef>
+            <a:fontRef idx="minor">
+              <a:schemeClr val="tx1"/>
+            </a:fontRef>
+          </p:style>
+        </p:cxnSp>
+        <p:cxnSp>
+          <p:nvCxnSpPr>
+            <p:cNvPr id="19" name="Straight Arrow Connector 18"/>
+            <p:cNvCxnSpPr>
+              <a:stCxn id="9" idx="2"/>
+              <a:endCxn id="10" idx="0"/>
+            </p:cNvCxnSpPr>
+            <p:nvPr/>
+          </p:nvCxnSpPr>
+          <p:spPr>
+            <a:xfrm>
+              <a:off x="4159263" y="3154291"/>
+              <a:ext cx="0" cy="522789"/>
+            </a:xfrm>
+            <a:prstGeom prst="straightConnector1">
+              <a:avLst/>
+            </a:prstGeom>
+            <a:ln>
+              <a:solidFill>
+                <a:schemeClr val="tx1"/>
+              </a:solidFill>
+              <a:tailEnd type="triangle"/>
+            </a:ln>
+          </p:spPr>
+          <p:style>
+            <a:lnRef idx="1">
+              <a:schemeClr val="accent1"/>
+            </a:lnRef>
+            <a:fillRef idx="0">
+              <a:schemeClr val="accent1"/>
+            </a:fillRef>
+            <a:effectRef idx="0">
+              <a:schemeClr val="accent1"/>
+            </a:effectRef>
+            <a:fontRef idx="minor">
+              <a:schemeClr val="tx1"/>
+            </a:fontRef>
+          </p:style>
+        </p:cxnSp>
+        <p:sp>
+          <p:nvSpPr>
+            <p:cNvPr id="28" name="Diamond 27"/>
+            <p:cNvSpPr/>
+            <p:nvPr/>
+          </p:nvSpPr>
+          <p:spPr>
+            <a:xfrm>
+              <a:off x="5301916" y="3497080"/>
+              <a:ext cx="1800000" cy="900000"/>
+            </a:xfrm>
+            <a:prstGeom prst="diamond">
+              <a:avLst/>
+            </a:prstGeom>
+            <a:solidFill>
+              <a:schemeClr val="bg1"/>
+            </a:solidFill>
+            <a:ln w="6350">
+              <a:solidFill>
+                <a:schemeClr val="tx1"/>
+              </a:solidFill>
+            </a:ln>
+          </p:spPr>
+          <p:style>
+            <a:lnRef idx="2">
+              <a:schemeClr val="accent1">
+                <a:shade val="50000"/>
+              </a:schemeClr>
+            </a:lnRef>
+            <a:fillRef idx="1">
+              <a:schemeClr val="accent1"/>
+            </a:fillRef>
+            <a:effectRef idx="0">
+              <a:schemeClr val="accent1"/>
+            </a:effectRef>
+            <a:fontRef idx="minor">
+              <a:schemeClr val="lt1"/>
+            </a:fontRef>
+          </p:style>
+          <p:txBody>
+            <a:bodyPr lIns="36000" tIns="36000" rIns="36000" bIns="36000" rtlCol="0" anchor="ctr"/>
+            <a:lstStyle/>
+            <a:p>
+              <a:pPr algn="ctr"/>
+              <a:r>
+                <a:rPr lang="en-US" sz="1100" dirty="0">
+                  <a:solidFill>
+                    <a:schemeClr val="tx1"/>
+                  </a:solidFill>
+                  <a:latin typeface="Arial" panose="020B0604020202020204" pitchFamily="34" charset="0"/>
+                  <a:cs typeface="Arial" panose="020B0604020202020204" pitchFamily="34" charset="0"/>
+                </a:rPr>
+                <a:t>Possible to fill a table completely?</a:t>
+              </a:r>
+            </a:p>
+          </p:txBody>
+        </p:sp>
+        <p:cxnSp>
+          <p:nvCxnSpPr>
+            <p:cNvPr id="30" name="Straight Arrow Connector 29"/>
+            <p:cNvCxnSpPr>
+              <a:stCxn id="10" idx="3"/>
+              <a:endCxn id="28" idx="1"/>
+            </p:cNvCxnSpPr>
+            <p:nvPr/>
+          </p:nvCxnSpPr>
+          <p:spPr>
+            <a:xfrm>
+              <a:off x="4879263" y="3947080"/>
+              <a:ext cx="422653" cy="0"/>
+            </a:xfrm>
+            <a:prstGeom prst="straightConnector1">
+              <a:avLst/>
+            </a:prstGeom>
+            <a:ln>
+              <a:solidFill>
+                <a:schemeClr val="tx1"/>
+              </a:solidFill>
+              <a:tailEnd type="triangle"/>
+            </a:ln>
+          </p:spPr>
+          <p:style>
+            <a:lnRef idx="1">
+              <a:schemeClr val="accent1"/>
+            </a:lnRef>
+            <a:fillRef idx="0">
+              <a:schemeClr val="accent1"/>
+            </a:fillRef>
+            <a:effectRef idx="0">
+              <a:schemeClr val="accent1"/>
+            </a:effectRef>
+            <a:fontRef idx="minor">
+              <a:schemeClr val="tx1"/>
+            </a:fontRef>
+          </p:style>
+        </p:cxnSp>
+        <p:cxnSp>
+          <p:nvCxnSpPr>
+            <p:cNvPr id="35" name="Straight Arrow Connector 34"/>
+            <p:cNvCxnSpPr>
+              <a:stCxn id="28" idx="3"/>
+              <a:endCxn id="6" idx="1"/>
+            </p:cNvCxnSpPr>
+            <p:nvPr/>
+          </p:nvCxnSpPr>
+          <p:spPr>
+            <a:xfrm>
+              <a:off x="7101916" y="3947080"/>
+              <a:ext cx="422653" cy="0"/>
+            </a:xfrm>
+            <a:prstGeom prst="straightConnector1">
+              <a:avLst/>
+            </a:prstGeom>
+            <a:ln>
+              <a:solidFill>
+                <a:schemeClr val="tx1"/>
+              </a:solidFill>
+              <a:tailEnd type="triangle"/>
+            </a:ln>
+          </p:spPr>
+          <p:style>
+            <a:lnRef idx="1">
+              <a:schemeClr val="accent1"/>
+            </a:lnRef>
+            <a:fillRef idx="0">
+              <a:schemeClr val="accent1"/>
+            </a:fillRef>
+            <a:effectRef idx="0">
+              <a:schemeClr val="accent1"/>
+            </a:effectRef>
+            <a:fontRef idx="minor">
+              <a:schemeClr val="tx1"/>
+            </a:fontRef>
+          </p:style>
+        </p:cxnSp>
+        <p:sp>
+          <p:nvSpPr>
+            <p:cNvPr id="39" name="Rectangle 38"/>
+            <p:cNvSpPr/>
+            <p:nvPr/>
+          </p:nvSpPr>
+          <p:spPr>
+            <a:xfrm>
+              <a:off x="7524569" y="5798646"/>
+              <a:ext cx="1440000" cy="540000"/>
+            </a:xfrm>
+            <a:prstGeom prst="rect">
+              <a:avLst/>
+            </a:prstGeom>
+            <a:solidFill>
+              <a:schemeClr val="bg1"/>
+            </a:solidFill>
+            <a:ln w="6350">
+              <a:solidFill>
+                <a:schemeClr val="tx1"/>
+              </a:solidFill>
+            </a:ln>
+          </p:spPr>
+          <p:style>
+            <a:lnRef idx="2">
+              <a:schemeClr val="accent1">
+                <a:shade val="50000"/>
+              </a:schemeClr>
+            </a:lnRef>
+            <a:fillRef idx="1">
+              <a:schemeClr val="accent1"/>
+            </a:fillRef>
+            <a:effectRef idx="0">
+              <a:schemeClr val="accent1"/>
+            </a:effectRef>
+            <a:fontRef idx="minor">
+              <a:schemeClr val="lt1"/>
+            </a:fontRef>
+          </p:style>
+          <p:txBody>
+            <a:bodyPr rtlCol="0" anchor="ctr"/>
+            <a:lstStyle/>
+            <a:p>
+              <a:pPr algn="ctr"/>
+              <a:r>
+                <a:rPr lang="en-US" sz="1100" dirty="0">
+                  <a:solidFill>
+                    <a:schemeClr val="tx1"/>
+                  </a:solidFill>
+                  <a:latin typeface="Arial" panose="020B0604020202020204" pitchFamily="34" charset="0"/>
+                  <a:cs typeface="Arial" panose="020B0604020202020204" pitchFamily="34" charset="0"/>
+                </a:rPr>
+                <a:t>Finish</a:t>
+              </a:r>
+            </a:p>
+          </p:txBody>
+        </p:sp>
+        <p:cxnSp>
+          <p:nvCxnSpPr>
+            <p:cNvPr id="41" name="Elbow Connector 40"/>
+            <p:cNvCxnSpPr>
+              <a:stCxn id="8" idx="2"/>
+              <a:endCxn id="10" idx="1"/>
+            </p:cNvCxnSpPr>
+            <p:nvPr/>
+          </p:nvCxnSpPr>
+          <p:spPr>
+            <a:xfrm rot="16200000" flipH="1">
+              <a:off x="2518456" y="3026272"/>
+              <a:ext cx="782761" cy="1058854"/>
+            </a:xfrm>
+            <a:prstGeom prst="bentConnector2">
+              <a:avLst/>
+            </a:prstGeom>
+            <a:ln>
+              <a:solidFill>
+                <a:schemeClr val="tx1"/>
+              </a:solidFill>
+              <a:tailEnd type="triangle"/>
+            </a:ln>
+          </p:spPr>
+          <p:style>
+            <a:lnRef idx="1">
+              <a:schemeClr val="accent1"/>
+            </a:lnRef>
+            <a:fillRef idx="0">
+              <a:schemeClr val="accent1"/>
+            </a:fillRef>
+            <a:effectRef idx="0">
+              <a:schemeClr val="accent1"/>
+            </a:effectRef>
+            <a:fontRef idx="minor">
+              <a:schemeClr val="tx1"/>
+            </a:fontRef>
+          </p:style>
+        </p:cxnSp>
+        <p:cxnSp>
+          <p:nvCxnSpPr>
+            <p:cNvPr id="42" name="Elbow Connector 41"/>
+            <p:cNvCxnSpPr>
+              <a:stCxn id="10" idx="2"/>
+              <a:endCxn id="39" idx="1"/>
+            </p:cNvCxnSpPr>
+            <p:nvPr/>
+          </p:nvCxnSpPr>
+          <p:spPr>
+            <a:xfrm rot="16200000" flipH="1">
+              <a:off x="4916133" y="3460210"/>
+              <a:ext cx="1851566" cy="3365306"/>
+            </a:xfrm>
+            <a:prstGeom prst="bentConnector2">
+              <a:avLst/>
+            </a:prstGeom>
+            <a:ln>
+              <a:solidFill>
+                <a:schemeClr val="tx1"/>
+              </a:solidFill>
+              <a:tailEnd type="triangle"/>
+            </a:ln>
+          </p:spPr>
+          <p:style>
+            <a:lnRef idx="1">
+              <a:schemeClr val="accent1"/>
+            </a:lnRef>
+            <a:fillRef idx="0">
+              <a:schemeClr val="accent1"/>
+            </a:fillRef>
+            <a:effectRef idx="0">
+              <a:schemeClr val="accent1"/>
+            </a:effectRef>
+            <a:fontRef idx="minor">
+              <a:schemeClr val="tx1"/>
+            </a:fontRef>
+          </p:style>
+        </p:cxnSp>
+        <p:cxnSp>
+          <p:nvCxnSpPr>
+            <p:cNvPr id="46" name="Elbow Connector 45"/>
+            <p:cNvCxnSpPr>
+              <a:stCxn id="5" idx="3"/>
+              <a:endCxn id="39" idx="3"/>
+            </p:cNvCxnSpPr>
+            <p:nvPr/>
+          </p:nvCxnSpPr>
+          <p:spPr>
+            <a:xfrm>
+              <a:off x="8964569" y="2884291"/>
+              <a:ext cx="12700" cy="3184355"/>
+            </a:xfrm>
+            <a:prstGeom prst="bentConnector3">
+              <a:avLst>
+                <a:gd name="adj1" fmla="val 1800000"/>
+              </a:avLst>
+            </a:prstGeom>
+            <a:ln>
+              <a:solidFill>
+                <a:schemeClr val="tx1"/>
+              </a:solidFill>
+              <a:tailEnd type="triangle"/>
+            </a:ln>
+          </p:spPr>
+          <p:style>
+            <a:lnRef idx="1">
+              <a:schemeClr val="accent1"/>
+            </a:lnRef>
+            <a:fillRef idx="0">
+              <a:schemeClr val="accent1"/>
+            </a:fillRef>
+            <a:effectRef idx="0">
+              <a:schemeClr val="accent1"/>
+            </a:effectRef>
+            <a:fontRef idx="minor">
+              <a:schemeClr val="tx1"/>
+            </a:fontRef>
+          </p:style>
+        </p:cxnSp>
+        <p:cxnSp>
+          <p:nvCxnSpPr>
+            <p:cNvPr id="49" name="Elbow Connector 48"/>
+            <p:cNvCxnSpPr>
+              <a:stCxn id="6" idx="3"/>
+              <a:endCxn id="39" idx="3"/>
+            </p:cNvCxnSpPr>
+            <p:nvPr/>
+          </p:nvCxnSpPr>
+          <p:spPr>
+            <a:xfrm>
+              <a:off x="8964569" y="3947080"/>
+              <a:ext cx="12700" cy="2121566"/>
+            </a:xfrm>
+            <a:prstGeom prst="bentConnector3">
+              <a:avLst>
+                <a:gd name="adj1" fmla="val 1800000"/>
+              </a:avLst>
+            </a:prstGeom>
+            <a:ln>
+              <a:solidFill>
+                <a:schemeClr val="tx1"/>
+              </a:solidFill>
+              <a:tailEnd type="triangle"/>
+            </a:ln>
+          </p:spPr>
+          <p:style>
+            <a:lnRef idx="1">
+              <a:schemeClr val="accent1"/>
+            </a:lnRef>
+            <a:fillRef idx="0">
+              <a:schemeClr val="accent1"/>
+            </a:fillRef>
+            <a:effectRef idx="0">
+              <a:schemeClr val="accent1"/>
+            </a:effectRef>
+            <a:fontRef idx="minor">
+              <a:schemeClr val="tx1"/>
+            </a:fontRef>
+          </p:style>
+        </p:cxnSp>
+        <p:cxnSp>
+          <p:nvCxnSpPr>
+            <p:cNvPr id="52" name="Elbow Connector 51"/>
+            <p:cNvCxnSpPr>
+              <a:stCxn id="7" idx="3"/>
+              <a:endCxn id="39" idx="3"/>
+            </p:cNvCxnSpPr>
+            <p:nvPr/>
+          </p:nvCxnSpPr>
+          <p:spPr>
+            <a:xfrm>
+              <a:off x="8964569" y="5009869"/>
+              <a:ext cx="12700" cy="1058777"/>
+            </a:xfrm>
+            <a:prstGeom prst="bentConnector3">
+              <a:avLst>
+                <a:gd name="adj1" fmla="val 1800000"/>
+              </a:avLst>
+            </a:prstGeom>
+            <a:ln>
+              <a:solidFill>
+                <a:schemeClr val="tx1"/>
+              </a:solidFill>
+              <a:tailEnd type="triangle"/>
+            </a:ln>
+          </p:spPr>
+          <p:style>
+            <a:lnRef idx="1">
+              <a:schemeClr val="accent1"/>
+            </a:lnRef>
+            <a:fillRef idx="0">
+              <a:schemeClr val="accent1"/>
+            </a:fillRef>
+            <a:effectRef idx="0">
+              <a:schemeClr val="accent1"/>
+            </a:effectRef>
+            <a:fontRef idx="minor">
+              <a:schemeClr val="tx1"/>
+            </a:fontRef>
+          </p:style>
+        </p:cxnSp>
+        <p:cxnSp>
+          <p:nvCxnSpPr>
+            <p:cNvPr id="55" name="Elbow Connector 54"/>
+            <p:cNvCxnSpPr>
+              <a:stCxn id="28" idx="2"/>
+              <a:endCxn id="7" idx="1"/>
+            </p:cNvCxnSpPr>
+            <p:nvPr/>
+          </p:nvCxnSpPr>
+          <p:spPr>
+            <a:xfrm rot="16200000" flipH="1">
+              <a:off x="6556848" y="4042147"/>
+              <a:ext cx="612789" cy="1322653"/>
+            </a:xfrm>
+            <a:prstGeom prst="bentConnector2">
+              <a:avLst/>
+            </a:prstGeom>
+            <a:ln>
+              <a:solidFill>
+                <a:schemeClr val="tx1"/>
+              </a:solidFill>
+              <a:tailEnd type="triangle"/>
+            </a:ln>
+          </p:spPr>
+          <p:style>
+            <a:lnRef idx="1">
+              <a:schemeClr val="accent1"/>
+            </a:lnRef>
+            <a:fillRef idx="0">
+              <a:schemeClr val="accent1"/>
+            </a:fillRef>
+            <a:effectRef idx="0">
+              <a:schemeClr val="accent1"/>
+            </a:effectRef>
+            <a:fontRef idx="minor">
+              <a:schemeClr val="tx1"/>
+            </a:fontRef>
+          </p:style>
+        </p:cxnSp>
+        <p:sp>
+          <p:nvSpPr>
+            <p:cNvPr id="2" name="TextBox 1"/>
+            <p:cNvSpPr txBox="1"/>
+            <p:nvPr/>
+          </p:nvSpPr>
+          <p:spPr>
+            <a:xfrm>
+              <a:off x="1945353" y="3150792"/>
+              <a:ext cx="435056" cy="276999"/>
+            </a:xfrm>
+            <a:prstGeom prst="rect">
+              <a:avLst/>
+            </a:prstGeom>
+            <a:noFill/>
+          </p:spPr>
+          <p:txBody>
+            <a:bodyPr wrap="none" rtlCol="0">
+              <a:spAutoFit/>
+            </a:bodyPr>
+            <a:lstStyle/>
+            <a:p>
+              <a:r>
+                <a:rPr lang="en-US" sz="1200" dirty="0">
+                  <a:latin typeface="Arial" panose="020B0604020202020204" pitchFamily="34" charset="0"/>
+                  <a:cs typeface="Arial" panose="020B0604020202020204" pitchFamily="34" charset="0"/>
+                </a:rPr>
+                <a:t>Yes</a:t>
+              </a:r>
+            </a:p>
+          </p:txBody>
+        </p:sp>
+        <p:sp>
+          <p:nvSpPr>
+            <p:cNvPr id="24" name="TextBox 23"/>
+            <p:cNvSpPr txBox="1"/>
+            <p:nvPr/>
+          </p:nvSpPr>
+          <p:spPr>
+            <a:xfrm>
+              <a:off x="4784332" y="3678684"/>
+              <a:ext cx="435056" cy="276999"/>
+            </a:xfrm>
+            <a:prstGeom prst="rect">
+              <a:avLst/>
+            </a:prstGeom>
+            <a:noFill/>
+          </p:spPr>
+          <p:txBody>
+            <a:bodyPr wrap="none" rtlCol="0">
+              <a:spAutoFit/>
+            </a:bodyPr>
+            <a:lstStyle/>
+            <a:p>
+              <a:r>
+                <a:rPr lang="en-US" sz="1200">
+                  <a:latin typeface="Arial" panose="020B0604020202020204" pitchFamily="34" charset="0"/>
+                  <a:cs typeface="Arial" panose="020B0604020202020204" pitchFamily="34" charset="0"/>
+                </a:rPr>
+                <a:t>Yes</a:t>
+              </a:r>
+            </a:p>
+          </p:txBody>
+        </p:sp>
+        <p:sp>
+          <p:nvSpPr>
+            <p:cNvPr id="25" name="TextBox 24"/>
+            <p:cNvSpPr txBox="1"/>
+            <p:nvPr/>
+          </p:nvSpPr>
+          <p:spPr>
+            <a:xfrm>
+              <a:off x="4779622" y="2617320"/>
+              <a:ext cx="435056" cy="276999"/>
+            </a:xfrm>
+            <a:prstGeom prst="rect">
+              <a:avLst/>
+            </a:prstGeom>
+            <a:noFill/>
+          </p:spPr>
+          <p:txBody>
+            <a:bodyPr wrap="none" rtlCol="0">
+              <a:spAutoFit/>
+            </a:bodyPr>
+            <a:lstStyle/>
+            <a:p>
+              <a:r>
+                <a:rPr lang="en-US" sz="1200" dirty="0">
+                  <a:latin typeface="Arial" panose="020B0604020202020204" pitchFamily="34" charset="0"/>
+                  <a:cs typeface="Arial" panose="020B0604020202020204" pitchFamily="34" charset="0"/>
+                </a:rPr>
+                <a:t>Yes</a:t>
+              </a:r>
+            </a:p>
+          </p:txBody>
+        </p:sp>
+        <p:sp>
+          <p:nvSpPr>
+            <p:cNvPr id="26" name="TextBox 25"/>
+            <p:cNvSpPr txBox="1"/>
+            <p:nvPr/>
+          </p:nvSpPr>
+          <p:spPr>
+            <a:xfrm>
+              <a:off x="7043925" y="3680728"/>
+              <a:ext cx="435056" cy="276999"/>
+            </a:xfrm>
+            <a:prstGeom prst="rect">
+              <a:avLst/>
+            </a:prstGeom>
+            <a:noFill/>
+          </p:spPr>
+          <p:txBody>
+            <a:bodyPr wrap="none" rtlCol="0">
+              <a:spAutoFit/>
+            </a:bodyPr>
+            <a:lstStyle/>
+            <a:p>
+              <a:r>
+                <a:rPr lang="en-US" sz="1200">
+                  <a:latin typeface="Arial" panose="020B0604020202020204" pitchFamily="34" charset="0"/>
+                  <a:cs typeface="Arial" panose="020B0604020202020204" pitchFamily="34" charset="0"/>
+                </a:rPr>
+                <a:t>Yes</a:t>
+              </a:r>
+            </a:p>
+          </p:txBody>
+        </p:sp>
+        <p:sp>
+          <p:nvSpPr>
+            <p:cNvPr id="27" name="TextBox 26"/>
+            <p:cNvSpPr txBox="1"/>
+            <p:nvPr/>
+          </p:nvSpPr>
+          <p:spPr>
+            <a:xfrm>
+              <a:off x="2965265" y="2605688"/>
+              <a:ext cx="380232" cy="276999"/>
+            </a:xfrm>
+            <a:prstGeom prst="rect">
+              <a:avLst/>
+            </a:prstGeom>
+            <a:noFill/>
+          </p:spPr>
+          <p:txBody>
+            <a:bodyPr wrap="none" rtlCol="0">
+              <a:spAutoFit/>
+            </a:bodyPr>
+            <a:lstStyle/>
+            <a:p>
+              <a:r>
+                <a:rPr lang="en-US" sz="1200" dirty="0">
+                  <a:latin typeface="Arial" panose="020B0604020202020204" pitchFamily="34" charset="0"/>
+                  <a:cs typeface="Arial" panose="020B0604020202020204" pitchFamily="34" charset="0"/>
+                </a:rPr>
+                <a:t>No</a:t>
+              </a:r>
+            </a:p>
+          </p:txBody>
+        </p:sp>
+        <p:sp>
+          <p:nvSpPr>
+            <p:cNvPr id="31" name="TextBox 30"/>
+            <p:cNvSpPr txBox="1"/>
+            <p:nvPr/>
+          </p:nvSpPr>
+          <p:spPr>
+            <a:xfrm>
+              <a:off x="3757481" y="3261268"/>
+              <a:ext cx="380232" cy="276999"/>
+            </a:xfrm>
+            <a:prstGeom prst="rect">
+              <a:avLst/>
+            </a:prstGeom>
+            <a:noFill/>
+          </p:spPr>
+          <p:txBody>
+            <a:bodyPr wrap="none" rtlCol="0">
+              <a:spAutoFit/>
+            </a:bodyPr>
+            <a:lstStyle/>
+            <a:p>
+              <a:r>
+                <a:rPr lang="en-US" sz="1200" dirty="0">
+                  <a:latin typeface="Arial" panose="020B0604020202020204" pitchFamily="34" charset="0"/>
+                  <a:cs typeface="Arial" panose="020B0604020202020204" pitchFamily="34" charset="0"/>
+                </a:rPr>
+                <a:t>No</a:t>
+              </a:r>
+            </a:p>
+          </p:txBody>
+        </p:sp>
+        <p:sp>
+          <p:nvSpPr>
+            <p:cNvPr id="32" name="TextBox 31"/>
+            <p:cNvSpPr txBox="1"/>
+            <p:nvPr/>
+          </p:nvSpPr>
+          <p:spPr>
+            <a:xfrm>
+              <a:off x="4160242" y="4222899"/>
+              <a:ext cx="380232" cy="276999"/>
+            </a:xfrm>
+            <a:prstGeom prst="rect">
+              <a:avLst/>
+            </a:prstGeom>
+            <a:noFill/>
+          </p:spPr>
+          <p:txBody>
+            <a:bodyPr wrap="none" rtlCol="0">
+              <a:spAutoFit/>
+            </a:bodyPr>
+            <a:lstStyle/>
+            <a:p>
+              <a:r>
+                <a:rPr lang="en-US" sz="1200" dirty="0">
+                  <a:latin typeface="Arial" panose="020B0604020202020204" pitchFamily="34" charset="0"/>
+                  <a:cs typeface="Arial" panose="020B0604020202020204" pitchFamily="34" charset="0"/>
+                </a:rPr>
+                <a:t>No</a:t>
+              </a:r>
+            </a:p>
+          </p:txBody>
+        </p:sp>
+        <p:sp>
+          <p:nvSpPr>
+            <p:cNvPr id="33" name="TextBox 32"/>
+            <p:cNvSpPr txBox="1"/>
+            <p:nvPr/>
+          </p:nvSpPr>
+          <p:spPr>
+            <a:xfrm>
+              <a:off x="6202896" y="4393581"/>
+              <a:ext cx="380232" cy="276999"/>
+            </a:xfrm>
+            <a:prstGeom prst="rect">
+              <a:avLst/>
+            </a:prstGeom>
+            <a:noFill/>
+          </p:spPr>
+          <p:txBody>
+            <a:bodyPr wrap="none" rtlCol="0">
+              <a:spAutoFit/>
+            </a:bodyPr>
+            <a:lstStyle/>
+            <a:p>
+              <a:r>
+                <a:rPr lang="en-US" sz="1200" dirty="0">
+                  <a:latin typeface="Arial" panose="020B0604020202020204" pitchFamily="34" charset="0"/>
+                  <a:cs typeface="Arial" panose="020B0604020202020204" pitchFamily="34" charset="0"/>
+                </a:rPr>
+                <a:t>No</a:t>
+              </a:r>
+            </a:p>
+          </p:txBody>
+        </p:sp>
+        <p:sp>
+          <p:nvSpPr>
+            <p:cNvPr id="34" name="Diamond 33">
+              <a:extLst>
+                <a:ext uri="{FF2B5EF4-FFF2-40B4-BE49-F238E27FC236}">
+                  <a16:creationId xmlns:a16="http://schemas.microsoft.com/office/drawing/2014/main" id="{87354F4A-019A-9B40-A51C-05E422D3BC73}"/>
+                </a:ext>
+              </a:extLst>
+            </p:cNvPr>
+            <p:cNvSpPr/>
+            <p:nvPr/>
+          </p:nvSpPr>
+          <p:spPr>
+            <a:xfrm>
+              <a:off x="1750409" y="1542900"/>
+              <a:ext cx="1260000" cy="540000"/>
+            </a:xfrm>
+            <a:prstGeom prst="diamond">
+              <a:avLst/>
+            </a:prstGeom>
+            <a:solidFill>
+              <a:schemeClr val="bg1"/>
+            </a:solidFill>
+            <a:ln w="6350">
+              <a:solidFill>
+                <a:schemeClr val="tx1"/>
+              </a:solidFill>
+            </a:ln>
+          </p:spPr>
+          <p:style>
+            <a:lnRef idx="2">
+              <a:schemeClr val="accent1">
+                <a:shade val="50000"/>
+              </a:schemeClr>
+            </a:lnRef>
+            <a:fillRef idx="1">
+              <a:schemeClr val="accent1"/>
+            </a:fillRef>
+            <a:effectRef idx="0">
+              <a:schemeClr val="accent1"/>
+            </a:effectRef>
+            <a:fontRef idx="minor">
+              <a:schemeClr val="lt1"/>
+            </a:fontRef>
+          </p:style>
+          <p:txBody>
+            <a:bodyPr lIns="36000" tIns="36000" rIns="36000" bIns="36000" rtlCol="0" anchor="ctr"/>
+            <a:lstStyle/>
+            <a:p>
+              <a:pPr algn="ctr"/>
+              <a:r>
+                <a:rPr lang="en-US" sz="700" dirty="0">
+                  <a:solidFill>
+                    <a:schemeClr val="tx1"/>
+                  </a:solidFill>
+                  <a:latin typeface="Arial" panose="020B0604020202020204" pitchFamily="34" charset="0"/>
+                  <a:cs typeface="Arial" panose="020B0604020202020204" pitchFamily="34" charset="0"/>
+                </a:rPr>
+                <a:t>Reservation?</a:t>
+              </a:r>
+            </a:p>
+          </p:txBody>
+        </p:sp>
+        <p:cxnSp>
+          <p:nvCxnSpPr>
+            <p:cNvPr id="36" name="Elbow Connector 35">
+              <a:extLst>
+                <a:ext uri="{FF2B5EF4-FFF2-40B4-BE49-F238E27FC236}">
+                  <a16:creationId xmlns:a16="http://schemas.microsoft.com/office/drawing/2014/main" id="{EED616D4-9B19-6547-802C-622E58D99097}"/>
+                </a:ext>
+              </a:extLst>
+            </p:cNvPr>
+            <p:cNvCxnSpPr>
+              <a:cxnSpLocks/>
+              <a:endCxn id="34" idx="0"/>
+            </p:cNvCxnSpPr>
+            <p:nvPr/>
+          </p:nvCxnSpPr>
+          <p:spPr>
+            <a:xfrm rot="5400000">
+              <a:off x="2114716" y="1277203"/>
+              <a:ext cx="531391" cy="3"/>
+            </a:xfrm>
+            <a:prstGeom prst="bentConnector3">
+              <a:avLst>
+                <a:gd name="adj1" fmla="val 50000"/>
+              </a:avLst>
+            </a:prstGeom>
+            <a:ln>
+              <a:solidFill>
+                <a:schemeClr val="tx1"/>
+              </a:solidFill>
+              <a:tailEnd type="triangle"/>
+            </a:ln>
+          </p:spPr>
+          <p:style>
+            <a:lnRef idx="1">
+              <a:schemeClr val="accent1"/>
+            </a:lnRef>
+            <a:fillRef idx="0">
+              <a:schemeClr val="accent1"/>
+            </a:fillRef>
+            <a:effectRef idx="0">
+              <a:schemeClr val="accent1"/>
+            </a:effectRef>
+            <a:fontRef idx="minor">
+              <a:schemeClr val="tx1"/>
+            </a:fontRef>
+          </p:style>
+        </p:cxnSp>
+        <p:sp>
+          <p:nvSpPr>
+            <p:cNvPr id="40" name="TextBox 39">
+              <a:extLst>
+                <a:ext uri="{FF2B5EF4-FFF2-40B4-BE49-F238E27FC236}">
+                  <a16:creationId xmlns:a16="http://schemas.microsoft.com/office/drawing/2014/main" id="{EBD912F6-D3F0-6A4E-A076-DDA827960A3B}"/>
+                </a:ext>
+              </a:extLst>
+            </p:cNvPr>
+            <p:cNvSpPr txBox="1"/>
+            <p:nvPr/>
+          </p:nvSpPr>
+          <p:spPr>
+            <a:xfrm>
+              <a:off x="3107879" y="1518773"/>
+              <a:ext cx="435056" cy="276999"/>
+            </a:xfrm>
+            <a:prstGeom prst="rect">
+              <a:avLst/>
+            </a:prstGeom>
+            <a:noFill/>
+          </p:spPr>
+          <p:txBody>
+            <a:bodyPr wrap="none" rtlCol="0">
+              <a:spAutoFit/>
+            </a:bodyPr>
+            <a:lstStyle/>
+            <a:p>
+              <a:r>
+                <a:rPr lang="en-US" sz="1200" dirty="0">
+                  <a:latin typeface="Arial" panose="020B0604020202020204" pitchFamily="34" charset="0"/>
+                  <a:cs typeface="Arial" panose="020B0604020202020204" pitchFamily="34" charset="0"/>
+                </a:rPr>
+                <a:t>Yes</a:t>
+              </a:r>
+            </a:p>
+          </p:txBody>
+        </p:sp>
+        <p:sp>
+          <p:nvSpPr>
+            <p:cNvPr id="43" name="TextBox 42">
+              <a:extLst>
+                <a:ext uri="{FF2B5EF4-FFF2-40B4-BE49-F238E27FC236}">
+                  <a16:creationId xmlns:a16="http://schemas.microsoft.com/office/drawing/2014/main" id="{316AE8E6-18E4-7C4A-9B59-54C61BC3F4DA}"/>
+                </a:ext>
+              </a:extLst>
+            </p:cNvPr>
+            <p:cNvSpPr txBox="1"/>
+            <p:nvPr/>
+          </p:nvSpPr>
+          <p:spPr>
+            <a:xfrm>
+              <a:off x="1942163" y="2209174"/>
+              <a:ext cx="380232" cy="276999"/>
+            </a:xfrm>
+            <a:prstGeom prst="rect">
+              <a:avLst/>
+            </a:prstGeom>
+            <a:noFill/>
+          </p:spPr>
+          <p:txBody>
+            <a:bodyPr wrap="none" rtlCol="0">
+              <a:spAutoFit/>
+            </a:bodyPr>
+            <a:lstStyle/>
+            <a:p>
+              <a:r>
+                <a:rPr lang="en-US" sz="1200" dirty="0">
+                  <a:latin typeface="Arial" panose="020B0604020202020204" pitchFamily="34" charset="0"/>
+                  <a:cs typeface="Arial" panose="020B0604020202020204" pitchFamily="34" charset="0"/>
+                </a:rPr>
+                <a:t>No</a:t>
+              </a:r>
+            </a:p>
+          </p:txBody>
+        </p:sp>
+        <p:cxnSp>
+          <p:nvCxnSpPr>
+            <p:cNvPr id="45" name="Straight Arrow Connector 44">
+              <a:extLst>
+                <a:ext uri="{FF2B5EF4-FFF2-40B4-BE49-F238E27FC236}">
+                  <a16:creationId xmlns:a16="http://schemas.microsoft.com/office/drawing/2014/main" id="{1B2A8413-9E41-7144-BB30-1EF84D5F2B16}"/>
+                </a:ext>
+              </a:extLst>
+            </p:cNvPr>
+            <p:cNvCxnSpPr>
+              <a:cxnSpLocks/>
+            </p:cNvCxnSpPr>
+            <p:nvPr/>
+          </p:nvCxnSpPr>
+          <p:spPr>
+            <a:xfrm>
+              <a:off x="3016610" y="1801591"/>
+              <a:ext cx="623800" cy="0"/>
+            </a:xfrm>
+            <a:prstGeom prst="straightConnector1">
+              <a:avLst/>
+            </a:prstGeom>
+            <a:ln>
+              <a:solidFill>
+                <a:schemeClr val="tx1"/>
+              </a:solidFill>
+              <a:tailEnd type="triangle"/>
+            </a:ln>
+          </p:spPr>
+          <p:style>
+            <a:lnRef idx="1">
+              <a:schemeClr val="accent1"/>
+            </a:lnRef>
+            <a:fillRef idx="0">
+              <a:schemeClr val="accent1"/>
+            </a:fillRef>
+            <a:effectRef idx="0">
+              <a:schemeClr val="accent1"/>
+            </a:effectRef>
+            <a:fontRef idx="minor">
+              <a:schemeClr val="tx1"/>
+            </a:fontRef>
+          </p:style>
+        </p:cxnSp>
+        <p:sp>
+          <p:nvSpPr>
+            <p:cNvPr id="47" name="Diamond 46">
+              <a:extLst>
+                <a:ext uri="{FF2B5EF4-FFF2-40B4-BE49-F238E27FC236}">
+                  <a16:creationId xmlns:a16="http://schemas.microsoft.com/office/drawing/2014/main" id="{DFA4B3DF-E9A7-0546-B8B5-D7A4C445B938}"/>
+                </a:ext>
+              </a:extLst>
+            </p:cNvPr>
+            <p:cNvSpPr/>
+            <p:nvPr/>
+          </p:nvSpPr>
+          <p:spPr>
+            <a:xfrm>
+              <a:off x="3649005" y="1547489"/>
+              <a:ext cx="1260000" cy="540000"/>
+            </a:xfrm>
+            <a:prstGeom prst="diamond">
+              <a:avLst/>
+            </a:prstGeom>
+            <a:solidFill>
+              <a:schemeClr val="bg1"/>
+            </a:solidFill>
+            <a:ln w="6350">
+              <a:solidFill>
+                <a:schemeClr val="tx1"/>
+              </a:solidFill>
+            </a:ln>
+          </p:spPr>
+          <p:style>
+            <a:lnRef idx="2">
+              <a:schemeClr val="accent1">
+                <a:shade val="50000"/>
+              </a:schemeClr>
+            </a:lnRef>
+            <a:fillRef idx="1">
+              <a:schemeClr val="accent1"/>
+            </a:fillRef>
+            <a:effectRef idx="0">
+              <a:schemeClr val="accent1"/>
+            </a:effectRef>
+            <a:fontRef idx="minor">
+              <a:schemeClr val="lt1"/>
+            </a:fontRef>
+          </p:style>
+          <p:txBody>
+            <a:bodyPr lIns="36000" tIns="36000" rIns="36000" bIns="36000" rtlCol="0" anchor="ctr"/>
+            <a:lstStyle/>
+            <a:p>
+              <a:pPr algn="ctr"/>
+              <a:r>
+                <a:rPr lang="en-US" sz="1100" dirty="0">
+                  <a:solidFill>
+                    <a:schemeClr val="tx1"/>
+                  </a:solidFill>
+                  <a:latin typeface="Arial" panose="020B0604020202020204" pitchFamily="34" charset="0"/>
+                  <a:cs typeface="Arial" panose="020B0604020202020204" pitchFamily="34" charset="0"/>
+                </a:rPr>
+                <a:t>Empty tables?</a:t>
+              </a:r>
+            </a:p>
+          </p:txBody>
+        </p:sp>
+        <p:cxnSp>
+          <p:nvCxnSpPr>
+            <p:cNvPr id="48" name="Straight Arrow Connector 47">
+              <a:extLst>
+                <a:ext uri="{FF2B5EF4-FFF2-40B4-BE49-F238E27FC236}">
+                  <a16:creationId xmlns:a16="http://schemas.microsoft.com/office/drawing/2014/main" id="{81F5982E-22EB-2646-A9C9-6946A63B3C18}"/>
+                </a:ext>
+              </a:extLst>
+            </p:cNvPr>
+            <p:cNvCxnSpPr>
+              <a:stCxn id="47" idx="3"/>
+            </p:cNvCxnSpPr>
+            <p:nvPr/>
+          </p:nvCxnSpPr>
+          <p:spPr>
+            <a:xfrm>
+              <a:off x="4909005" y="1817489"/>
+              <a:ext cx="2735306" cy="0"/>
+            </a:xfrm>
+            <a:prstGeom prst="straightConnector1">
+              <a:avLst/>
+            </a:prstGeom>
+            <a:ln>
+              <a:solidFill>
+                <a:schemeClr val="tx1"/>
+              </a:solidFill>
+              <a:tailEnd type="triangle"/>
+            </a:ln>
+          </p:spPr>
+          <p:style>
+            <a:lnRef idx="1">
+              <a:schemeClr val="accent1"/>
+            </a:lnRef>
+            <a:fillRef idx="0">
+              <a:schemeClr val="accent1"/>
+            </a:fillRef>
+            <a:effectRef idx="0">
+              <a:schemeClr val="accent1"/>
+            </a:effectRef>
+            <a:fontRef idx="minor">
+              <a:schemeClr val="tx1"/>
+            </a:fontRef>
+          </p:style>
+        </p:cxnSp>
+        <p:sp>
+          <p:nvSpPr>
+            <p:cNvPr id="50" name="TextBox 49">
+              <a:extLst>
+                <a:ext uri="{FF2B5EF4-FFF2-40B4-BE49-F238E27FC236}">
+                  <a16:creationId xmlns:a16="http://schemas.microsoft.com/office/drawing/2014/main" id="{930A8E4A-6035-984A-B67A-82AA2F065CAB}"/>
+                </a:ext>
+              </a:extLst>
+            </p:cNvPr>
+            <p:cNvSpPr txBox="1"/>
+            <p:nvPr/>
+          </p:nvSpPr>
+          <p:spPr>
+            <a:xfrm>
+              <a:off x="4857804" y="1538887"/>
+              <a:ext cx="435056" cy="276999"/>
+            </a:xfrm>
+            <a:prstGeom prst="rect">
+              <a:avLst/>
+            </a:prstGeom>
+            <a:noFill/>
+          </p:spPr>
+          <p:txBody>
+            <a:bodyPr wrap="none" rtlCol="0">
+              <a:spAutoFit/>
+            </a:bodyPr>
+            <a:lstStyle/>
+            <a:p>
+              <a:r>
+                <a:rPr lang="en-US" sz="1200">
+                  <a:latin typeface="Arial" panose="020B0604020202020204" pitchFamily="34" charset="0"/>
+                  <a:cs typeface="Arial" panose="020B0604020202020204" pitchFamily="34" charset="0"/>
+                </a:rPr>
+                <a:t>Yes</a:t>
+              </a:r>
+            </a:p>
+          </p:txBody>
+        </p:sp>
+        <p:sp>
+          <p:nvSpPr>
+            <p:cNvPr id="51" name="TextBox 50">
+              <a:extLst>
+                <a:ext uri="{FF2B5EF4-FFF2-40B4-BE49-F238E27FC236}">
+                  <a16:creationId xmlns:a16="http://schemas.microsoft.com/office/drawing/2014/main" id="{738301D4-B570-F745-B48A-B2DE34D5EFFA}"/>
+                </a:ext>
+              </a:extLst>
+            </p:cNvPr>
+            <p:cNvSpPr txBox="1"/>
+            <p:nvPr/>
+          </p:nvSpPr>
+          <p:spPr>
+            <a:xfrm>
+              <a:off x="4279984" y="2091815"/>
+              <a:ext cx="380232" cy="276999"/>
+            </a:xfrm>
+            <a:prstGeom prst="rect">
+              <a:avLst/>
+            </a:prstGeom>
+            <a:noFill/>
+          </p:spPr>
+          <p:txBody>
+            <a:bodyPr wrap="none" rtlCol="0">
+              <a:spAutoFit/>
+            </a:bodyPr>
+            <a:lstStyle/>
+            <a:p>
+              <a:r>
+                <a:rPr lang="en-US" sz="1200" dirty="0">
+                  <a:latin typeface="Arial" panose="020B0604020202020204" pitchFamily="34" charset="0"/>
+                  <a:cs typeface="Arial" panose="020B0604020202020204" pitchFamily="34" charset="0"/>
+                </a:rPr>
+                <a:t>No</a:t>
+              </a:r>
+            </a:p>
+          </p:txBody>
+        </p:sp>
+        <p:cxnSp>
+          <p:nvCxnSpPr>
+            <p:cNvPr id="53" name="Elbow Connector 52">
+              <a:extLst>
+                <a:ext uri="{FF2B5EF4-FFF2-40B4-BE49-F238E27FC236}">
+                  <a16:creationId xmlns:a16="http://schemas.microsoft.com/office/drawing/2014/main" id="{095E829E-7DB1-6C43-A642-2725A5B847CE}"/>
+                </a:ext>
+              </a:extLst>
+            </p:cNvPr>
+            <p:cNvCxnSpPr>
+              <a:cxnSpLocks/>
+              <a:endCxn id="39" idx="3"/>
+            </p:cNvCxnSpPr>
+            <p:nvPr/>
+          </p:nvCxnSpPr>
+          <p:spPr>
+            <a:xfrm>
+              <a:off x="4279005" y="2082238"/>
+              <a:ext cx="4685564" cy="3986408"/>
+            </a:xfrm>
+            <a:prstGeom prst="bentConnector3">
+              <a:avLst>
+                <a:gd name="adj1" fmla="val 104879"/>
+              </a:avLst>
+            </a:prstGeom>
+            <a:ln>
+              <a:solidFill>
+                <a:schemeClr val="tx1"/>
+              </a:solidFill>
+              <a:tailEnd type="triangle"/>
+            </a:ln>
+          </p:spPr>
+          <p:style>
+            <a:lnRef idx="1">
+              <a:schemeClr val="accent1"/>
+            </a:lnRef>
+            <a:fillRef idx="0">
+              <a:schemeClr val="accent1"/>
+            </a:fillRef>
+            <a:effectRef idx="0">
+              <a:schemeClr val="accent1"/>
+            </a:effectRef>
+            <a:fontRef idx="minor">
+              <a:schemeClr val="tx1"/>
+            </a:fontRef>
+          </p:style>
+        </p:cxnSp>
+        <p:sp>
+          <p:nvSpPr>
+            <p:cNvPr id="54" name="Rectangle 53">
+              <a:extLst>
+                <a:ext uri="{FF2B5EF4-FFF2-40B4-BE49-F238E27FC236}">
+                  <a16:creationId xmlns:a16="http://schemas.microsoft.com/office/drawing/2014/main" id="{D59F4D00-9215-004F-89CF-C24B52F0CBAE}"/>
+                </a:ext>
+              </a:extLst>
+            </p:cNvPr>
+            <p:cNvSpPr/>
+            <p:nvPr/>
+          </p:nvSpPr>
+          <p:spPr>
+            <a:xfrm>
+              <a:off x="7644311" y="1487103"/>
+              <a:ext cx="1440000" cy="540000"/>
+            </a:xfrm>
+            <a:prstGeom prst="rect">
+              <a:avLst/>
+            </a:prstGeom>
+            <a:solidFill>
+              <a:schemeClr val="bg1"/>
+            </a:solidFill>
+            <a:ln w="6350">
+              <a:solidFill>
+                <a:schemeClr val="tx1"/>
+              </a:solidFill>
+            </a:ln>
+          </p:spPr>
+          <p:style>
+            <a:lnRef idx="2">
+              <a:schemeClr val="accent1">
+                <a:shade val="50000"/>
+              </a:schemeClr>
+            </a:lnRef>
+            <a:fillRef idx="1">
+              <a:schemeClr val="accent1"/>
+            </a:fillRef>
+            <a:effectRef idx="0">
+              <a:schemeClr val="accent1"/>
+            </a:effectRef>
+            <a:fontRef idx="minor">
+              <a:schemeClr val="lt1"/>
+            </a:fontRef>
+          </p:style>
+          <p:txBody>
+            <a:bodyPr rtlCol="0" anchor="ctr"/>
+            <a:lstStyle/>
+            <a:p>
+              <a:pPr algn="ctr"/>
+              <a:r>
+                <a:rPr lang="en-US" sz="1100" dirty="0">
+                  <a:solidFill>
+                    <a:schemeClr val="tx1"/>
+                  </a:solidFill>
+                  <a:latin typeface="Arial" panose="020B0604020202020204" pitchFamily="34" charset="0"/>
+                  <a:cs typeface="Arial" panose="020B0604020202020204" pitchFamily="34" charset="0"/>
+                </a:rPr>
+                <a:t>Perform assignment to the reserved table</a:t>
+              </a:r>
+            </a:p>
+          </p:txBody>
+        </p:sp>
+        <p:cxnSp>
+          <p:nvCxnSpPr>
+            <p:cNvPr id="57" name="Elbow Connector 56">
+              <a:extLst>
+                <a:ext uri="{FF2B5EF4-FFF2-40B4-BE49-F238E27FC236}">
+                  <a16:creationId xmlns:a16="http://schemas.microsoft.com/office/drawing/2014/main" id="{78F64E2D-F962-2B44-840A-52EFC90F5F9E}"/>
+                </a:ext>
+              </a:extLst>
+            </p:cNvPr>
+            <p:cNvCxnSpPr>
+              <a:cxnSpLocks/>
+              <a:stCxn id="54" idx="3"/>
+              <a:endCxn id="39" idx="3"/>
+            </p:cNvCxnSpPr>
+            <p:nvPr/>
+          </p:nvCxnSpPr>
+          <p:spPr>
+            <a:xfrm flipH="1">
+              <a:off x="8964569" y="1757103"/>
+              <a:ext cx="119742" cy="4311543"/>
+            </a:xfrm>
+            <a:prstGeom prst="bentConnector3">
+              <a:avLst>
+                <a:gd name="adj1" fmla="val -190910"/>
+              </a:avLst>
+            </a:prstGeom>
+            <a:ln>
+              <a:solidFill>
+                <a:schemeClr val="tx1"/>
+              </a:solidFill>
+              <a:tailEnd type="triangle"/>
+            </a:ln>
+          </p:spPr>
+          <p:style>
+            <a:lnRef idx="1">
+              <a:schemeClr val="accent1"/>
+            </a:lnRef>
+            <a:fillRef idx="0">
+              <a:schemeClr val="accent1"/>
+            </a:fillRef>
+            <a:effectRef idx="0">
+              <a:schemeClr val="accent1"/>
+            </a:effectRef>
+            <a:fontRef idx="minor">
+              <a:schemeClr val="tx1"/>
+            </a:fontRef>
+          </p:style>
+        </p:cxnSp>
+        <p:sp>
+          <p:nvSpPr>
+            <p:cNvPr id="56" name="Diamond 55">
+              <a:extLst>
+                <a:ext uri="{FF2B5EF4-FFF2-40B4-BE49-F238E27FC236}">
+                  <a16:creationId xmlns:a16="http://schemas.microsoft.com/office/drawing/2014/main" id="{C22AF827-E530-D146-B957-F805EAB923FF}"/>
+                </a:ext>
+              </a:extLst>
+            </p:cNvPr>
+            <p:cNvSpPr/>
+            <p:nvPr/>
+          </p:nvSpPr>
+          <p:spPr>
+            <a:xfrm>
+              <a:off x="5397256" y="2607249"/>
+              <a:ext cx="1260000" cy="540000"/>
+            </a:xfrm>
+            <a:prstGeom prst="diamond">
+              <a:avLst/>
+            </a:prstGeom>
+            <a:solidFill>
+              <a:schemeClr val="bg1"/>
+            </a:solidFill>
+            <a:ln w="6350">
+              <a:solidFill>
+                <a:schemeClr val="tx1"/>
+              </a:solidFill>
+            </a:ln>
+          </p:spPr>
+          <p:style>
+            <a:lnRef idx="2">
+              <a:schemeClr val="accent1">
+                <a:shade val="50000"/>
+              </a:schemeClr>
+            </a:lnRef>
+            <a:fillRef idx="1">
+              <a:schemeClr val="accent1"/>
+            </a:fillRef>
+            <a:effectRef idx="0">
+              <a:schemeClr val="accent1"/>
+            </a:effectRef>
+            <a:fontRef idx="minor">
+              <a:schemeClr val="lt1"/>
+            </a:fontRef>
+          </p:style>
+          <p:txBody>
+            <a:bodyPr lIns="36000" tIns="36000" rIns="36000" bIns="36000" rtlCol="0" anchor="ctr"/>
+            <a:lstStyle/>
+            <a:p>
+              <a:pPr algn="ctr"/>
+              <a:r>
+                <a:rPr lang="en-US" sz="600" dirty="0">
+                  <a:solidFill>
+                    <a:schemeClr val="tx1"/>
+                  </a:solidFill>
+                  <a:latin typeface="Arial" panose="020B0604020202020204" pitchFamily="34" charset="0"/>
+                  <a:cs typeface="Arial" panose="020B0604020202020204" pitchFamily="34" charset="0"/>
+                </a:rPr>
+                <a:t>Table Size ≠</a:t>
+              </a:r>
+            </a:p>
+            <a:p>
+              <a:pPr algn="ctr"/>
+              <a:r>
+                <a:rPr lang="en-US" sz="600" dirty="0">
+                  <a:solidFill>
+                    <a:schemeClr val="tx1"/>
+                  </a:solidFill>
+                  <a:latin typeface="Arial" panose="020B0604020202020204" pitchFamily="34" charset="0"/>
+                  <a:cs typeface="Arial" panose="020B0604020202020204" pitchFamily="34" charset="0"/>
+                </a:rPr>
+                <a:t>  Reserved Group Size</a:t>
+              </a:r>
+            </a:p>
+          </p:txBody>
+        </p:sp>
+        <p:cxnSp>
+          <p:nvCxnSpPr>
+            <p:cNvPr id="58" name="Straight Arrow Connector 57">
+              <a:extLst>
+                <a:ext uri="{FF2B5EF4-FFF2-40B4-BE49-F238E27FC236}">
+                  <a16:creationId xmlns:a16="http://schemas.microsoft.com/office/drawing/2014/main" id="{4144626B-7BF1-014C-AB50-F507F13E3FBF}"/>
+                </a:ext>
+              </a:extLst>
+            </p:cNvPr>
+            <p:cNvCxnSpPr>
+              <a:cxnSpLocks/>
+            </p:cNvCxnSpPr>
+            <p:nvPr/>
+          </p:nvCxnSpPr>
+          <p:spPr>
+            <a:xfrm>
+              <a:off x="4784332" y="2877249"/>
+              <a:ext cx="623800" cy="0"/>
+            </a:xfrm>
+            <a:prstGeom prst="straightConnector1">
+              <a:avLst/>
+            </a:prstGeom>
+            <a:ln>
+              <a:solidFill>
+                <a:schemeClr val="tx1"/>
+              </a:solidFill>
+              <a:tailEnd type="triangle"/>
+            </a:ln>
+          </p:spPr>
+          <p:style>
+            <a:lnRef idx="1">
+              <a:schemeClr val="accent1"/>
+            </a:lnRef>
+            <a:fillRef idx="0">
+              <a:schemeClr val="accent1"/>
+            </a:fillRef>
+            <a:effectRef idx="0">
+              <a:schemeClr val="accent1"/>
+            </a:effectRef>
+            <a:fontRef idx="minor">
+              <a:schemeClr val="tx1"/>
+            </a:fontRef>
+          </p:style>
+        </p:cxnSp>
+        <p:cxnSp>
+          <p:nvCxnSpPr>
+            <p:cNvPr id="59" name="Straight Arrow Connector 58">
+              <a:extLst>
+                <a:ext uri="{FF2B5EF4-FFF2-40B4-BE49-F238E27FC236}">
+                  <a16:creationId xmlns:a16="http://schemas.microsoft.com/office/drawing/2014/main" id="{32B5FC23-F338-B74B-9F8C-2EA0220094B6}"/>
+                </a:ext>
+              </a:extLst>
+            </p:cNvPr>
+            <p:cNvCxnSpPr>
+              <a:cxnSpLocks/>
+              <a:endCxn id="5" idx="1"/>
+            </p:cNvCxnSpPr>
+            <p:nvPr/>
+          </p:nvCxnSpPr>
+          <p:spPr>
+            <a:xfrm>
+              <a:off x="6657256" y="2884291"/>
+              <a:ext cx="867313" cy="0"/>
+            </a:xfrm>
+            <a:prstGeom prst="straightConnector1">
+              <a:avLst/>
+            </a:prstGeom>
+            <a:ln>
+              <a:solidFill>
+                <a:schemeClr val="tx1"/>
+              </a:solidFill>
+              <a:tailEnd type="triangle"/>
+            </a:ln>
+          </p:spPr>
+          <p:style>
+            <a:lnRef idx="1">
+              <a:schemeClr val="accent1"/>
+            </a:lnRef>
+            <a:fillRef idx="0">
+              <a:schemeClr val="accent1"/>
+            </a:fillRef>
+            <a:effectRef idx="0">
+              <a:schemeClr val="accent1"/>
+            </a:effectRef>
+            <a:fontRef idx="minor">
+              <a:schemeClr val="tx1"/>
+            </a:fontRef>
+          </p:style>
+        </p:cxnSp>
+        <p:sp>
+          <p:nvSpPr>
+            <p:cNvPr id="60" name="TextBox 59">
+              <a:extLst>
+                <a:ext uri="{FF2B5EF4-FFF2-40B4-BE49-F238E27FC236}">
+                  <a16:creationId xmlns:a16="http://schemas.microsoft.com/office/drawing/2014/main" id="{D86E8A33-A4CF-E140-BEF4-644214BC2335}"/>
+                </a:ext>
+              </a:extLst>
+            </p:cNvPr>
+            <p:cNvSpPr txBox="1"/>
+            <p:nvPr/>
+          </p:nvSpPr>
+          <p:spPr>
+            <a:xfrm>
+              <a:off x="6884388" y="2596171"/>
+              <a:ext cx="435056" cy="276999"/>
+            </a:xfrm>
+            <a:prstGeom prst="rect">
+              <a:avLst/>
+            </a:prstGeom>
+            <a:noFill/>
+          </p:spPr>
+          <p:txBody>
+            <a:bodyPr wrap="none" rtlCol="0">
+              <a:spAutoFit/>
+            </a:bodyPr>
+            <a:lstStyle/>
+            <a:p>
+              <a:r>
+                <a:rPr lang="en-US" sz="1200" dirty="0">
+                  <a:latin typeface="Arial" panose="020B0604020202020204" pitchFamily="34" charset="0"/>
+                  <a:cs typeface="Arial" panose="020B0604020202020204" pitchFamily="34" charset="0"/>
+                </a:rPr>
+                <a:t>Yes</a:t>
+              </a:r>
+            </a:p>
+          </p:txBody>
+        </p:sp>
+        <p:sp>
+          <p:nvSpPr>
+            <p:cNvPr id="62" name="TextBox 61">
+              <a:extLst>
+                <a:ext uri="{FF2B5EF4-FFF2-40B4-BE49-F238E27FC236}">
+                  <a16:creationId xmlns:a16="http://schemas.microsoft.com/office/drawing/2014/main" id="{3A34B387-56B5-BD48-B05D-CD4AEC4FEDB3}"/>
+                </a:ext>
+              </a:extLst>
+            </p:cNvPr>
+            <p:cNvSpPr txBox="1"/>
+            <p:nvPr/>
+          </p:nvSpPr>
+          <p:spPr>
+            <a:xfrm>
+              <a:off x="5998007" y="3136602"/>
+              <a:ext cx="380232" cy="276999"/>
+            </a:xfrm>
+            <a:prstGeom prst="rect">
+              <a:avLst/>
+            </a:prstGeom>
+            <a:noFill/>
+          </p:spPr>
+          <p:txBody>
+            <a:bodyPr wrap="none" rtlCol="0">
+              <a:spAutoFit/>
+            </a:bodyPr>
+            <a:lstStyle/>
+            <a:p>
+              <a:r>
+                <a:rPr lang="en-US" sz="1200" dirty="0">
+                  <a:latin typeface="Arial" panose="020B0604020202020204" pitchFamily="34" charset="0"/>
+                  <a:cs typeface="Arial" panose="020B0604020202020204" pitchFamily="34" charset="0"/>
+                </a:rPr>
+                <a:t>No</a:t>
+              </a:r>
+            </a:p>
+          </p:txBody>
+        </p:sp>
+        <p:cxnSp>
+          <p:nvCxnSpPr>
+            <p:cNvPr id="63" name="Elbow Connector 62">
+              <a:extLst>
+                <a:ext uri="{FF2B5EF4-FFF2-40B4-BE49-F238E27FC236}">
+                  <a16:creationId xmlns:a16="http://schemas.microsoft.com/office/drawing/2014/main" id="{7D8796A9-20A2-7F4B-8780-949EC0E0D621}"/>
+                </a:ext>
+              </a:extLst>
+            </p:cNvPr>
+            <p:cNvCxnSpPr>
+              <a:cxnSpLocks/>
+              <a:stCxn id="56" idx="2"/>
+              <a:endCxn id="10" idx="0"/>
+            </p:cNvCxnSpPr>
+            <p:nvPr/>
+          </p:nvCxnSpPr>
+          <p:spPr>
+            <a:xfrm rot="5400000">
+              <a:off x="4828345" y="2478168"/>
+              <a:ext cx="529831" cy="1867993"/>
+            </a:xfrm>
+            <a:prstGeom prst="bentConnector3">
+              <a:avLst>
+                <a:gd name="adj1" fmla="val 50000"/>
+              </a:avLst>
+            </a:prstGeom>
+            <a:ln>
+              <a:solidFill>
+                <a:schemeClr val="tx1"/>
+              </a:solidFill>
+              <a:tailEnd type="triangle"/>
+            </a:ln>
+          </p:spPr>
+          <p:style>
+            <a:lnRef idx="1">
+              <a:schemeClr val="accent1"/>
+            </a:lnRef>
+            <a:fillRef idx="0">
+              <a:schemeClr val="accent1"/>
+            </a:fillRef>
+            <a:effectRef idx="0">
+              <a:schemeClr val="accent1"/>
+            </a:effectRef>
+            <a:fontRef idx="minor">
+              <a:schemeClr val="tx1"/>
+            </a:fontRef>
+          </p:style>
+        </p:cxnSp>
+        <p:cxnSp>
+          <p:nvCxnSpPr>
+            <p:cNvPr id="64" name="Straight Arrow Connector 63">
+              <a:extLst>
+                <a:ext uri="{FF2B5EF4-FFF2-40B4-BE49-F238E27FC236}">
+                  <a16:creationId xmlns:a16="http://schemas.microsoft.com/office/drawing/2014/main" id="{2F50645B-DEA7-3140-B259-F577613E8FFB}"/>
+                </a:ext>
+              </a:extLst>
+            </p:cNvPr>
+            <p:cNvCxnSpPr>
+              <a:cxnSpLocks/>
+              <a:endCxn id="8" idx="0"/>
+            </p:cNvCxnSpPr>
+            <p:nvPr/>
+          </p:nvCxnSpPr>
+          <p:spPr>
+            <a:xfrm>
+              <a:off x="2380409" y="2091815"/>
+              <a:ext cx="0" cy="532504"/>
+            </a:xfrm>
+            <a:prstGeom prst="straightConnector1">
+              <a:avLst/>
+            </a:prstGeom>
+            <a:ln>
+              <a:solidFill>
+                <a:schemeClr val="tx1"/>
+              </a:solidFill>
+              <a:tailEnd type="triangle"/>
+            </a:ln>
+          </p:spPr>
+          <p:style>
+            <a:lnRef idx="1">
+              <a:schemeClr val="accent1"/>
+            </a:lnRef>
+            <a:fillRef idx="0">
+              <a:schemeClr val="accent1"/>
+            </a:fillRef>
+            <a:effectRef idx="0">
+              <a:schemeClr val="accent1"/>
+            </a:effectRef>
+            <a:fontRef idx="minor">
+              <a:schemeClr val="tx1"/>
+            </a:fontRef>
+          </p:style>
+        </p:cxnSp>
+      </p:grpSp>
+    </p:spTree>
+    <p:extLst>
+      <p:ext uri="{BB962C8B-B14F-4D97-AF65-F5344CB8AC3E}">
+        <p14:creationId xmlns:p14="http://schemas.microsoft.com/office/powerpoint/2010/main" val="788928396"/>
+      </p:ext>
+    </p:extLst>
+  </p:cSld>
+  <p:clrMapOvr>
+    <a:masterClrMapping/>
+  </p:clrMapOvr>
+</p:sld>
+</file>
+
+<file path=ppt/slides/slide2.xml><?xml version="1.0" encoding="utf-8"?>
+<p:sld xmlns:a="http://schemas.openxmlformats.org/drawingml/2006/main" xmlns:r="http://schemas.openxmlformats.org/officeDocument/2006/relationships" xmlns:p="http://schemas.openxmlformats.org/presentationml/2006/main">
+  <p:cSld>
+    <p:spTree>
+      <p:nvGrpSpPr>
+        <p:cNvPr id="1" name=""/>
+        <p:cNvGrpSpPr/>
+        <p:nvPr/>
+      </p:nvGrpSpPr>
+      <p:grpSpPr>
+        <a:xfrm>
+          <a:off x="0" y="0"/>
+          <a:ext cx="0" cy="0"/>
+          <a:chOff x="0" y="0"/>
+          <a:chExt cx="0" cy="0"/>
+        </a:xfrm>
+      </p:grpSpPr>
+      <p:pic>
+        <p:nvPicPr>
+          <p:cNvPr id="2" name="Picture 1">
+            <a:extLst>
+              <a:ext uri="{FF2B5EF4-FFF2-40B4-BE49-F238E27FC236}">
+                <a16:creationId xmlns:a16="http://schemas.microsoft.com/office/drawing/2014/main" id="{2052FF29-0217-224A-A051-C03AC156BDA1}"/>
+              </a:ext>
+            </a:extLst>
+          </p:cNvPr>
+          <p:cNvPicPr>
+            <a:picLocks noChangeAspect="1"/>
+          </p:cNvPicPr>
+          <p:nvPr/>
+        </p:nvPicPr>
+        <p:blipFill>
+          <a:blip r:embed="rId2"/>
+          <a:stretch>
+            <a:fillRect/>
+          </a:stretch>
+        </p:blipFill>
         <p:spPr>
           <a:xfrm>
-            <a:off x="1850322" y="475992"/>
-            <a:ext cx="1080000" cy="540000"/>
+            <a:off x="0" y="0"/>
+            <a:ext cx="12192000" cy="6858000"/>
           </a:xfrm>
           <a:prstGeom prst="rect">
             <a:avLst/>
           </a:prstGeom>
-          <a:solidFill>
-            <a:schemeClr val="bg1"/>
-          </a:solidFill>
-          <a:ln w="6350">
-            <a:solidFill>
-              <a:schemeClr val="tx1"/>
-            </a:solidFill>
-          </a:ln>
         </p:spPr>
-        <p:style>
-          <a:lnRef idx="2">
-            <a:schemeClr val="accent1">
-              <a:shade val="50000"/>
-            </a:schemeClr>
-          </a:lnRef>
-          <a:fillRef idx="1">
-            <a:schemeClr val="accent1"/>
-          </a:fillRef>
-          <a:effectRef idx="0">
-            <a:schemeClr val="accent1"/>
-          </a:effectRef>
-          <a:fontRef idx="minor">
-            <a:schemeClr val="lt1"/>
-          </a:fontRef>
-        </p:style>
-        <p:txBody>
-          <a:bodyPr rtlCol="0" anchor="ctr"/>
-          <a:lstStyle/>
-          <a:p>
-            <a:pPr algn="ctr"/>
-            <a:r>
-              <a:rPr lang="en-US" dirty="0">
-                <a:solidFill>
-                  <a:schemeClr val="tx1"/>
-                </a:solidFill>
-                <a:latin typeface="Arial" panose="020B0604020202020204" pitchFamily="34" charset="0"/>
-                <a:cs typeface="Arial" panose="020B0604020202020204" pitchFamily="34" charset="0"/>
-              </a:rPr>
-              <a:t>Start</a:t>
-            </a:r>
-          </a:p>
-        </p:txBody>
-      </p:sp>
-      <p:sp>
-        <p:nvSpPr>
-          <p:cNvPr id="5" name="Rectangle 4"/>
-          <p:cNvSpPr/>
+      </p:pic>
+      <p:sp>
+        <p:nvSpPr>
+          <p:cNvPr id="3" name="TextBox 2">
+            <a:extLst>
+              <a:ext uri="{FF2B5EF4-FFF2-40B4-BE49-F238E27FC236}">
+                <a16:creationId xmlns:a16="http://schemas.microsoft.com/office/drawing/2014/main" id="{6C742A56-2EDA-8946-9434-AC13EC9D6456}"/>
+              </a:ext>
+            </a:extLst>
+          </p:cNvPr>
+          <p:cNvSpPr txBox="1"/>
           <p:nvPr/>
         </p:nvSpPr>
         <p:spPr>
           <a:xfrm>
-            <a:off x="7524569" y="2614291"/>
-            <a:ext cx="1440000" cy="540000"/>
-          </a:xfrm>
-          <a:prstGeom prst="rect">
-            <a:avLst/>
-          </a:prstGeom>
-          <a:solidFill>
-            <a:schemeClr val="bg1"/>
-          </a:solidFill>
-          <a:ln w="6350">
-            <a:solidFill>
-              <a:schemeClr val="tx1"/>
-            </a:solidFill>
-          </a:ln>
-        </p:spPr>
-        <p:style>
-          <a:lnRef idx="2">
-            <a:schemeClr val="accent1">
-              <a:shade val="50000"/>
-            </a:schemeClr>
-          </a:lnRef>
-          <a:fillRef idx="1">
-            <a:schemeClr val="accent1"/>
-          </a:fillRef>
-          <a:effectRef idx="0">
-            <a:schemeClr val="accent1"/>
-          </a:effectRef>
-          <a:fontRef idx="minor">
-            <a:schemeClr val="lt1"/>
-          </a:fontRef>
-        </p:style>
-        <p:txBody>
-          <a:bodyPr rtlCol="0" anchor="ctr"/>
-          <a:lstStyle/>
-          <a:p>
-            <a:pPr algn="ctr"/>
-            <a:r>
-              <a:rPr lang="en-US" sz="1100" dirty="0">
-                <a:solidFill>
-                  <a:schemeClr val="tx1"/>
-                </a:solidFill>
-                <a:latin typeface="Arial" panose="020B0604020202020204" pitchFamily="34" charset="0"/>
-                <a:cs typeface="Arial" panose="020B0604020202020204" pitchFamily="34" charset="0"/>
-              </a:rPr>
-              <a:t>Perform assignment to first empty table</a:t>
-            </a:r>
-          </a:p>
-        </p:txBody>
-      </p:sp>
-      <p:sp>
-        <p:nvSpPr>
-          <p:cNvPr id="6" name="Rectangle 5"/>
-          <p:cNvSpPr/>
-          <p:nvPr/>
-        </p:nvSpPr>
-        <p:spPr>
-          <a:xfrm>
-            <a:off x="7524569" y="3677080"/>
-            <a:ext cx="1440000" cy="540000"/>
-          </a:xfrm>
-          <a:prstGeom prst="rect">
-            <a:avLst/>
-          </a:prstGeom>
-          <a:solidFill>
-            <a:schemeClr val="bg1"/>
-          </a:solidFill>
-          <a:ln w="6350">
-            <a:solidFill>
-              <a:schemeClr val="tx1"/>
-            </a:solidFill>
-          </a:ln>
-        </p:spPr>
-        <p:style>
-          <a:lnRef idx="2">
-            <a:schemeClr val="accent1">
-              <a:shade val="50000"/>
-            </a:schemeClr>
-          </a:lnRef>
-          <a:fillRef idx="1">
-            <a:schemeClr val="accent1"/>
-          </a:fillRef>
-          <a:effectRef idx="0">
-            <a:schemeClr val="accent1"/>
-          </a:effectRef>
-          <a:fontRef idx="minor">
-            <a:schemeClr val="lt1"/>
-          </a:fontRef>
-        </p:style>
-        <p:txBody>
-          <a:bodyPr rtlCol="0" anchor="ctr"/>
-          <a:lstStyle/>
-          <a:p>
-            <a:pPr algn="ctr"/>
-            <a:r>
-              <a:rPr lang="en-US" sz="1100" dirty="0">
-                <a:solidFill>
-                  <a:schemeClr val="tx1"/>
-                </a:solidFill>
-                <a:latin typeface="Arial" panose="020B0604020202020204" pitchFamily="34" charset="0"/>
-                <a:cs typeface="Arial" panose="020B0604020202020204" pitchFamily="34" charset="0"/>
-              </a:rPr>
-              <a:t>Perform assignment to best available table</a:t>
-            </a:r>
-          </a:p>
-        </p:txBody>
-      </p:sp>
-      <p:sp>
-        <p:nvSpPr>
-          <p:cNvPr id="7" name="Rectangle 6"/>
-          <p:cNvSpPr/>
-          <p:nvPr/>
-        </p:nvSpPr>
-        <p:spPr>
-          <a:xfrm>
-            <a:off x="7524569" y="4739869"/>
-            <a:ext cx="1440000" cy="540000"/>
-          </a:xfrm>
-          <a:prstGeom prst="rect">
-            <a:avLst/>
-          </a:prstGeom>
-          <a:solidFill>
-            <a:schemeClr val="bg1"/>
-          </a:solidFill>
-          <a:ln w="6350">
-            <a:solidFill>
-              <a:schemeClr val="tx1"/>
-            </a:solidFill>
-          </a:ln>
-        </p:spPr>
-        <p:style>
-          <a:lnRef idx="2">
-            <a:schemeClr val="accent1">
-              <a:shade val="50000"/>
-            </a:schemeClr>
-          </a:lnRef>
-          <a:fillRef idx="1">
-            <a:schemeClr val="accent1"/>
-          </a:fillRef>
-          <a:effectRef idx="0">
-            <a:schemeClr val="accent1"/>
-          </a:effectRef>
-          <a:fontRef idx="minor">
-            <a:schemeClr val="lt1"/>
-          </a:fontRef>
-        </p:style>
-        <p:txBody>
-          <a:bodyPr rtlCol="0" anchor="ctr"/>
-          <a:lstStyle/>
-          <a:p>
-            <a:pPr algn="ctr"/>
-            <a:r>
-              <a:rPr lang="en-US" sz="1100" dirty="0">
-                <a:solidFill>
-                  <a:schemeClr val="tx1"/>
-                </a:solidFill>
-                <a:latin typeface="Arial" panose="020B0604020202020204" pitchFamily="34" charset="0"/>
-                <a:cs typeface="Arial" panose="020B0604020202020204" pitchFamily="34" charset="0"/>
-              </a:rPr>
-              <a:t>Perform assignment to random available table</a:t>
-            </a:r>
-          </a:p>
-        </p:txBody>
-      </p:sp>
-      <p:sp>
-        <p:nvSpPr>
-          <p:cNvPr id="8" name="Diamond 7"/>
-          <p:cNvSpPr/>
-          <p:nvPr/>
-        </p:nvSpPr>
-        <p:spPr>
-          <a:xfrm>
-            <a:off x="1756610" y="2614291"/>
-            <a:ext cx="1260000" cy="540000"/>
-          </a:xfrm>
-          <a:prstGeom prst="diamond">
-            <a:avLst/>
-          </a:prstGeom>
-          <a:solidFill>
-            <a:schemeClr val="bg1"/>
-          </a:solidFill>
-          <a:ln w="6350">
-            <a:solidFill>
-              <a:schemeClr val="tx1"/>
-            </a:solidFill>
-          </a:ln>
-        </p:spPr>
-        <p:style>
-          <a:lnRef idx="2">
-            <a:schemeClr val="accent1">
-              <a:shade val="50000"/>
-            </a:schemeClr>
-          </a:lnRef>
-          <a:fillRef idx="1">
-            <a:schemeClr val="accent1"/>
-          </a:fillRef>
-          <a:effectRef idx="0">
-            <a:schemeClr val="accent1"/>
-          </a:effectRef>
-          <a:fontRef idx="minor">
-            <a:schemeClr val="lt1"/>
-          </a:fontRef>
-        </p:style>
-        <p:txBody>
-          <a:bodyPr lIns="36000" tIns="36000" rIns="36000" bIns="36000" rtlCol="0" anchor="ctr"/>
-          <a:lstStyle/>
-          <a:p>
-            <a:pPr algn="ctr"/>
-            <a:r>
-              <a:rPr lang="en-US" sz="1100" dirty="0">
-                <a:solidFill>
-                  <a:schemeClr val="tx1"/>
-                </a:solidFill>
-                <a:latin typeface="Arial" panose="020B0604020202020204" pitchFamily="34" charset="0"/>
-                <a:cs typeface="Arial" panose="020B0604020202020204" pitchFamily="34" charset="0"/>
-              </a:rPr>
-              <a:t>Queue?</a:t>
-            </a:r>
-          </a:p>
-        </p:txBody>
-      </p:sp>
-      <p:sp>
-        <p:nvSpPr>
-          <p:cNvPr id="9" name="Diamond 8"/>
-          <p:cNvSpPr/>
-          <p:nvPr/>
-        </p:nvSpPr>
-        <p:spPr>
-          <a:xfrm>
-            <a:off x="3529263" y="2614291"/>
-            <a:ext cx="1260000" cy="540000"/>
-          </a:xfrm>
-          <a:prstGeom prst="diamond">
-            <a:avLst/>
-          </a:prstGeom>
-          <a:solidFill>
-            <a:schemeClr val="bg1"/>
-          </a:solidFill>
-          <a:ln w="6350">
-            <a:solidFill>
-              <a:schemeClr val="tx1"/>
-            </a:solidFill>
-          </a:ln>
-        </p:spPr>
-        <p:style>
-          <a:lnRef idx="2">
-            <a:schemeClr val="accent1">
-              <a:shade val="50000"/>
-            </a:schemeClr>
-          </a:lnRef>
-          <a:fillRef idx="1">
-            <a:schemeClr val="accent1"/>
-          </a:fillRef>
-          <a:effectRef idx="0">
-            <a:schemeClr val="accent1"/>
-          </a:effectRef>
-          <a:fontRef idx="minor">
-            <a:schemeClr val="lt1"/>
-          </a:fontRef>
-        </p:style>
-        <p:txBody>
-          <a:bodyPr lIns="36000" tIns="36000" rIns="36000" bIns="36000" rtlCol="0" anchor="ctr"/>
-          <a:lstStyle/>
-          <a:p>
-            <a:pPr algn="ctr"/>
-            <a:r>
-              <a:rPr lang="en-US" sz="1100" dirty="0">
-                <a:solidFill>
-                  <a:schemeClr val="tx1"/>
-                </a:solidFill>
-                <a:latin typeface="Arial" panose="020B0604020202020204" pitchFamily="34" charset="0"/>
-                <a:cs typeface="Arial" panose="020B0604020202020204" pitchFamily="34" charset="0"/>
-              </a:rPr>
-              <a:t>Empty tables?</a:t>
-            </a:r>
-          </a:p>
-        </p:txBody>
-      </p:sp>
-      <p:sp>
-        <p:nvSpPr>
-          <p:cNvPr id="10" name="Diamond 9"/>
-          <p:cNvSpPr/>
-          <p:nvPr/>
-        </p:nvSpPr>
-        <p:spPr>
-          <a:xfrm>
-            <a:off x="3439263" y="3677080"/>
-            <a:ext cx="1440000" cy="540000"/>
-          </a:xfrm>
-          <a:prstGeom prst="diamond">
-            <a:avLst/>
-          </a:prstGeom>
-          <a:solidFill>
-            <a:schemeClr val="bg1"/>
-          </a:solidFill>
-          <a:ln w="6350">
-            <a:solidFill>
-              <a:schemeClr val="tx1"/>
-            </a:solidFill>
-          </a:ln>
-        </p:spPr>
-        <p:style>
-          <a:lnRef idx="2">
-            <a:schemeClr val="accent1">
-              <a:shade val="50000"/>
-            </a:schemeClr>
-          </a:lnRef>
-          <a:fillRef idx="1">
-            <a:schemeClr val="accent1"/>
-          </a:fillRef>
-          <a:effectRef idx="0">
-            <a:schemeClr val="accent1"/>
-          </a:effectRef>
-          <a:fontRef idx="minor">
-            <a:schemeClr val="lt1"/>
-          </a:fontRef>
-        </p:style>
-        <p:txBody>
-          <a:bodyPr lIns="36000" tIns="36000" rIns="36000" bIns="36000" rtlCol="0" anchor="ctr"/>
-          <a:lstStyle/>
-          <a:p>
-            <a:pPr algn="ctr"/>
-            <a:r>
-              <a:rPr lang="en-US" sz="1100" dirty="0">
-                <a:solidFill>
-                  <a:schemeClr val="tx1"/>
-                </a:solidFill>
-                <a:latin typeface="Arial" panose="020B0604020202020204" pitchFamily="34" charset="0"/>
-                <a:cs typeface="Arial" panose="020B0604020202020204" pitchFamily="34" charset="0"/>
-              </a:rPr>
-              <a:t>Available tables?</a:t>
-            </a:r>
-          </a:p>
-        </p:txBody>
-      </p:sp>
-      <p:cxnSp>
-        <p:nvCxnSpPr>
-          <p:cNvPr id="13" name="Straight Arrow Connector 12"/>
-          <p:cNvCxnSpPr>
-            <a:stCxn id="8" idx="3"/>
-            <a:endCxn id="9" idx="1"/>
-          </p:cNvCxnSpPr>
-          <p:nvPr/>
-        </p:nvCxnSpPr>
-        <p:spPr>
-          <a:xfrm>
-            <a:off x="3016610" y="2884291"/>
-            <a:ext cx="512653" cy="0"/>
-          </a:xfrm>
-          <a:prstGeom prst="straightConnector1">
-            <a:avLst/>
-          </a:prstGeom>
-          <a:ln>
-            <a:solidFill>
-              <a:schemeClr val="tx1"/>
-            </a:solidFill>
-            <a:tailEnd type="triangle"/>
-          </a:ln>
-        </p:spPr>
-        <p:style>
-          <a:lnRef idx="1">
-            <a:schemeClr val="accent1"/>
-          </a:lnRef>
-          <a:fillRef idx="0">
-            <a:schemeClr val="accent1"/>
-          </a:fillRef>
-          <a:effectRef idx="0">
-            <a:schemeClr val="accent1"/>
-          </a:effectRef>
-          <a:fontRef idx="minor">
-            <a:schemeClr val="tx1"/>
-          </a:fontRef>
-        </p:style>
-      </p:cxnSp>
-      <p:cxnSp>
-        <p:nvCxnSpPr>
-          <p:cNvPr id="19" name="Straight Arrow Connector 18"/>
-          <p:cNvCxnSpPr>
-            <a:stCxn id="9" idx="2"/>
-            <a:endCxn id="10" idx="0"/>
-          </p:cNvCxnSpPr>
-          <p:nvPr/>
-        </p:nvCxnSpPr>
-        <p:spPr>
-          <a:xfrm>
-            <a:off x="4159263" y="3154291"/>
-            <a:ext cx="0" cy="522789"/>
-          </a:xfrm>
-          <a:prstGeom prst="straightConnector1">
-            <a:avLst/>
-          </a:prstGeom>
-          <a:ln>
-            <a:solidFill>
-              <a:schemeClr val="tx1"/>
-            </a:solidFill>
-            <a:tailEnd type="triangle"/>
-          </a:ln>
-        </p:spPr>
-        <p:style>
-          <a:lnRef idx="1">
-            <a:schemeClr val="accent1"/>
-          </a:lnRef>
-          <a:fillRef idx="0">
-            <a:schemeClr val="accent1"/>
-          </a:fillRef>
-          <a:effectRef idx="0">
-            <a:schemeClr val="accent1"/>
-          </a:effectRef>
-          <a:fontRef idx="minor">
-            <a:schemeClr val="tx1"/>
-          </a:fontRef>
-        </p:style>
-      </p:cxnSp>
-      <p:sp>
-        <p:nvSpPr>
-          <p:cNvPr id="28" name="Diamond 27"/>
-          <p:cNvSpPr/>
-          <p:nvPr/>
-        </p:nvSpPr>
-        <p:spPr>
-          <a:xfrm>
-            <a:off x="5301916" y="3497080"/>
-            <a:ext cx="1800000" cy="900000"/>
-          </a:xfrm>
-          <a:prstGeom prst="diamond">
-            <a:avLst/>
-          </a:prstGeom>
-          <a:solidFill>
-            <a:schemeClr val="bg1"/>
-          </a:solidFill>
-          <a:ln w="6350">
-            <a:solidFill>
-              <a:schemeClr val="tx1"/>
-            </a:solidFill>
-          </a:ln>
-        </p:spPr>
-        <p:style>
-          <a:lnRef idx="2">
-            <a:schemeClr val="accent1">
-              <a:shade val="50000"/>
-            </a:schemeClr>
-          </a:lnRef>
-          <a:fillRef idx="1">
-            <a:schemeClr val="accent1"/>
-          </a:fillRef>
-          <a:effectRef idx="0">
-            <a:schemeClr val="accent1"/>
-          </a:effectRef>
-          <a:fontRef idx="minor">
-            <a:schemeClr val="lt1"/>
-          </a:fontRef>
-        </p:style>
-        <p:txBody>
-          <a:bodyPr lIns="36000" tIns="36000" rIns="36000" bIns="36000" rtlCol="0" anchor="ctr"/>
-          <a:lstStyle/>
-          <a:p>
-            <a:pPr algn="ctr"/>
-            <a:r>
-              <a:rPr lang="en-US" sz="1100" dirty="0">
-                <a:solidFill>
-                  <a:schemeClr val="tx1"/>
-                </a:solidFill>
-                <a:latin typeface="Arial" panose="020B0604020202020204" pitchFamily="34" charset="0"/>
-                <a:cs typeface="Arial" panose="020B0604020202020204" pitchFamily="34" charset="0"/>
-              </a:rPr>
-              <a:t>Possible to fill a table completely?</a:t>
-            </a:r>
-          </a:p>
-        </p:txBody>
-      </p:sp>
-      <p:cxnSp>
-        <p:nvCxnSpPr>
-          <p:cNvPr id="30" name="Straight Arrow Connector 29"/>
-          <p:cNvCxnSpPr>
-            <a:stCxn id="10" idx="3"/>
-            <a:endCxn id="28" idx="1"/>
-          </p:cNvCxnSpPr>
-          <p:nvPr/>
-        </p:nvCxnSpPr>
-        <p:spPr>
-          <a:xfrm>
-            <a:off x="4879263" y="3947080"/>
-            <a:ext cx="422653" cy="0"/>
-          </a:xfrm>
-          <a:prstGeom prst="straightConnector1">
-            <a:avLst/>
-          </a:prstGeom>
-          <a:ln>
-            <a:solidFill>
-              <a:schemeClr val="tx1"/>
-            </a:solidFill>
-            <a:tailEnd type="triangle"/>
-          </a:ln>
-        </p:spPr>
-        <p:style>
-          <a:lnRef idx="1">
-            <a:schemeClr val="accent1"/>
-          </a:lnRef>
-          <a:fillRef idx="0">
-            <a:schemeClr val="accent1"/>
-          </a:fillRef>
-          <a:effectRef idx="0">
-            <a:schemeClr val="accent1"/>
-          </a:effectRef>
-          <a:fontRef idx="minor">
-            <a:schemeClr val="tx1"/>
-          </a:fontRef>
-        </p:style>
-      </p:cxnSp>
-      <p:cxnSp>
-        <p:nvCxnSpPr>
-          <p:cNvPr id="35" name="Straight Arrow Connector 34"/>
-          <p:cNvCxnSpPr>
-            <a:stCxn id="28" idx="3"/>
-            <a:endCxn id="6" idx="1"/>
-          </p:cNvCxnSpPr>
-          <p:nvPr/>
-        </p:nvCxnSpPr>
-        <p:spPr>
-          <a:xfrm>
-            <a:off x="7101916" y="3947080"/>
-            <a:ext cx="422653" cy="0"/>
-          </a:xfrm>
-          <a:prstGeom prst="straightConnector1">
-            <a:avLst/>
-          </a:prstGeom>
-          <a:ln>
-            <a:solidFill>
-              <a:schemeClr val="tx1"/>
-            </a:solidFill>
-            <a:tailEnd type="triangle"/>
-          </a:ln>
-        </p:spPr>
-        <p:style>
-          <a:lnRef idx="1">
-            <a:schemeClr val="accent1"/>
-          </a:lnRef>
-          <a:fillRef idx="0">
-            <a:schemeClr val="accent1"/>
-          </a:fillRef>
-          <a:effectRef idx="0">
-            <a:schemeClr val="accent1"/>
-          </a:effectRef>
-          <a:fontRef idx="minor">
-            <a:schemeClr val="tx1"/>
-          </a:fontRef>
-        </p:style>
-      </p:cxnSp>
-      <p:sp>
-        <p:nvSpPr>
-          <p:cNvPr id="39" name="Rectangle 38"/>
-          <p:cNvSpPr/>
-          <p:nvPr/>
-        </p:nvSpPr>
-        <p:spPr>
-          <a:xfrm>
-            <a:off x="7524569" y="5798646"/>
-            <a:ext cx="1440000" cy="540000"/>
-          </a:xfrm>
-          <a:prstGeom prst="rect">
-            <a:avLst/>
-          </a:prstGeom>
-          <a:solidFill>
-            <a:schemeClr val="bg1"/>
-          </a:solidFill>
-          <a:ln w="6350">
-            <a:solidFill>
-              <a:schemeClr val="tx1"/>
-            </a:solidFill>
-          </a:ln>
-        </p:spPr>
-        <p:style>
-          <a:lnRef idx="2">
-            <a:schemeClr val="accent1">
-              <a:shade val="50000"/>
-            </a:schemeClr>
-          </a:lnRef>
-          <a:fillRef idx="1">
-            <a:schemeClr val="accent1"/>
-          </a:fillRef>
-          <a:effectRef idx="0">
-            <a:schemeClr val="accent1"/>
-          </a:effectRef>
-          <a:fontRef idx="minor">
-            <a:schemeClr val="lt1"/>
-          </a:fontRef>
-        </p:style>
-        <p:txBody>
-          <a:bodyPr rtlCol="0" anchor="ctr"/>
-          <a:lstStyle/>
-          <a:p>
-            <a:pPr algn="ctr"/>
-            <a:r>
-              <a:rPr lang="en-US" sz="1100" dirty="0">
-                <a:solidFill>
-                  <a:schemeClr val="tx1"/>
-                </a:solidFill>
-                <a:latin typeface="Arial" panose="020B0604020202020204" pitchFamily="34" charset="0"/>
-                <a:cs typeface="Arial" panose="020B0604020202020204" pitchFamily="34" charset="0"/>
-              </a:rPr>
-              <a:t>Finish</a:t>
-            </a:r>
-          </a:p>
-        </p:txBody>
-      </p:sp>
-      <p:cxnSp>
-        <p:nvCxnSpPr>
-          <p:cNvPr id="41" name="Elbow Connector 40"/>
-          <p:cNvCxnSpPr>
-            <a:stCxn id="8" idx="2"/>
-            <a:endCxn id="10" idx="1"/>
-          </p:cNvCxnSpPr>
-          <p:nvPr/>
-        </p:nvCxnSpPr>
-        <p:spPr>
-          <a:xfrm rot="16200000" flipH="1">
-            <a:off x="2516542" y="3024358"/>
-            <a:ext cx="792789" cy="1052653"/>
-          </a:xfrm>
-          <a:prstGeom prst="bentConnector2">
-            <a:avLst/>
-          </a:prstGeom>
-          <a:ln>
-            <a:solidFill>
-              <a:schemeClr val="tx1"/>
-            </a:solidFill>
-            <a:tailEnd type="triangle"/>
-          </a:ln>
-        </p:spPr>
-        <p:style>
-          <a:lnRef idx="1">
-            <a:schemeClr val="accent1"/>
-          </a:lnRef>
-          <a:fillRef idx="0">
-            <a:schemeClr val="accent1"/>
-          </a:fillRef>
-          <a:effectRef idx="0">
-            <a:schemeClr val="accent1"/>
-          </a:effectRef>
-          <a:fontRef idx="minor">
-            <a:schemeClr val="tx1"/>
-          </a:fontRef>
-        </p:style>
-      </p:cxnSp>
-      <p:cxnSp>
-        <p:nvCxnSpPr>
-          <p:cNvPr id="42" name="Elbow Connector 41"/>
-          <p:cNvCxnSpPr>
-            <a:stCxn id="10" idx="2"/>
-            <a:endCxn id="39" idx="1"/>
-          </p:cNvCxnSpPr>
-          <p:nvPr/>
-        </p:nvCxnSpPr>
-        <p:spPr>
-          <a:xfrm rot="16200000" flipH="1">
-            <a:off x="4916133" y="3460210"/>
-            <a:ext cx="1851566" cy="3365306"/>
-          </a:xfrm>
-          <a:prstGeom prst="bentConnector2">
-            <a:avLst/>
-          </a:prstGeom>
-          <a:ln>
-            <a:solidFill>
-              <a:schemeClr val="tx1"/>
-            </a:solidFill>
-            <a:tailEnd type="triangle"/>
-          </a:ln>
-        </p:spPr>
-        <p:style>
-          <a:lnRef idx="1">
-            <a:schemeClr val="accent1"/>
-          </a:lnRef>
-          <a:fillRef idx="0">
-            <a:schemeClr val="accent1"/>
-          </a:fillRef>
-          <a:effectRef idx="0">
-            <a:schemeClr val="accent1"/>
-          </a:effectRef>
-          <a:fontRef idx="minor">
-            <a:schemeClr val="tx1"/>
-          </a:fontRef>
-        </p:style>
-      </p:cxnSp>
-      <p:cxnSp>
-        <p:nvCxnSpPr>
-          <p:cNvPr id="46" name="Elbow Connector 45"/>
-          <p:cNvCxnSpPr>
-            <a:stCxn id="5" idx="3"/>
-            <a:endCxn id="39" idx="3"/>
-          </p:cNvCxnSpPr>
-          <p:nvPr/>
-        </p:nvCxnSpPr>
-        <p:spPr>
-          <a:xfrm>
-            <a:off x="8964569" y="2884291"/>
-            <a:ext cx="12700" cy="3184355"/>
-          </a:xfrm>
-          <a:prstGeom prst="bentConnector3">
-            <a:avLst>
-              <a:gd name="adj1" fmla="val 1800000"/>
-            </a:avLst>
-          </a:prstGeom>
-          <a:ln>
-            <a:solidFill>
-              <a:schemeClr val="tx1"/>
-            </a:solidFill>
-            <a:tailEnd type="triangle"/>
-          </a:ln>
-        </p:spPr>
-        <p:style>
-          <a:lnRef idx="1">
-            <a:schemeClr val="accent1"/>
-          </a:lnRef>
-          <a:fillRef idx="0">
-            <a:schemeClr val="accent1"/>
-          </a:fillRef>
-          <a:effectRef idx="0">
-            <a:schemeClr val="accent1"/>
-          </a:effectRef>
-          <a:fontRef idx="minor">
-            <a:schemeClr val="tx1"/>
-          </a:fontRef>
-        </p:style>
-      </p:cxnSp>
-      <p:cxnSp>
-        <p:nvCxnSpPr>
-          <p:cNvPr id="49" name="Elbow Connector 48"/>
-          <p:cNvCxnSpPr>
-            <a:stCxn id="6" idx="3"/>
-            <a:endCxn id="39" idx="3"/>
-          </p:cNvCxnSpPr>
-          <p:nvPr/>
-        </p:nvCxnSpPr>
-        <p:spPr>
-          <a:xfrm>
-            <a:off x="8964569" y="3947080"/>
-            <a:ext cx="12700" cy="2121566"/>
-          </a:xfrm>
-          <a:prstGeom prst="bentConnector3">
-            <a:avLst>
-              <a:gd name="adj1" fmla="val 1800000"/>
-            </a:avLst>
-          </a:prstGeom>
-          <a:ln>
-            <a:solidFill>
-              <a:schemeClr val="tx1"/>
-            </a:solidFill>
-            <a:tailEnd type="triangle"/>
-          </a:ln>
-        </p:spPr>
-        <p:style>
-          <a:lnRef idx="1">
-            <a:schemeClr val="accent1"/>
-          </a:lnRef>
-          <a:fillRef idx="0">
-            <a:schemeClr val="accent1"/>
-          </a:fillRef>
-          <a:effectRef idx="0">
-            <a:schemeClr val="accent1"/>
-          </a:effectRef>
-          <a:fontRef idx="minor">
-            <a:schemeClr val="tx1"/>
-          </a:fontRef>
-        </p:style>
-      </p:cxnSp>
-      <p:cxnSp>
-        <p:nvCxnSpPr>
-          <p:cNvPr id="52" name="Elbow Connector 51"/>
-          <p:cNvCxnSpPr>
-            <a:stCxn id="7" idx="3"/>
-            <a:endCxn id="39" idx="3"/>
-          </p:cNvCxnSpPr>
-          <p:nvPr/>
-        </p:nvCxnSpPr>
-        <p:spPr>
-          <a:xfrm>
-            <a:off x="8964569" y="5009869"/>
-            <a:ext cx="12700" cy="1058777"/>
-          </a:xfrm>
-          <a:prstGeom prst="bentConnector3">
-            <a:avLst>
-              <a:gd name="adj1" fmla="val 1800000"/>
-            </a:avLst>
-          </a:prstGeom>
-          <a:ln>
-            <a:solidFill>
-              <a:schemeClr val="tx1"/>
-            </a:solidFill>
-            <a:tailEnd type="triangle"/>
-          </a:ln>
-        </p:spPr>
-        <p:style>
-          <a:lnRef idx="1">
-            <a:schemeClr val="accent1"/>
-          </a:lnRef>
-          <a:fillRef idx="0">
-            <a:schemeClr val="accent1"/>
-          </a:fillRef>
-          <a:effectRef idx="0">
-            <a:schemeClr val="accent1"/>
-          </a:effectRef>
-          <a:fontRef idx="minor">
-            <a:schemeClr val="tx1"/>
-          </a:fontRef>
-        </p:style>
-      </p:cxnSp>
-      <p:cxnSp>
-        <p:nvCxnSpPr>
-          <p:cNvPr id="55" name="Elbow Connector 54"/>
-          <p:cNvCxnSpPr>
-            <a:stCxn id="28" idx="2"/>
-            <a:endCxn id="7" idx="1"/>
-          </p:cNvCxnSpPr>
-          <p:nvPr/>
-        </p:nvCxnSpPr>
-        <p:spPr>
-          <a:xfrm rot="16200000" flipH="1">
-            <a:off x="6556848" y="4042147"/>
-            <a:ext cx="612789" cy="1322653"/>
-          </a:xfrm>
-          <a:prstGeom prst="bentConnector2">
-            <a:avLst/>
-          </a:prstGeom>
-          <a:ln>
-            <a:solidFill>
-              <a:schemeClr val="tx1"/>
-            </a:solidFill>
-            <a:tailEnd type="triangle"/>
-          </a:ln>
-        </p:spPr>
-        <p:style>
-          <a:lnRef idx="1">
-            <a:schemeClr val="accent1"/>
-          </a:lnRef>
-          <a:fillRef idx="0">
-            <a:schemeClr val="accent1"/>
-          </a:fillRef>
-          <a:effectRef idx="0">
-            <a:schemeClr val="accent1"/>
-          </a:effectRef>
-          <a:fontRef idx="minor">
-            <a:schemeClr val="tx1"/>
-          </a:fontRef>
-        </p:style>
-      </p:cxnSp>
-      <p:sp>
-        <p:nvSpPr>
-          <p:cNvPr id="2" name="TextBox 1"/>
-          <p:cNvSpPr txBox="1"/>
-          <p:nvPr/>
-        </p:nvSpPr>
-        <p:spPr>
-          <a:xfrm>
-            <a:off x="1945353" y="3150792"/>
-            <a:ext cx="435056" cy="276999"/>
+            <a:off x="740229" y="1763486"/>
+            <a:ext cx="8741228" cy="2308324"/>
           </a:xfrm>
           <a:prstGeom prst="rect">
             <a:avLst/>
@@ -3874,1156 +5501,67 @@
           <a:noFill/>
         </p:spPr>
         <p:txBody>
-          <a:bodyPr wrap="none" rtlCol="0">
+          <a:bodyPr wrap="square" rtlCol="0">
             <a:spAutoFit/>
           </a:bodyPr>
           <a:lstStyle/>
           <a:p>
-            <a:r>
-              <a:rPr lang="en-US" sz="1200" dirty="0">
-                <a:latin typeface="Arial" panose="020B0604020202020204" pitchFamily="34" charset="0"/>
-                <a:cs typeface="Arial" panose="020B0604020202020204" pitchFamily="34" charset="0"/>
-              </a:rPr>
-              <a:t>Yes</a:t>
-            </a:r>
-          </a:p>
-        </p:txBody>
-      </p:sp>
-      <p:sp>
-        <p:nvSpPr>
-          <p:cNvPr id="24" name="TextBox 23"/>
-          <p:cNvSpPr txBox="1"/>
-          <p:nvPr/>
-        </p:nvSpPr>
-        <p:spPr>
-          <a:xfrm>
-            <a:off x="4784332" y="3678684"/>
-            <a:ext cx="435056" cy="276999"/>
-          </a:xfrm>
-          <a:prstGeom prst="rect">
-            <a:avLst/>
-          </a:prstGeom>
-          <a:noFill/>
-        </p:spPr>
-        <p:txBody>
-          <a:bodyPr wrap="none" rtlCol="0">
-            <a:spAutoFit/>
-          </a:bodyPr>
-          <a:lstStyle/>
-          <a:p>
-            <a:r>
-              <a:rPr lang="en-US" sz="1200">
-                <a:latin typeface="Arial" panose="020B0604020202020204" pitchFamily="34" charset="0"/>
-                <a:cs typeface="Arial" panose="020B0604020202020204" pitchFamily="34" charset="0"/>
-              </a:rPr>
-              <a:t>Yes</a:t>
-            </a:r>
-          </a:p>
-        </p:txBody>
-      </p:sp>
-      <p:sp>
-        <p:nvSpPr>
-          <p:cNvPr id="25" name="TextBox 24"/>
-          <p:cNvSpPr txBox="1"/>
-          <p:nvPr/>
-        </p:nvSpPr>
-        <p:spPr>
-          <a:xfrm>
-            <a:off x="4779622" y="2617320"/>
-            <a:ext cx="435056" cy="276999"/>
-          </a:xfrm>
-          <a:prstGeom prst="rect">
-            <a:avLst/>
-          </a:prstGeom>
-          <a:noFill/>
-        </p:spPr>
-        <p:txBody>
-          <a:bodyPr wrap="none" rtlCol="0">
-            <a:spAutoFit/>
-          </a:bodyPr>
-          <a:lstStyle/>
-          <a:p>
-            <a:r>
-              <a:rPr lang="en-US" sz="1200" dirty="0">
-                <a:latin typeface="Arial" panose="020B0604020202020204" pitchFamily="34" charset="0"/>
-                <a:cs typeface="Arial" panose="020B0604020202020204" pitchFamily="34" charset="0"/>
-              </a:rPr>
-              <a:t>Yes</a:t>
-            </a:r>
-          </a:p>
-        </p:txBody>
-      </p:sp>
-      <p:sp>
-        <p:nvSpPr>
-          <p:cNvPr id="26" name="TextBox 25"/>
-          <p:cNvSpPr txBox="1"/>
-          <p:nvPr/>
-        </p:nvSpPr>
-        <p:spPr>
-          <a:xfrm>
-            <a:off x="7043925" y="3680728"/>
-            <a:ext cx="435056" cy="276999"/>
-          </a:xfrm>
-          <a:prstGeom prst="rect">
-            <a:avLst/>
-          </a:prstGeom>
-          <a:noFill/>
-        </p:spPr>
-        <p:txBody>
-          <a:bodyPr wrap="none" rtlCol="0">
-            <a:spAutoFit/>
-          </a:bodyPr>
-          <a:lstStyle/>
-          <a:p>
-            <a:r>
-              <a:rPr lang="en-US" sz="1200">
-                <a:latin typeface="Arial" panose="020B0604020202020204" pitchFamily="34" charset="0"/>
-                <a:cs typeface="Arial" panose="020B0604020202020204" pitchFamily="34" charset="0"/>
-              </a:rPr>
-              <a:t>Yes</a:t>
-            </a:r>
-          </a:p>
-        </p:txBody>
-      </p:sp>
-      <p:sp>
-        <p:nvSpPr>
-          <p:cNvPr id="27" name="TextBox 26"/>
-          <p:cNvSpPr txBox="1"/>
-          <p:nvPr/>
-        </p:nvSpPr>
-        <p:spPr>
-          <a:xfrm>
-            <a:off x="2965265" y="2605688"/>
-            <a:ext cx="380232" cy="276999"/>
-          </a:xfrm>
-          <a:prstGeom prst="rect">
-            <a:avLst/>
-          </a:prstGeom>
-          <a:noFill/>
-        </p:spPr>
-        <p:txBody>
-          <a:bodyPr wrap="none" rtlCol="0">
-            <a:spAutoFit/>
-          </a:bodyPr>
-          <a:lstStyle/>
-          <a:p>
-            <a:r>
-              <a:rPr lang="en-US" sz="1200" dirty="0">
-                <a:latin typeface="Arial" panose="020B0604020202020204" pitchFamily="34" charset="0"/>
-                <a:cs typeface="Arial" panose="020B0604020202020204" pitchFamily="34" charset="0"/>
-              </a:rPr>
-              <a:t>No</a:t>
-            </a:r>
-          </a:p>
-        </p:txBody>
-      </p:sp>
-      <p:sp>
-        <p:nvSpPr>
-          <p:cNvPr id="31" name="TextBox 30"/>
-          <p:cNvSpPr txBox="1"/>
-          <p:nvPr/>
-        </p:nvSpPr>
-        <p:spPr>
-          <a:xfrm>
-            <a:off x="3757481" y="3261268"/>
-            <a:ext cx="380232" cy="276999"/>
-          </a:xfrm>
-          <a:prstGeom prst="rect">
-            <a:avLst/>
-          </a:prstGeom>
-          <a:noFill/>
-        </p:spPr>
-        <p:txBody>
-          <a:bodyPr wrap="none" rtlCol="0">
-            <a:spAutoFit/>
-          </a:bodyPr>
-          <a:lstStyle/>
-          <a:p>
-            <a:r>
-              <a:rPr lang="en-US" sz="1200" dirty="0">
-                <a:latin typeface="Arial" panose="020B0604020202020204" pitchFamily="34" charset="0"/>
-                <a:cs typeface="Arial" panose="020B0604020202020204" pitchFamily="34" charset="0"/>
-              </a:rPr>
-              <a:t>No</a:t>
-            </a:r>
-          </a:p>
-        </p:txBody>
-      </p:sp>
-      <p:sp>
-        <p:nvSpPr>
-          <p:cNvPr id="32" name="TextBox 31"/>
-          <p:cNvSpPr txBox="1"/>
-          <p:nvPr/>
-        </p:nvSpPr>
-        <p:spPr>
-          <a:xfrm>
-            <a:off x="4160242" y="4222899"/>
-            <a:ext cx="380232" cy="276999"/>
-          </a:xfrm>
-          <a:prstGeom prst="rect">
-            <a:avLst/>
-          </a:prstGeom>
-          <a:noFill/>
-        </p:spPr>
-        <p:txBody>
-          <a:bodyPr wrap="none" rtlCol="0">
-            <a:spAutoFit/>
-          </a:bodyPr>
-          <a:lstStyle/>
-          <a:p>
-            <a:r>
-              <a:rPr lang="en-US" sz="1200" dirty="0">
-                <a:latin typeface="Arial" panose="020B0604020202020204" pitchFamily="34" charset="0"/>
-                <a:cs typeface="Arial" panose="020B0604020202020204" pitchFamily="34" charset="0"/>
-              </a:rPr>
-              <a:t>No</a:t>
-            </a:r>
-          </a:p>
-        </p:txBody>
-      </p:sp>
-      <p:sp>
-        <p:nvSpPr>
-          <p:cNvPr id="33" name="TextBox 32"/>
-          <p:cNvSpPr txBox="1"/>
-          <p:nvPr/>
-        </p:nvSpPr>
-        <p:spPr>
-          <a:xfrm>
-            <a:off x="6202896" y="4393581"/>
-            <a:ext cx="380232" cy="276999"/>
-          </a:xfrm>
-          <a:prstGeom prst="rect">
-            <a:avLst/>
-          </a:prstGeom>
-          <a:noFill/>
-        </p:spPr>
-        <p:txBody>
-          <a:bodyPr wrap="none" rtlCol="0">
-            <a:spAutoFit/>
-          </a:bodyPr>
-          <a:lstStyle/>
-          <a:p>
-            <a:r>
-              <a:rPr lang="en-US" sz="1200" dirty="0">
-                <a:latin typeface="Arial" panose="020B0604020202020204" pitchFamily="34" charset="0"/>
-                <a:cs typeface="Arial" panose="020B0604020202020204" pitchFamily="34" charset="0"/>
-              </a:rPr>
-              <a:t>No</a:t>
-            </a:r>
-          </a:p>
-        </p:txBody>
-      </p:sp>
-      <p:sp>
-        <p:nvSpPr>
-          <p:cNvPr id="34" name="Diamond 33">
-            <a:extLst>
-              <a:ext uri="{FF2B5EF4-FFF2-40B4-BE49-F238E27FC236}">
-                <a16:creationId xmlns:a16="http://schemas.microsoft.com/office/drawing/2014/main" id="{87354F4A-019A-9B40-A51C-05E422D3BC73}"/>
-              </a:ext>
-            </a:extLst>
-          </p:cNvPr>
-          <p:cNvSpPr/>
-          <p:nvPr/>
-        </p:nvSpPr>
-        <p:spPr>
-          <a:xfrm>
-            <a:off x="1750409" y="1542900"/>
-            <a:ext cx="1260000" cy="540000"/>
-          </a:xfrm>
-          <a:prstGeom prst="diamond">
-            <a:avLst/>
-          </a:prstGeom>
-          <a:solidFill>
-            <a:schemeClr val="bg1"/>
-          </a:solidFill>
-          <a:ln w="6350">
-            <a:solidFill>
-              <a:schemeClr val="tx1"/>
-            </a:solidFill>
-          </a:ln>
-        </p:spPr>
-        <p:style>
-          <a:lnRef idx="2">
-            <a:schemeClr val="accent1">
-              <a:shade val="50000"/>
-            </a:schemeClr>
-          </a:lnRef>
-          <a:fillRef idx="1">
-            <a:schemeClr val="accent1"/>
-          </a:fillRef>
-          <a:effectRef idx="0">
-            <a:schemeClr val="accent1"/>
-          </a:effectRef>
-          <a:fontRef idx="minor">
-            <a:schemeClr val="lt1"/>
-          </a:fontRef>
-        </p:style>
-        <p:txBody>
-          <a:bodyPr lIns="36000" tIns="36000" rIns="36000" bIns="36000" rtlCol="0" anchor="ctr"/>
-          <a:lstStyle/>
-          <a:p>
-            <a:pPr algn="ctr"/>
-            <a:r>
-              <a:rPr lang="en-US" sz="700" dirty="0">
-                <a:solidFill>
-                  <a:schemeClr val="tx1"/>
-                </a:solidFill>
-                <a:latin typeface="Arial" panose="020B0604020202020204" pitchFamily="34" charset="0"/>
-                <a:cs typeface="Arial" panose="020B0604020202020204" pitchFamily="34" charset="0"/>
-              </a:rPr>
-              <a:t>Reservation?</a:t>
-            </a:r>
-          </a:p>
-        </p:txBody>
-      </p:sp>
-      <p:cxnSp>
-        <p:nvCxnSpPr>
-          <p:cNvPr id="36" name="Elbow Connector 35">
-            <a:extLst>
-              <a:ext uri="{FF2B5EF4-FFF2-40B4-BE49-F238E27FC236}">
-                <a16:creationId xmlns:a16="http://schemas.microsoft.com/office/drawing/2014/main" id="{EED616D4-9B19-6547-802C-622E58D99097}"/>
-              </a:ext>
-            </a:extLst>
-          </p:cNvPr>
-          <p:cNvCxnSpPr>
-            <a:cxnSpLocks/>
-            <a:endCxn id="34" idx="0"/>
-          </p:cNvCxnSpPr>
-          <p:nvPr/>
-        </p:nvCxnSpPr>
-        <p:spPr>
-          <a:xfrm rot="5400000">
-            <a:off x="2114716" y="1277203"/>
-            <a:ext cx="531391" cy="3"/>
-          </a:xfrm>
-          <a:prstGeom prst="bentConnector3">
-            <a:avLst>
-              <a:gd name="adj1" fmla="val 50000"/>
-            </a:avLst>
-          </a:prstGeom>
-          <a:ln>
-            <a:solidFill>
-              <a:schemeClr val="tx1"/>
-            </a:solidFill>
-            <a:tailEnd type="triangle"/>
-          </a:ln>
-        </p:spPr>
-        <p:style>
-          <a:lnRef idx="1">
-            <a:schemeClr val="accent1"/>
-          </a:lnRef>
-          <a:fillRef idx="0">
-            <a:schemeClr val="accent1"/>
-          </a:fillRef>
-          <a:effectRef idx="0">
-            <a:schemeClr val="accent1"/>
-          </a:effectRef>
-          <a:fontRef idx="minor">
-            <a:schemeClr val="tx1"/>
-          </a:fontRef>
-        </p:style>
-      </p:cxnSp>
-      <p:sp>
-        <p:nvSpPr>
-          <p:cNvPr id="40" name="TextBox 39">
-            <a:extLst>
-              <a:ext uri="{FF2B5EF4-FFF2-40B4-BE49-F238E27FC236}">
-                <a16:creationId xmlns:a16="http://schemas.microsoft.com/office/drawing/2014/main" id="{EBD912F6-D3F0-6A4E-A076-DDA827960A3B}"/>
-              </a:ext>
-            </a:extLst>
-          </p:cNvPr>
-          <p:cNvSpPr txBox="1"/>
-          <p:nvPr/>
-        </p:nvSpPr>
-        <p:spPr>
-          <a:xfrm>
-            <a:off x="3107879" y="1518773"/>
-            <a:ext cx="435056" cy="276999"/>
-          </a:xfrm>
-          <a:prstGeom prst="rect">
-            <a:avLst/>
-          </a:prstGeom>
-          <a:noFill/>
-        </p:spPr>
-        <p:txBody>
-          <a:bodyPr wrap="none" rtlCol="0">
-            <a:spAutoFit/>
-          </a:bodyPr>
-          <a:lstStyle/>
-          <a:p>
-            <a:r>
-              <a:rPr lang="en-US" sz="1200" dirty="0">
-                <a:latin typeface="Arial" panose="020B0604020202020204" pitchFamily="34" charset="0"/>
-                <a:cs typeface="Arial" panose="020B0604020202020204" pitchFamily="34" charset="0"/>
-              </a:rPr>
-              <a:t>Yes</a:t>
-            </a:r>
-          </a:p>
-        </p:txBody>
-      </p:sp>
-      <p:sp>
-        <p:nvSpPr>
-          <p:cNvPr id="43" name="TextBox 42">
-            <a:extLst>
-              <a:ext uri="{FF2B5EF4-FFF2-40B4-BE49-F238E27FC236}">
-                <a16:creationId xmlns:a16="http://schemas.microsoft.com/office/drawing/2014/main" id="{316AE8E6-18E4-7C4A-9B59-54C61BC3F4DA}"/>
-              </a:ext>
-            </a:extLst>
-          </p:cNvPr>
-          <p:cNvSpPr txBox="1"/>
-          <p:nvPr/>
-        </p:nvSpPr>
-        <p:spPr>
-          <a:xfrm>
-            <a:off x="1942163" y="2209174"/>
-            <a:ext cx="380232" cy="276999"/>
-          </a:xfrm>
-          <a:prstGeom prst="rect">
-            <a:avLst/>
-          </a:prstGeom>
-          <a:noFill/>
-        </p:spPr>
-        <p:txBody>
-          <a:bodyPr wrap="none" rtlCol="0">
-            <a:spAutoFit/>
-          </a:bodyPr>
-          <a:lstStyle/>
-          <a:p>
-            <a:r>
-              <a:rPr lang="en-US" sz="1200" dirty="0">
-                <a:latin typeface="Arial" panose="020B0604020202020204" pitchFamily="34" charset="0"/>
-                <a:cs typeface="Arial" panose="020B0604020202020204" pitchFamily="34" charset="0"/>
-              </a:rPr>
-              <a:t>No</a:t>
-            </a:r>
-          </a:p>
-        </p:txBody>
-      </p:sp>
-      <p:cxnSp>
-        <p:nvCxnSpPr>
-          <p:cNvPr id="44" name="Elbow Connector 43">
-            <a:extLst>
-              <a:ext uri="{FF2B5EF4-FFF2-40B4-BE49-F238E27FC236}">
-                <a16:creationId xmlns:a16="http://schemas.microsoft.com/office/drawing/2014/main" id="{0C7C87D2-2D5B-0847-9E94-20138F42A9FE}"/>
-              </a:ext>
-            </a:extLst>
-          </p:cNvPr>
-          <p:cNvCxnSpPr>
-            <a:cxnSpLocks/>
-            <a:endCxn id="8" idx="0"/>
-          </p:cNvCxnSpPr>
-          <p:nvPr/>
-        </p:nvCxnSpPr>
-        <p:spPr>
-          <a:xfrm rot="16200000" flipH="1">
-            <a:off x="2114790" y="2342471"/>
-            <a:ext cx="537442" cy="6198"/>
-          </a:xfrm>
-          <a:prstGeom prst="bentConnector3">
-            <a:avLst>
-              <a:gd name="adj1" fmla="val 50000"/>
-            </a:avLst>
-          </a:prstGeom>
-          <a:ln>
-            <a:solidFill>
-              <a:schemeClr val="tx1"/>
-            </a:solidFill>
-            <a:tailEnd type="triangle"/>
-          </a:ln>
-        </p:spPr>
-        <p:style>
-          <a:lnRef idx="1">
-            <a:schemeClr val="accent1"/>
-          </a:lnRef>
-          <a:fillRef idx="0">
-            <a:schemeClr val="accent1"/>
-          </a:fillRef>
-          <a:effectRef idx="0">
-            <a:schemeClr val="accent1"/>
-          </a:effectRef>
-          <a:fontRef idx="minor">
-            <a:schemeClr val="tx1"/>
-          </a:fontRef>
-        </p:style>
-      </p:cxnSp>
-      <p:cxnSp>
-        <p:nvCxnSpPr>
-          <p:cNvPr id="45" name="Straight Arrow Connector 44">
-            <a:extLst>
-              <a:ext uri="{FF2B5EF4-FFF2-40B4-BE49-F238E27FC236}">
-                <a16:creationId xmlns:a16="http://schemas.microsoft.com/office/drawing/2014/main" id="{1B2A8413-9E41-7144-BB30-1EF84D5F2B16}"/>
-              </a:ext>
-            </a:extLst>
-          </p:cNvPr>
-          <p:cNvCxnSpPr>
-            <a:cxnSpLocks/>
-          </p:cNvCxnSpPr>
-          <p:nvPr/>
-        </p:nvCxnSpPr>
-        <p:spPr>
-          <a:xfrm>
-            <a:off x="3016610" y="1801591"/>
-            <a:ext cx="623800" cy="0"/>
-          </a:xfrm>
-          <a:prstGeom prst="straightConnector1">
-            <a:avLst/>
-          </a:prstGeom>
-          <a:ln>
-            <a:solidFill>
-              <a:schemeClr val="tx1"/>
-            </a:solidFill>
-            <a:tailEnd type="triangle"/>
-          </a:ln>
-        </p:spPr>
-        <p:style>
-          <a:lnRef idx="1">
-            <a:schemeClr val="accent1"/>
-          </a:lnRef>
-          <a:fillRef idx="0">
-            <a:schemeClr val="accent1"/>
-          </a:fillRef>
-          <a:effectRef idx="0">
-            <a:schemeClr val="accent1"/>
-          </a:effectRef>
-          <a:fontRef idx="minor">
-            <a:schemeClr val="tx1"/>
-          </a:fontRef>
-        </p:style>
-      </p:cxnSp>
-      <p:sp>
-        <p:nvSpPr>
-          <p:cNvPr id="47" name="Diamond 46">
-            <a:extLst>
-              <a:ext uri="{FF2B5EF4-FFF2-40B4-BE49-F238E27FC236}">
-                <a16:creationId xmlns:a16="http://schemas.microsoft.com/office/drawing/2014/main" id="{DFA4B3DF-E9A7-0546-B8B5-D7A4C445B938}"/>
-              </a:ext>
-            </a:extLst>
-          </p:cNvPr>
-          <p:cNvSpPr/>
-          <p:nvPr/>
-        </p:nvSpPr>
-        <p:spPr>
-          <a:xfrm>
-            <a:off x="3649005" y="1547489"/>
-            <a:ext cx="1260000" cy="540000"/>
-          </a:xfrm>
-          <a:prstGeom prst="diamond">
-            <a:avLst/>
-          </a:prstGeom>
-          <a:solidFill>
-            <a:schemeClr val="bg1"/>
-          </a:solidFill>
-          <a:ln w="6350">
-            <a:solidFill>
-              <a:schemeClr val="tx1"/>
-            </a:solidFill>
-          </a:ln>
-        </p:spPr>
-        <p:style>
-          <a:lnRef idx="2">
-            <a:schemeClr val="accent1">
-              <a:shade val="50000"/>
-            </a:schemeClr>
-          </a:lnRef>
-          <a:fillRef idx="1">
-            <a:schemeClr val="accent1"/>
-          </a:fillRef>
-          <a:effectRef idx="0">
-            <a:schemeClr val="accent1"/>
-          </a:effectRef>
-          <a:fontRef idx="minor">
-            <a:schemeClr val="lt1"/>
-          </a:fontRef>
-        </p:style>
-        <p:txBody>
-          <a:bodyPr lIns="36000" tIns="36000" rIns="36000" bIns="36000" rtlCol="0" anchor="ctr"/>
-          <a:lstStyle/>
-          <a:p>
-            <a:pPr algn="ctr"/>
-            <a:r>
-              <a:rPr lang="en-US" sz="1100" dirty="0">
-                <a:solidFill>
-                  <a:schemeClr val="tx1"/>
-                </a:solidFill>
-                <a:latin typeface="Arial" panose="020B0604020202020204" pitchFamily="34" charset="0"/>
-                <a:cs typeface="Arial" panose="020B0604020202020204" pitchFamily="34" charset="0"/>
-              </a:rPr>
-              <a:t>Empty tables?</a:t>
-            </a:r>
-          </a:p>
-        </p:txBody>
-      </p:sp>
-      <p:cxnSp>
-        <p:nvCxnSpPr>
-          <p:cNvPr id="48" name="Straight Arrow Connector 47">
-            <a:extLst>
-              <a:ext uri="{FF2B5EF4-FFF2-40B4-BE49-F238E27FC236}">
-                <a16:creationId xmlns:a16="http://schemas.microsoft.com/office/drawing/2014/main" id="{81F5982E-22EB-2646-A9C9-6946A63B3C18}"/>
-              </a:ext>
-            </a:extLst>
-          </p:cNvPr>
-          <p:cNvCxnSpPr>
-            <a:stCxn id="47" idx="3"/>
-          </p:cNvCxnSpPr>
-          <p:nvPr/>
-        </p:nvCxnSpPr>
-        <p:spPr>
-          <a:xfrm>
-            <a:off x="4909005" y="1817489"/>
-            <a:ext cx="2735306" cy="0"/>
-          </a:xfrm>
-          <a:prstGeom prst="straightConnector1">
-            <a:avLst/>
-          </a:prstGeom>
-          <a:ln>
-            <a:solidFill>
-              <a:schemeClr val="tx1"/>
-            </a:solidFill>
-            <a:tailEnd type="triangle"/>
-          </a:ln>
-        </p:spPr>
-        <p:style>
-          <a:lnRef idx="1">
-            <a:schemeClr val="accent1"/>
-          </a:lnRef>
-          <a:fillRef idx="0">
-            <a:schemeClr val="accent1"/>
-          </a:fillRef>
-          <a:effectRef idx="0">
-            <a:schemeClr val="accent1"/>
-          </a:effectRef>
-          <a:fontRef idx="minor">
-            <a:schemeClr val="tx1"/>
-          </a:fontRef>
-        </p:style>
-      </p:cxnSp>
-      <p:sp>
-        <p:nvSpPr>
-          <p:cNvPr id="50" name="TextBox 49">
-            <a:extLst>
-              <a:ext uri="{FF2B5EF4-FFF2-40B4-BE49-F238E27FC236}">
-                <a16:creationId xmlns:a16="http://schemas.microsoft.com/office/drawing/2014/main" id="{930A8E4A-6035-984A-B67A-82AA2F065CAB}"/>
-              </a:ext>
-            </a:extLst>
-          </p:cNvPr>
-          <p:cNvSpPr txBox="1"/>
-          <p:nvPr/>
-        </p:nvSpPr>
-        <p:spPr>
-          <a:xfrm>
-            <a:off x="4857804" y="1538887"/>
-            <a:ext cx="435056" cy="276999"/>
-          </a:xfrm>
-          <a:prstGeom prst="rect">
-            <a:avLst/>
-          </a:prstGeom>
-          <a:noFill/>
-        </p:spPr>
-        <p:txBody>
-          <a:bodyPr wrap="none" rtlCol="0">
-            <a:spAutoFit/>
-          </a:bodyPr>
-          <a:lstStyle/>
-          <a:p>
-            <a:r>
-              <a:rPr lang="en-US" sz="1200">
-                <a:latin typeface="Arial" panose="020B0604020202020204" pitchFamily="34" charset="0"/>
-                <a:cs typeface="Arial" panose="020B0604020202020204" pitchFamily="34" charset="0"/>
-              </a:rPr>
-              <a:t>Yes</a:t>
-            </a:r>
-          </a:p>
-        </p:txBody>
-      </p:sp>
-      <p:sp>
-        <p:nvSpPr>
-          <p:cNvPr id="51" name="TextBox 50">
-            <a:extLst>
-              <a:ext uri="{FF2B5EF4-FFF2-40B4-BE49-F238E27FC236}">
-                <a16:creationId xmlns:a16="http://schemas.microsoft.com/office/drawing/2014/main" id="{738301D4-B570-F745-B48A-B2DE34D5EFFA}"/>
-              </a:ext>
-            </a:extLst>
-          </p:cNvPr>
-          <p:cNvSpPr txBox="1"/>
-          <p:nvPr/>
-        </p:nvSpPr>
-        <p:spPr>
-          <a:xfrm>
-            <a:off x="4279984" y="2091815"/>
-            <a:ext cx="380232" cy="276999"/>
-          </a:xfrm>
-          <a:prstGeom prst="rect">
-            <a:avLst/>
-          </a:prstGeom>
-          <a:noFill/>
-        </p:spPr>
-        <p:txBody>
-          <a:bodyPr wrap="none" rtlCol="0">
-            <a:spAutoFit/>
-          </a:bodyPr>
-          <a:lstStyle/>
-          <a:p>
-            <a:r>
-              <a:rPr lang="en-US" sz="1200" dirty="0">
-                <a:latin typeface="Arial" panose="020B0604020202020204" pitchFamily="34" charset="0"/>
-                <a:cs typeface="Arial" panose="020B0604020202020204" pitchFamily="34" charset="0"/>
-              </a:rPr>
-              <a:t>No</a:t>
-            </a:r>
-          </a:p>
-        </p:txBody>
-      </p:sp>
-      <p:cxnSp>
-        <p:nvCxnSpPr>
-          <p:cNvPr id="53" name="Elbow Connector 52">
-            <a:extLst>
-              <a:ext uri="{FF2B5EF4-FFF2-40B4-BE49-F238E27FC236}">
-                <a16:creationId xmlns:a16="http://schemas.microsoft.com/office/drawing/2014/main" id="{095E829E-7DB1-6C43-A642-2725A5B847CE}"/>
-              </a:ext>
-            </a:extLst>
-          </p:cNvPr>
-          <p:cNvCxnSpPr>
-            <a:cxnSpLocks/>
-            <a:endCxn id="39" idx="3"/>
-          </p:cNvCxnSpPr>
-          <p:nvPr/>
-        </p:nvCxnSpPr>
-        <p:spPr>
-          <a:xfrm>
-            <a:off x="4279005" y="2082238"/>
-            <a:ext cx="4685564" cy="3986408"/>
-          </a:xfrm>
-          <a:prstGeom prst="bentConnector3">
-            <a:avLst>
-              <a:gd name="adj1" fmla="val 104879"/>
-            </a:avLst>
-          </a:prstGeom>
-          <a:ln>
-            <a:solidFill>
-              <a:schemeClr val="tx1"/>
-            </a:solidFill>
-            <a:tailEnd type="triangle"/>
-          </a:ln>
-        </p:spPr>
-        <p:style>
-          <a:lnRef idx="1">
-            <a:schemeClr val="accent1"/>
-          </a:lnRef>
-          <a:fillRef idx="0">
-            <a:schemeClr val="accent1"/>
-          </a:fillRef>
-          <a:effectRef idx="0">
-            <a:schemeClr val="accent1"/>
-          </a:effectRef>
-          <a:fontRef idx="minor">
-            <a:schemeClr val="tx1"/>
-          </a:fontRef>
-        </p:style>
-      </p:cxnSp>
-      <p:sp>
-        <p:nvSpPr>
-          <p:cNvPr id="54" name="Rectangle 53">
-            <a:extLst>
-              <a:ext uri="{FF2B5EF4-FFF2-40B4-BE49-F238E27FC236}">
-                <a16:creationId xmlns:a16="http://schemas.microsoft.com/office/drawing/2014/main" id="{D59F4D00-9215-004F-89CF-C24B52F0CBAE}"/>
-              </a:ext>
-            </a:extLst>
-          </p:cNvPr>
-          <p:cNvSpPr/>
-          <p:nvPr/>
-        </p:nvSpPr>
-        <p:spPr>
-          <a:xfrm>
-            <a:off x="7644311" y="1487103"/>
-            <a:ext cx="1440000" cy="540000"/>
-          </a:xfrm>
-          <a:prstGeom prst="rect">
-            <a:avLst/>
-          </a:prstGeom>
-          <a:solidFill>
-            <a:schemeClr val="bg1"/>
-          </a:solidFill>
-          <a:ln w="6350">
-            <a:solidFill>
-              <a:schemeClr val="tx1"/>
-            </a:solidFill>
-          </a:ln>
-        </p:spPr>
-        <p:style>
-          <a:lnRef idx="2">
-            <a:schemeClr val="accent1">
-              <a:shade val="50000"/>
-            </a:schemeClr>
-          </a:lnRef>
-          <a:fillRef idx="1">
-            <a:schemeClr val="accent1"/>
-          </a:fillRef>
-          <a:effectRef idx="0">
-            <a:schemeClr val="accent1"/>
-          </a:effectRef>
-          <a:fontRef idx="minor">
-            <a:schemeClr val="lt1"/>
-          </a:fontRef>
-        </p:style>
-        <p:txBody>
-          <a:bodyPr rtlCol="0" anchor="ctr"/>
-          <a:lstStyle/>
-          <a:p>
-            <a:pPr algn="ctr"/>
-            <a:r>
-              <a:rPr lang="en-US" sz="1100" dirty="0">
-                <a:solidFill>
-                  <a:schemeClr val="tx1"/>
-                </a:solidFill>
-                <a:latin typeface="Arial" panose="020B0604020202020204" pitchFamily="34" charset="0"/>
-                <a:cs typeface="Arial" panose="020B0604020202020204" pitchFamily="34" charset="0"/>
-              </a:rPr>
-              <a:t>Perform assignment to the reserved table</a:t>
-            </a:r>
-          </a:p>
-        </p:txBody>
-      </p:sp>
-      <p:cxnSp>
-        <p:nvCxnSpPr>
-          <p:cNvPr id="57" name="Elbow Connector 56">
-            <a:extLst>
-              <a:ext uri="{FF2B5EF4-FFF2-40B4-BE49-F238E27FC236}">
-                <a16:creationId xmlns:a16="http://schemas.microsoft.com/office/drawing/2014/main" id="{78F64E2D-F962-2B44-840A-52EFC90F5F9E}"/>
-              </a:ext>
-            </a:extLst>
-          </p:cNvPr>
-          <p:cNvCxnSpPr>
-            <a:cxnSpLocks/>
-            <a:stCxn id="54" idx="3"/>
-            <a:endCxn id="39" idx="3"/>
-          </p:cNvCxnSpPr>
-          <p:nvPr/>
-        </p:nvCxnSpPr>
-        <p:spPr>
-          <a:xfrm flipH="1">
-            <a:off x="8964569" y="1757103"/>
-            <a:ext cx="119742" cy="4311543"/>
-          </a:xfrm>
-          <a:prstGeom prst="bentConnector3">
-            <a:avLst>
-              <a:gd name="adj1" fmla="val -190910"/>
-            </a:avLst>
-          </a:prstGeom>
-          <a:ln>
-            <a:solidFill>
-              <a:schemeClr val="tx1"/>
-            </a:solidFill>
-            <a:tailEnd type="triangle"/>
-          </a:ln>
-        </p:spPr>
-        <p:style>
-          <a:lnRef idx="1">
-            <a:schemeClr val="accent1"/>
-          </a:lnRef>
-          <a:fillRef idx="0">
-            <a:schemeClr val="accent1"/>
-          </a:fillRef>
-          <a:effectRef idx="0">
-            <a:schemeClr val="accent1"/>
-          </a:effectRef>
-          <a:fontRef idx="minor">
-            <a:schemeClr val="tx1"/>
-          </a:fontRef>
-        </p:style>
-      </p:cxnSp>
-      <p:sp>
-        <p:nvSpPr>
-          <p:cNvPr id="56" name="Diamond 55">
-            <a:extLst>
-              <a:ext uri="{FF2B5EF4-FFF2-40B4-BE49-F238E27FC236}">
-                <a16:creationId xmlns:a16="http://schemas.microsoft.com/office/drawing/2014/main" id="{C22AF827-E530-D146-B957-F805EAB923FF}"/>
-              </a:ext>
-            </a:extLst>
-          </p:cNvPr>
-          <p:cNvSpPr/>
-          <p:nvPr/>
-        </p:nvSpPr>
-        <p:spPr>
-          <a:xfrm>
-            <a:off x="5397256" y="2607249"/>
-            <a:ext cx="1260000" cy="540000"/>
-          </a:xfrm>
-          <a:prstGeom prst="diamond">
-            <a:avLst/>
-          </a:prstGeom>
-          <a:solidFill>
-            <a:schemeClr val="bg1"/>
-          </a:solidFill>
-          <a:ln w="6350">
-            <a:solidFill>
-              <a:schemeClr val="tx1"/>
-            </a:solidFill>
-          </a:ln>
-        </p:spPr>
-        <p:style>
-          <a:lnRef idx="2">
-            <a:schemeClr val="accent1">
-              <a:shade val="50000"/>
-            </a:schemeClr>
-          </a:lnRef>
-          <a:fillRef idx="1">
-            <a:schemeClr val="accent1"/>
-          </a:fillRef>
-          <a:effectRef idx="0">
-            <a:schemeClr val="accent1"/>
-          </a:effectRef>
-          <a:fontRef idx="minor">
-            <a:schemeClr val="lt1"/>
-          </a:fontRef>
-        </p:style>
-        <p:txBody>
-          <a:bodyPr lIns="36000" tIns="36000" rIns="36000" bIns="36000" rtlCol="0" anchor="ctr"/>
-          <a:lstStyle/>
-          <a:p>
-            <a:pPr algn="ctr"/>
-            <a:r>
-              <a:rPr lang="en-US" sz="600" dirty="0">
-                <a:solidFill>
-                  <a:schemeClr val="tx1"/>
-                </a:solidFill>
-                <a:latin typeface="Arial" panose="020B0604020202020204" pitchFamily="34" charset="0"/>
-                <a:cs typeface="Arial" panose="020B0604020202020204" pitchFamily="34" charset="0"/>
-              </a:rPr>
-              <a:t>Table Size ≠</a:t>
-            </a:r>
-          </a:p>
-          <a:p>
-            <a:pPr algn="ctr"/>
-            <a:r>
-              <a:rPr lang="en-US" sz="600" dirty="0">
-                <a:solidFill>
-                  <a:schemeClr val="tx1"/>
-                </a:solidFill>
-                <a:latin typeface="Arial" panose="020B0604020202020204" pitchFamily="34" charset="0"/>
-                <a:cs typeface="Arial" panose="020B0604020202020204" pitchFamily="34" charset="0"/>
-              </a:rPr>
-              <a:t>  Reserved Group Size</a:t>
-            </a:r>
-          </a:p>
-        </p:txBody>
-      </p:sp>
-      <p:cxnSp>
-        <p:nvCxnSpPr>
-          <p:cNvPr id="58" name="Straight Arrow Connector 57">
-            <a:extLst>
-              <a:ext uri="{FF2B5EF4-FFF2-40B4-BE49-F238E27FC236}">
-                <a16:creationId xmlns:a16="http://schemas.microsoft.com/office/drawing/2014/main" id="{4144626B-7BF1-014C-AB50-F507F13E3FBF}"/>
-              </a:ext>
-            </a:extLst>
-          </p:cNvPr>
-          <p:cNvCxnSpPr>
-            <a:cxnSpLocks/>
-          </p:cNvCxnSpPr>
-          <p:nvPr/>
-        </p:nvCxnSpPr>
-        <p:spPr>
-          <a:xfrm>
-            <a:off x="4784332" y="2877249"/>
-            <a:ext cx="623800" cy="0"/>
-          </a:xfrm>
-          <a:prstGeom prst="straightConnector1">
-            <a:avLst/>
-          </a:prstGeom>
-          <a:ln>
-            <a:solidFill>
-              <a:schemeClr val="tx1"/>
-            </a:solidFill>
-            <a:tailEnd type="triangle"/>
-          </a:ln>
-        </p:spPr>
-        <p:style>
-          <a:lnRef idx="1">
-            <a:schemeClr val="accent1"/>
-          </a:lnRef>
-          <a:fillRef idx="0">
-            <a:schemeClr val="accent1"/>
-          </a:fillRef>
-          <a:effectRef idx="0">
-            <a:schemeClr val="accent1"/>
-          </a:effectRef>
-          <a:fontRef idx="minor">
-            <a:schemeClr val="tx1"/>
-          </a:fontRef>
-        </p:style>
-      </p:cxnSp>
-      <p:cxnSp>
-        <p:nvCxnSpPr>
-          <p:cNvPr id="59" name="Straight Arrow Connector 58">
-            <a:extLst>
-              <a:ext uri="{FF2B5EF4-FFF2-40B4-BE49-F238E27FC236}">
-                <a16:creationId xmlns:a16="http://schemas.microsoft.com/office/drawing/2014/main" id="{32B5FC23-F338-B74B-9F8C-2EA0220094B6}"/>
-              </a:ext>
-            </a:extLst>
-          </p:cNvPr>
-          <p:cNvCxnSpPr>
-            <a:cxnSpLocks/>
-            <a:endCxn id="5" idx="1"/>
-          </p:cNvCxnSpPr>
-          <p:nvPr/>
-        </p:nvCxnSpPr>
-        <p:spPr>
-          <a:xfrm>
-            <a:off x="6657256" y="2884291"/>
-            <a:ext cx="867313" cy="0"/>
-          </a:xfrm>
-          <a:prstGeom prst="straightConnector1">
-            <a:avLst/>
-          </a:prstGeom>
-          <a:ln>
-            <a:solidFill>
-              <a:schemeClr val="tx1"/>
-            </a:solidFill>
-            <a:tailEnd type="triangle"/>
-          </a:ln>
-        </p:spPr>
-        <p:style>
-          <a:lnRef idx="1">
-            <a:schemeClr val="accent1"/>
-          </a:lnRef>
-          <a:fillRef idx="0">
-            <a:schemeClr val="accent1"/>
-          </a:fillRef>
-          <a:effectRef idx="0">
-            <a:schemeClr val="accent1"/>
-          </a:effectRef>
-          <a:fontRef idx="minor">
-            <a:schemeClr val="tx1"/>
-          </a:fontRef>
-        </p:style>
-      </p:cxnSp>
-      <p:sp>
-        <p:nvSpPr>
-          <p:cNvPr id="60" name="TextBox 59">
-            <a:extLst>
-              <a:ext uri="{FF2B5EF4-FFF2-40B4-BE49-F238E27FC236}">
-                <a16:creationId xmlns:a16="http://schemas.microsoft.com/office/drawing/2014/main" id="{D86E8A33-A4CF-E140-BEF4-644214BC2335}"/>
-              </a:ext>
-            </a:extLst>
-          </p:cNvPr>
-          <p:cNvSpPr txBox="1"/>
-          <p:nvPr/>
-        </p:nvSpPr>
-        <p:spPr>
-          <a:xfrm>
-            <a:off x="6884388" y="2596171"/>
-            <a:ext cx="435056" cy="276999"/>
-          </a:xfrm>
-          <a:prstGeom prst="rect">
-            <a:avLst/>
-          </a:prstGeom>
-          <a:noFill/>
-        </p:spPr>
-        <p:txBody>
-          <a:bodyPr wrap="none" rtlCol="0">
-            <a:spAutoFit/>
-          </a:bodyPr>
-          <a:lstStyle/>
-          <a:p>
-            <a:r>
-              <a:rPr lang="en-US" sz="1200" dirty="0">
-                <a:latin typeface="Arial" panose="020B0604020202020204" pitchFamily="34" charset="0"/>
-                <a:cs typeface="Arial" panose="020B0604020202020204" pitchFamily="34" charset="0"/>
-              </a:rPr>
-              <a:t>Yes</a:t>
-            </a:r>
-          </a:p>
-        </p:txBody>
-      </p:sp>
-      <p:sp>
-        <p:nvSpPr>
-          <p:cNvPr id="62" name="TextBox 61">
-            <a:extLst>
-              <a:ext uri="{FF2B5EF4-FFF2-40B4-BE49-F238E27FC236}">
-                <a16:creationId xmlns:a16="http://schemas.microsoft.com/office/drawing/2014/main" id="{3A34B387-56B5-BD48-B05D-CD4AEC4FEDB3}"/>
-              </a:ext>
-            </a:extLst>
-          </p:cNvPr>
-          <p:cNvSpPr txBox="1"/>
-          <p:nvPr/>
-        </p:nvSpPr>
-        <p:spPr>
-          <a:xfrm>
-            <a:off x="5998007" y="3136602"/>
-            <a:ext cx="380232" cy="276999"/>
-          </a:xfrm>
-          <a:prstGeom prst="rect">
-            <a:avLst/>
-          </a:prstGeom>
-          <a:noFill/>
-        </p:spPr>
-        <p:txBody>
-          <a:bodyPr wrap="none" rtlCol="0">
-            <a:spAutoFit/>
-          </a:bodyPr>
-          <a:lstStyle/>
-          <a:p>
-            <a:r>
-              <a:rPr lang="en-US" sz="1200" dirty="0">
-                <a:latin typeface="Arial" panose="020B0604020202020204" pitchFamily="34" charset="0"/>
-                <a:cs typeface="Arial" panose="020B0604020202020204" pitchFamily="34" charset="0"/>
-              </a:rPr>
-              <a:t>No</a:t>
-            </a:r>
-          </a:p>
-        </p:txBody>
-      </p:sp>
-      <p:cxnSp>
-        <p:nvCxnSpPr>
-          <p:cNvPr id="63" name="Elbow Connector 62">
-            <a:extLst>
-              <a:ext uri="{FF2B5EF4-FFF2-40B4-BE49-F238E27FC236}">
-                <a16:creationId xmlns:a16="http://schemas.microsoft.com/office/drawing/2014/main" id="{7D8796A9-20A2-7F4B-8780-949EC0E0D621}"/>
-              </a:ext>
-            </a:extLst>
-          </p:cNvPr>
-          <p:cNvCxnSpPr>
-            <a:cxnSpLocks/>
-            <a:stCxn id="56" idx="2"/>
-            <a:endCxn id="10" idx="0"/>
-          </p:cNvCxnSpPr>
-          <p:nvPr/>
-        </p:nvCxnSpPr>
-        <p:spPr>
-          <a:xfrm rot="5400000">
-            <a:off x="4828345" y="2478168"/>
-            <a:ext cx="529831" cy="1867993"/>
-          </a:xfrm>
-          <a:prstGeom prst="bentConnector3">
-            <a:avLst>
-              <a:gd name="adj1" fmla="val 50000"/>
-            </a:avLst>
-          </a:prstGeom>
-          <a:ln>
-            <a:solidFill>
-              <a:schemeClr val="tx1"/>
-            </a:solidFill>
-            <a:tailEnd type="triangle"/>
-          </a:ln>
-        </p:spPr>
-        <p:style>
-          <a:lnRef idx="1">
-            <a:schemeClr val="accent1"/>
-          </a:lnRef>
-          <a:fillRef idx="0">
-            <a:schemeClr val="accent1"/>
-          </a:fillRef>
-          <a:effectRef idx="0">
-            <a:schemeClr val="accent1"/>
-          </a:effectRef>
-          <a:fontRef idx="minor">
-            <a:schemeClr val="tx1"/>
-          </a:fontRef>
-        </p:style>
-      </p:cxnSp>
+            <a:pPr marL="342900" indent="-342900">
+              <a:buFont typeface="+mj-lt"/>
+              <a:buAutoNum type="arabicPeriod"/>
+            </a:pPr>
+            <a:r>
+              <a:rPr lang="en-US" dirty="0"/>
+              <a:t>There is no waiting line and there is an empty table. Group is assigned to the table</a:t>
+            </a:r>
+          </a:p>
+          <a:p>
+            <a:pPr marL="342900" indent="-342900">
+              <a:buFont typeface="+mj-lt"/>
+              <a:buAutoNum type="arabicPeriod"/>
+            </a:pPr>
+            <a:r>
+              <a:rPr lang="en-US" dirty="0"/>
+              <a:t>There is no waiting line, but there are no empty tables. Group added to the abandonments list.</a:t>
+            </a:r>
+          </a:p>
+          <a:p>
+            <a:pPr marL="342900" indent="-342900">
+              <a:buFont typeface="+mj-lt"/>
+              <a:buAutoNum type="arabicPeriod"/>
+            </a:pPr>
+            <a:r>
+              <a:rPr lang="en-US" dirty="0"/>
+              <a:t>There is a waiting line and enough available seats in any reserved table. Group is assigned to the table</a:t>
+            </a:r>
+          </a:p>
+          <a:p>
+            <a:pPr marL="342900" indent="-342900">
+              <a:buFont typeface="+mj-lt"/>
+              <a:buAutoNum type="arabicPeriod"/>
+            </a:pPr>
+            <a:r>
+              <a:rPr lang="en-US" dirty="0"/>
+              <a:t>There is a waiting line and no enough available seats to fit the </a:t>
+            </a:r>
+            <a:r>
+              <a:rPr lang="en-US" dirty="0" err="1"/>
+              <a:t>refered</a:t>
+            </a:r>
+            <a:r>
+              <a:rPr lang="en-US" dirty="0"/>
+              <a:t> group. Group added to the abandonments list.</a:t>
+            </a:r>
+          </a:p>
+          <a:p>
+            <a:endParaRPr lang="en-US" dirty="0"/>
+          </a:p>
+        </p:txBody>
+      </p:sp>
     </p:spTree>
     <p:extLst>
       <p:ext uri="{BB962C8B-B14F-4D97-AF65-F5344CB8AC3E}">
-        <p14:creationId xmlns:p14="http://schemas.microsoft.com/office/powerpoint/2010/main" val="788928396"/>
+        <p14:creationId xmlns:p14="http://schemas.microsoft.com/office/powerpoint/2010/main" val="2788731122"/>
       </p:ext>
     </p:extLst>
   </p:cSld>
@@ -5050,7 +5588,7 @@
         <a:srgbClr val="E7E6E6"/>
       </a:lt2>
       <a:accent1>
-        <a:srgbClr val="5B9BD5"/>
+        <a:srgbClr val="4472C4"/>
       </a:accent1>
       <a:accent2>
         <a:srgbClr val="ED7D31"/>
@@ -5062,7 +5600,7 @@
         <a:srgbClr val="FFC000"/>
       </a:accent4>
       <a:accent5>
-        <a:srgbClr val="4472C4"/>
+        <a:srgbClr val="5B9BD5"/>
       </a:accent5>
       <a:accent6>
         <a:srgbClr val="70AD47"/>
@@ -5109,6 +5647,23 @@
         <a:font script="Viet" typeface="Times New Roman"/>
         <a:font script="Uigh" typeface="Microsoft Uighur"/>
         <a:font script="Geor" typeface="Sylfaen"/>
+        <a:font script="Armn" typeface="Arial"/>
+        <a:font script="Bugi" typeface="Leelawadee UI"/>
+        <a:font script="Bopo" typeface="Microsoft JhengHei"/>
+        <a:font script="Java" typeface="Javanese Text"/>
+        <a:font script="Lisu" typeface="Segoe UI"/>
+        <a:font script="Mymr" typeface="Myanmar Text"/>
+        <a:font script="Nkoo" typeface="Ebrima"/>
+        <a:font script="Olck" typeface="Nirmala UI"/>
+        <a:font script="Osma" typeface="Ebrima"/>
+        <a:font script="Phag" typeface="Phagspa"/>
+        <a:font script="Syrn" typeface="Estrangelo Edessa"/>
+        <a:font script="Syrj" typeface="Estrangelo Edessa"/>
+        <a:font script="Syre" typeface="Estrangelo Edessa"/>
+        <a:font script="Sora" typeface="Nirmala UI"/>
+        <a:font script="Tale" typeface="Microsoft Tai Le"/>
+        <a:font script="Talu" typeface="Microsoft New Tai Lue"/>
+        <a:font script="Tfng" typeface="Ebrima"/>
       </a:majorFont>
       <a:minorFont>
         <a:latin typeface="Calibri" panose="020F0502020204030204"/>
@@ -5144,6 +5699,23 @@
         <a:font script="Viet" typeface="Arial"/>
         <a:font script="Uigh" typeface="Microsoft Uighur"/>
         <a:font script="Geor" typeface="Sylfaen"/>
+        <a:font script="Armn" typeface="Arial"/>
+        <a:font script="Bugi" typeface="Leelawadee UI"/>
+        <a:font script="Bopo" typeface="Microsoft JhengHei"/>
+        <a:font script="Java" typeface="Javanese Text"/>
+        <a:font script="Lisu" typeface="Segoe UI"/>
+        <a:font script="Mymr" typeface="Myanmar Text"/>
+        <a:font script="Nkoo" typeface="Ebrima"/>
+        <a:font script="Olck" typeface="Nirmala UI"/>
+        <a:font script="Osma" typeface="Ebrima"/>
+        <a:font script="Phag" typeface="Phagspa"/>
+        <a:font script="Syrn" typeface="Estrangelo Edessa"/>
+        <a:font script="Syrj" typeface="Estrangelo Edessa"/>
+        <a:font script="Syre" typeface="Estrangelo Edessa"/>
+        <a:font script="Sora" typeface="Nirmala UI"/>
+        <a:font script="Tale" typeface="Microsoft Tai Le"/>
+        <a:font script="Talu" typeface="Microsoft New Tai Lue"/>
+        <a:font script="Tfng" typeface="Ebrima"/>
       </a:minorFont>
     </a:fontScheme>
     <a:fmtScheme name="Office">
